--- a/assets/img/portfolio/cards-portifolio.pptx
+++ b/assets/img/portfolio/cards-portifolio.pptx
@@ -8,6 +8,7 @@
     <p:sldId id="256" r:id="rId2"/>
     <p:sldId id="257" r:id="rId3"/>
     <p:sldId id="258" r:id="rId4"/>
+    <p:sldId id="260" r:id="rId5"/>
   </p:sldIdLst>
   <p:sldSz cx="12192000" cy="6858000"/>
   <p:notesSz cx="6858000" cy="9144000"/>
@@ -106,7 +107,110 @@
       </a:defRPr>
     </a:lvl9pPr>
   </p:defaultTextStyle>
+  <p:extLst>
+    <p:ext uri="{EFAFB233-063F-42B5-8137-9DF3F51BA10A}">
+      <p15:sldGuideLst xmlns:p15="http://schemas.microsoft.com/office/powerpoint/2012/main"/>
+    </p:ext>
+  </p:extLst>
 </p:presentation>
+</file>
+
+<file path=ppt/revisionInfo.xml><?xml version="1.0" encoding="utf-8"?>
+<p1510:revInfo xmlns:a="http://schemas.openxmlformats.org/drawingml/2006/main" xmlns:r="http://schemas.openxmlformats.org/officeDocument/2006/relationships" xmlns:p1510="http://schemas.microsoft.com/office/powerpoint/2015/10/main">
+  <p1510:revLst>
+    <p1510:client id="{F75CBDB1-DEC4-486F-8AB0-90D2169E0DFA}" v="2" dt="2023-11-22T15:19:59.959"/>
+  </p1510:revLst>
+</p1510:revInfo>
+</file>
+
+<file path=ppt/changesInfos/changesInfo1.xml><?xml version="1.0" encoding="utf-8"?>
+<pc:chgInfo xmlns:a="http://schemas.openxmlformats.org/drawingml/2006/main" xmlns:r="http://schemas.openxmlformats.org/officeDocument/2006/relationships" xmlns:ac="http://schemas.microsoft.com/office/drawing/2013/main/command" xmlns:pc="http://schemas.microsoft.com/office/powerpoint/2013/main/command">
+  <pc:docChgLst>
+    <pc:chgData name="MATHEUS SANTOS DIAS" userId="230fdbc8-4b0d-4b95-a425-bf041973b5a0" providerId="ADAL" clId="{F75CBDB1-DEC4-486F-8AB0-90D2169E0DFA}"/>
+    <pc:docChg chg="undo redo custSel addSld delSld modSld">
+      <pc:chgData name="MATHEUS SANTOS DIAS" userId="230fdbc8-4b0d-4b95-a425-bf041973b5a0" providerId="ADAL" clId="{F75CBDB1-DEC4-486F-8AB0-90D2169E0DFA}" dt="2023-11-22T22:13:20.380" v="90" actId="20577"/>
+      <pc:docMkLst>
+        <pc:docMk/>
+      </pc:docMkLst>
+      <pc:sldChg chg="modSp mod">
+        <pc:chgData name="MATHEUS SANTOS DIAS" userId="230fdbc8-4b0d-4b95-a425-bf041973b5a0" providerId="ADAL" clId="{F75CBDB1-DEC4-486F-8AB0-90D2169E0DFA}" dt="2023-11-22T15:21:51.208" v="25" actId="14100"/>
+        <pc:sldMkLst>
+          <pc:docMk/>
+          <pc:sldMk cId="3094583086" sldId="257"/>
+        </pc:sldMkLst>
+        <pc:picChg chg="mod">
+          <ac:chgData name="MATHEUS SANTOS DIAS" userId="230fdbc8-4b0d-4b95-a425-bf041973b5a0" providerId="ADAL" clId="{F75CBDB1-DEC4-486F-8AB0-90D2169E0DFA}" dt="2023-11-22T15:21:51.208" v="25" actId="14100"/>
+          <ac:picMkLst>
+            <pc:docMk/>
+            <pc:sldMk cId="3094583086" sldId="257"/>
+            <ac:picMk id="3" creationId="{402F5158-6738-1F0E-B977-989FD4CA62AD}"/>
+          </ac:picMkLst>
+        </pc:picChg>
+      </pc:sldChg>
+      <pc:sldChg chg="modSp mod">
+        <pc:chgData name="MATHEUS SANTOS DIAS" userId="230fdbc8-4b0d-4b95-a425-bf041973b5a0" providerId="ADAL" clId="{F75CBDB1-DEC4-486F-8AB0-90D2169E0DFA}" dt="2023-11-22T15:21:49.664" v="23" actId="1076"/>
+        <pc:sldMkLst>
+          <pc:docMk/>
+          <pc:sldMk cId="314579243" sldId="258"/>
+        </pc:sldMkLst>
+        <pc:picChg chg="mod">
+          <ac:chgData name="MATHEUS SANTOS DIAS" userId="230fdbc8-4b0d-4b95-a425-bf041973b5a0" providerId="ADAL" clId="{F75CBDB1-DEC4-486F-8AB0-90D2169E0DFA}" dt="2023-11-22T15:21:49.664" v="23" actId="1076"/>
+          <ac:picMkLst>
+            <pc:docMk/>
+            <pc:sldMk cId="314579243" sldId="258"/>
+            <ac:picMk id="3" creationId="{ECED02C7-09C0-EC2B-32B4-D81577CB83E3}"/>
+          </ac:picMkLst>
+        </pc:picChg>
+      </pc:sldChg>
+      <pc:sldChg chg="new del">
+        <pc:chgData name="MATHEUS SANTOS DIAS" userId="230fdbc8-4b0d-4b95-a425-bf041973b5a0" providerId="ADAL" clId="{F75CBDB1-DEC4-486F-8AB0-90D2169E0DFA}" dt="2023-11-22T15:19:40.072" v="2" actId="47"/>
+        <pc:sldMkLst>
+          <pc:docMk/>
+          <pc:sldMk cId="1794669792" sldId="259"/>
+        </pc:sldMkLst>
+      </pc:sldChg>
+      <pc:sldChg chg="addSp delSp modSp add mod">
+        <pc:chgData name="MATHEUS SANTOS DIAS" userId="230fdbc8-4b0d-4b95-a425-bf041973b5a0" providerId="ADAL" clId="{F75CBDB1-DEC4-486F-8AB0-90D2169E0DFA}" dt="2023-11-22T22:13:20.380" v="90" actId="20577"/>
+        <pc:sldMkLst>
+          <pc:docMk/>
+          <pc:sldMk cId="1330256755" sldId="260"/>
+        </pc:sldMkLst>
+        <pc:spChg chg="mod">
+          <ac:chgData name="MATHEUS SANTOS DIAS" userId="230fdbc8-4b0d-4b95-a425-bf041973b5a0" providerId="ADAL" clId="{F75CBDB1-DEC4-486F-8AB0-90D2169E0DFA}" dt="2023-11-22T15:25:10.267" v="89" actId="207"/>
+          <ac:spMkLst>
+            <pc:docMk/>
+            <pc:sldMk cId="1330256755" sldId="260"/>
+            <ac:spMk id="4" creationId="{05580C2E-9A88-0CED-A559-C28FFD25F071}"/>
+          </ac:spMkLst>
+        </pc:spChg>
+        <pc:spChg chg="mod">
+          <ac:chgData name="MATHEUS SANTOS DIAS" userId="230fdbc8-4b0d-4b95-a425-bf041973b5a0" providerId="ADAL" clId="{F75CBDB1-DEC4-486F-8AB0-90D2169E0DFA}" dt="2023-11-22T22:13:20.380" v="90" actId="20577"/>
+          <ac:spMkLst>
+            <pc:docMk/>
+            <pc:sldMk cId="1330256755" sldId="260"/>
+            <ac:spMk id="5" creationId="{77196CD6-8C17-EC1F-2FB6-6D3CF0DE30D3}"/>
+          </ac:spMkLst>
+        </pc:spChg>
+        <pc:picChg chg="del">
+          <ac:chgData name="MATHEUS SANTOS DIAS" userId="230fdbc8-4b0d-4b95-a425-bf041973b5a0" providerId="ADAL" clId="{F75CBDB1-DEC4-486F-8AB0-90D2169E0DFA}" dt="2023-11-22T15:19:42.001" v="3" actId="478"/>
+          <ac:picMkLst>
+            <pc:docMk/>
+            <pc:sldMk cId="1330256755" sldId="260"/>
+            <ac:picMk id="3" creationId="{ECED02C7-09C0-EC2B-32B4-D81577CB83E3}"/>
+          </ac:picMkLst>
+        </pc:picChg>
+        <pc:picChg chg="add mod ord">
+          <ac:chgData name="MATHEUS SANTOS DIAS" userId="230fdbc8-4b0d-4b95-a425-bf041973b5a0" providerId="ADAL" clId="{F75CBDB1-DEC4-486F-8AB0-90D2169E0DFA}" dt="2023-11-22T15:22:07.974" v="30" actId="1076"/>
+          <ac:picMkLst>
+            <pc:docMk/>
+            <pc:sldMk cId="1330256755" sldId="260"/>
+            <ac:picMk id="6" creationId="{AD13CDD3-5CCC-25BC-9973-2096604D28E7}"/>
+          </ac:picMkLst>
+        </pc:picChg>
+      </pc:sldChg>
+    </pc:docChg>
+  </pc:docChgLst>
+</pc:chgInfo>
 </file>
 
 <file path=ppt/slideLayouts/slideLayout1.xml><?xml version="1.0" encoding="utf-8"?>
@@ -256,7 +360,7 @@
           <a:p>
             <a:fld id="{28EA16E0-01DB-4CA7-B5A5-2C288B23FD35}" type="datetimeFigureOut">
               <a:rPr lang="pt-BR" smtClean="0"/>
-              <a:t>21/11/2023</a:t>
+              <a:t>22/11/2023</a:t>
             </a:fld>
             <a:endParaRPr lang="pt-BR"/>
           </a:p>
@@ -454,7 +558,7 @@
           <a:p>
             <a:fld id="{28EA16E0-01DB-4CA7-B5A5-2C288B23FD35}" type="datetimeFigureOut">
               <a:rPr lang="pt-BR" smtClean="0"/>
-              <a:t>21/11/2023</a:t>
+              <a:t>22/11/2023</a:t>
             </a:fld>
             <a:endParaRPr lang="pt-BR"/>
           </a:p>
@@ -662,7 +766,7 @@
           <a:p>
             <a:fld id="{28EA16E0-01DB-4CA7-B5A5-2C288B23FD35}" type="datetimeFigureOut">
               <a:rPr lang="pt-BR" smtClean="0"/>
-              <a:t>21/11/2023</a:t>
+              <a:t>22/11/2023</a:t>
             </a:fld>
             <a:endParaRPr lang="pt-BR"/>
           </a:p>
@@ -860,7 +964,7 @@
           <a:p>
             <a:fld id="{28EA16E0-01DB-4CA7-B5A5-2C288B23FD35}" type="datetimeFigureOut">
               <a:rPr lang="pt-BR" smtClean="0"/>
-              <a:t>21/11/2023</a:t>
+              <a:t>22/11/2023</a:t>
             </a:fld>
             <a:endParaRPr lang="pt-BR"/>
           </a:p>
@@ -1135,7 +1239,7 @@
           <a:p>
             <a:fld id="{28EA16E0-01DB-4CA7-B5A5-2C288B23FD35}" type="datetimeFigureOut">
               <a:rPr lang="pt-BR" smtClean="0"/>
-              <a:t>21/11/2023</a:t>
+              <a:t>22/11/2023</a:t>
             </a:fld>
             <a:endParaRPr lang="pt-BR"/>
           </a:p>
@@ -1400,7 +1504,7 @@
           <a:p>
             <a:fld id="{28EA16E0-01DB-4CA7-B5A5-2C288B23FD35}" type="datetimeFigureOut">
               <a:rPr lang="pt-BR" smtClean="0"/>
-              <a:t>21/11/2023</a:t>
+              <a:t>22/11/2023</a:t>
             </a:fld>
             <a:endParaRPr lang="pt-BR"/>
           </a:p>
@@ -1812,7 +1916,7 @@
           <a:p>
             <a:fld id="{28EA16E0-01DB-4CA7-B5A5-2C288B23FD35}" type="datetimeFigureOut">
               <a:rPr lang="pt-BR" smtClean="0"/>
-              <a:t>21/11/2023</a:t>
+              <a:t>22/11/2023</a:t>
             </a:fld>
             <a:endParaRPr lang="pt-BR"/>
           </a:p>
@@ -1953,7 +2057,7 @@
           <a:p>
             <a:fld id="{28EA16E0-01DB-4CA7-B5A5-2C288B23FD35}" type="datetimeFigureOut">
               <a:rPr lang="pt-BR" smtClean="0"/>
-              <a:t>21/11/2023</a:t>
+              <a:t>22/11/2023</a:t>
             </a:fld>
             <a:endParaRPr lang="pt-BR"/>
           </a:p>
@@ -2066,7 +2170,7 @@
           <a:p>
             <a:fld id="{28EA16E0-01DB-4CA7-B5A5-2C288B23FD35}" type="datetimeFigureOut">
               <a:rPr lang="pt-BR" smtClean="0"/>
-              <a:t>21/11/2023</a:t>
+              <a:t>22/11/2023</a:t>
             </a:fld>
             <a:endParaRPr lang="pt-BR"/>
           </a:p>
@@ -2377,7 +2481,7 @@
           <a:p>
             <a:fld id="{28EA16E0-01DB-4CA7-B5A5-2C288B23FD35}" type="datetimeFigureOut">
               <a:rPr lang="pt-BR" smtClean="0"/>
-              <a:t>21/11/2023</a:t>
+              <a:t>22/11/2023</a:t>
             </a:fld>
             <a:endParaRPr lang="pt-BR"/>
           </a:p>
@@ -2665,7 +2769,7 @@
           <a:p>
             <a:fld id="{28EA16E0-01DB-4CA7-B5A5-2C288B23FD35}" type="datetimeFigureOut">
               <a:rPr lang="pt-BR" smtClean="0"/>
-              <a:t>21/11/2023</a:t>
+              <a:t>22/11/2023</a:t>
             </a:fld>
             <a:endParaRPr lang="pt-BR"/>
           </a:p>
@@ -2906,7 +3010,7 @@
           <a:p>
             <a:fld id="{28EA16E0-01DB-4CA7-B5A5-2C288B23FD35}" type="datetimeFigureOut">
               <a:rPr lang="pt-BR" smtClean="0"/>
-              <a:t>21/11/2023</a:t>
+              <a:t>22/11/2023</a:t>
             </a:fld>
             <a:endParaRPr lang="pt-BR"/>
           </a:p>
@@ -3762,6 +3866,191 @@
 </p:sld>
 </file>
 
+<file path=ppt/slides/slide4.xml><?xml version="1.0" encoding="utf-8"?>
+<p:sld xmlns:a="http://schemas.openxmlformats.org/drawingml/2006/main" xmlns:r="http://schemas.openxmlformats.org/officeDocument/2006/relationships" xmlns:p="http://schemas.openxmlformats.org/presentationml/2006/main">
+  <p:cSld>
+    <p:spTree>
+      <p:nvGrpSpPr>
+        <p:cNvPr id="1" name=""/>
+        <p:cNvGrpSpPr/>
+        <p:nvPr/>
+      </p:nvGrpSpPr>
+      <p:grpSpPr>
+        <a:xfrm>
+          <a:off x="0" y="0"/>
+          <a:ext cx="0" cy="0"/>
+          <a:chOff x="0" y="0"/>
+          <a:chExt cx="0" cy="0"/>
+        </a:xfrm>
+      </p:grpSpPr>
+      <p:pic>
+        <p:nvPicPr>
+          <p:cNvPr id="6" name="Imagem 5" descr="Desenho de personagem de desenho animado&#10;&#10;Descrição gerada automaticamente">
+            <a:extLst>
+              <a:ext uri="{FF2B5EF4-FFF2-40B4-BE49-F238E27FC236}">
+                <a16:creationId xmlns:a16="http://schemas.microsoft.com/office/drawing/2014/main" id="{AD13CDD3-5CCC-25BC-9973-2096604D28E7}"/>
+              </a:ext>
+            </a:extLst>
+          </p:cNvPr>
+          <p:cNvPicPr>
+            <a:picLocks noChangeAspect="1"/>
+          </p:cNvPicPr>
+          <p:nvPr/>
+        </p:nvPicPr>
+        <p:blipFill>
+          <a:blip r:embed="rId2">
+            <a:extLst>
+              <a:ext uri="{28A0092B-C50C-407E-A947-70E740481C1C}">
+                <a14:useLocalDpi xmlns:a14="http://schemas.microsoft.com/office/drawing/2010/main" val="0"/>
+              </a:ext>
+            </a:extLst>
+          </a:blip>
+          <a:stretch>
+            <a:fillRect/>
+          </a:stretch>
+        </p:blipFill>
+        <p:spPr>
+          <a:xfrm>
+            <a:off x="3036000" y="369000"/>
+            <a:ext cx="6120000" cy="6120000"/>
+          </a:xfrm>
+          <a:prstGeom prst="rect">
+            <a:avLst/>
+          </a:prstGeom>
+        </p:spPr>
+      </p:pic>
+      <p:sp>
+        <p:nvSpPr>
+          <p:cNvPr id="4" name="CaixaDeTexto 3">
+            <a:extLst>
+              <a:ext uri="{FF2B5EF4-FFF2-40B4-BE49-F238E27FC236}">
+                <a16:creationId xmlns:a16="http://schemas.microsoft.com/office/drawing/2014/main" id="{05580C2E-9A88-0CED-A559-C28FFD25F071}"/>
+              </a:ext>
+            </a:extLst>
+          </p:cNvPr>
+          <p:cNvSpPr txBox="1"/>
+          <p:nvPr/>
+        </p:nvSpPr>
+        <p:spPr>
+          <a:xfrm>
+            <a:off x="0" y="128835"/>
+            <a:ext cx="12192000" cy="1200329"/>
+          </a:xfrm>
+          <a:prstGeom prst="rect">
+            <a:avLst/>
+          </a:prstGeom>
+          <a:noFill/>
+        </p:spPr>
+        <p:txBody>
+          <a:bodyPr wrap="square" rtlCol="0">
+            <a:spAutoFit/>
+          </a:bodyPr>
+          <a:lstStyle/>
+          <a:p>
+            <a:pPr algn="ctr"/>
+            <a:r>
+              <a:rPr lang="pt-BR" sz="7200" b="1" dirty="0">
+                <a:solidFill>
+                  <a:srgbClr val="F6813E"/>
+                </a:solidFill>
+                <a:latin typeface="Verdana" panose="020B0604030504040204" pitchFamily="34" charset="0"/>
+                <a:ea typeface="Verdana" panose="020B0604030504040204" pitchFamily="34" charset="0"/>
+                <a:cs typeface="Arial" panose="020B0604020202020204" pitchFamily="34" charset="0"/>
+              </a:rPr>
+              <a:t>ANOMALY DETECTION</a:t>
+            </a:r>
+          </a:p>
+        </p:txBody>
+      </p:sp>
+      <p:sp>
+        <p:nvSpPr>
+          <p:cNvPr id="5" name="CaixaDeTexto 4">
+            <a:extLst>
+              <a:ext uri="{FF2B5EF4-FFF2-40B4-BE49-F238E27FC236}">
+                <a16:creationId xmlns:a16="http://schemas.microsoft.com/office/drawing/2014/main" id="{77196CD6-8C17-EC1F-2FB6-6D3CF0DE30D3}"/>
+              </a:ext>
+            </a:extLst>
+          </p:cNvPr>
+          <p:cNvSpPr txBox="1"/>
+          <p:nvPr/>
+        </p:nvSpPr>
+        <p:spPr>
+          <a:xfrm>
+            <a:off x="0" y="5528836"/>
+            <a:ext cx="12192000" cy="1200329"/>
+          </a:xfrm>
+          <a:prstGeom prst="rect">
+            <a:avLst/>
+          </a:prstGeom>
+          <a:noFill/>
+        </p:spPr>
+        <p:txBody>
+          <a:bodyPr wrap="square" rtlCol="0">
+            <a:spAutoFit/>
+          </a:bodyPr>
+          <a:lstStyle/>
+          <a:p>
+            <a:pPr algn="ctr"/>
+            <a:r>
+              <a:rPr lang="pt-BR" sz="7200" dirty="0" err="1">
+                <a:solidFill>
+                  <a:srgbClr val="F6813E"/>
+                </a:solidFill>
+                <a:latin typeface="Arial Rounded MT Bold" panose="020F0704030504030204" pitchFamily="34" charset="0"/>
+                <a:ea typeface="Verdana" panose="020B0604030504040204" pitchFamily="34" charset="0"/>
+                <a:cs typeface="Arial" panose="020B0604020202020204" pitchFamily="34" charset="0"/>
+              </a:rPr>
+              <a:t>Frauds</a:t>
+            </a:r>
+            <a:r>
+              <a:rPr lang="pt-BR" sz="7200" dirty="0">
+                <a:solidFill>
+                  <a:srgbClr val="F6813E"/>
+                </a:solidFill>
+                <a:latin typeface="Arial Rounded MT Bold" panose="020F0704030504030204" pitchFamily="34" charset="0"/>
+                <a:ea typeface="Verdana" panose="020B0604030504040204" pitchFamily="34" charset="0"/>
+                <a:cs typeface="Arial" panose="020B0604020202020204" pitchFamily="34" charset="0"/>
+              </a:rPr>
+              <a:t> in </a:t>
+            </a:r>
+            <a:r>
+              <a:rPr lang="pt-BR" sz="7200" dirty="0" err="1">
+                <a:solidFill>
+                  <a:srgbClr val="F6813E"/>
+                </a:solidFill>
+                <a:latin typeface="Arial Rounded MT Bold" panose="020F0704030504030204" pitchFamily="34" charset="0"/>
+                <a:ea typeface="Verdana" panose="020B0604030504040204" pitchFamily="34" charset="0"/>
+                <a:cs typeface="Arial" panose="020B0604020202020204" pitchFamily="34" charset="0"/>
+              </a:rPr>
+              <a:t>an</a:t>
+            </a:r>
+            <a:r>
+              <a:rPr lang="pt-BR" sz="7200" dirty="0">
+                <a:solidFill>
+                  <a:srgbClr val="F6813E"/>
+                </a:solidFill>
+                <a:latin typeface="Arial Rounded MT Bold" panose="020F0704030504030204" pitchFamily="34" charset="0"/>
+                <a:ea typeface="Verdana" panose="020B0604030504040204" pitchFamily="34" charset="0"/>
+                <a:cs typeface="Arial" panose="020B0604020202020204" pitchFamily="34" charset="0"/>
+              </a:rPr>
+              <a:t> E-commerce</a:t>
+            </a:r>
+          </a:p>
+        </p:txBody>
+      </p:sp>
+    </p:spTree>
+    <p:extLst>
+      <p:ext uri="{BB962C8B-B14F-4D97-AF65-F5344CB8AC3E}">
+        <p14:creationId xmlns:p14="http://schemas.microsoft.com/office/powerpoint/2010/main" val="1330256755"/>
+      </p:ext>
+    </p:extLst>
+  </p:cSld>
+  <p:clrMapOvr>
+    <a:masterClrMapping/>
+  </p:clrMapOvr>
+</p:sld>
+</file>
+
 <file path=ppt/theme/theme1.xml><?xml version="1.0" encoding="utf-8"?>
 <a:theme xmlns:a="http://schemas.openxmlformats.org/drawingml/2006/main" name="Tema do Office">
   <a:themeElements>

--- a/assets/img/portfolio/cards-portifolio.pptx
+++ b/assets/img/portfolio/cards-portifolio.pptx
@@ -9,6 +9,7 @@
     <p:sldId id="257" r:id="rId3"/>
     <p:sldId id="258" r:id="rId4"/>
     <p:sldId id="260" r:id="rId5"/>
+    <p:sldId id="261" r:id="rId6"/>
   </p:sldIdLst>
   <p:sldSz cx="12192000" cy="6858000"/>
   <p:notesSz cx="6858000" cy="9144000"/>
@@ -118,7 +119,7 @@
 <file path=ppt/revisionInfo.xml><?xml version="1.0" encoding="utf-8"?>
 <p1510:revInfo xmlns:a="http://schemas.openxmlformats.org/drawingml/2006/main" xmlns:r="http://schemas.openxmlformats.org/officeDocument/2006/relationships" xmlns:p1510="http://schemas.microsoft.com/office/powerpoint/2015/10/main">
   <p1510:revLst>
-    <p1510:client id="{F75CBDB1-DEC4-486F-8AB0-90D2169E0DFA}" v="2" dt="2023-11-22T15:19:59.959"/>
+    <p1510:client id="{F75CBDB1-DEC4-486F-8AB0-90D2169E0DFA}" v="4" dt="2023-12-06T22:50:29.988"/>
   </p1510:revLst>
 </p1510:revInfo>
 </file>
@@ -128,16 +129,24 @@
   <pc:docChgLst>
     <pc:chgData name="MATHEUS SANTOS DIAS" userId="230fdbc8-4b0d-4b95-a425-bf041973b5a0" providerId="ADAL" clId="{F75CBDB1-DEC4-486F-8AB0-90D2169E0DFA}"/>
     <pc:docChg chg="undo redo custSel addSld delSld modSld">
-      <pc:chgData name="MATHEUS SANTOS DIAS" userId="230fdbc8-4b0d-4b95-a425-bf041973b5a0" providerId="ADAL" clId="{F75CBDB1-DEC4-486F-8AB0-90D2169E0DFA}" dt="2023-11-22T22:13:20.380" v="90" actId="20577"/>
+      <pc:chgData name="MATHEUS SANTOS DIAS" userId="230fdbc8-4b0d-4b95-a425-bf041973b5a0" providerId="ADAL" clId="{F75CBDB1-DEC4-486F-8AB0-90D2169E0DFA}" dt="2023-12-06T23:00:59.237" v="153" actId="1076"/>
       <pc:docMkLst>
         <pc:docMk/>
       </pc:docMkLst>
       <pc:sldChg chg="modSp mod">
-        <pc:chgData name="MATHEUS SANTOS DIAS" userId="230fdbc8-4b0d-4b95-a425-bf041973b5a0" providerId="ADAL" clId="{F75CBDB1-DEC4-486F-8AB0-90D2169E0DFA}" dt="2023-11-22T15:21:51.208" v="25" actId="14100"/>
+        <pc:chgData name="MATHEUS SANTOS DIAS" userId="230fdbc8-4b0d-4b95-a425-bf041973b5a0" providerId="ADAL" clId="{F75CBDB1-DEC4-486F-8AB0-90D2169E0DFA}" dt="2023-12-06T22:53:24.858" v="138" actId="14100"/>
         <pc:sldMkLst>
           <pc:docMk/>
           <pc:sldMk cId="3094583086" sldId="257"/>
         </pc:sldMkLst>
+        <pc:spChg chg="mod">
+          <ac:chgData name="MATHEUS SANTOS DIAS" userId="230fdbc8-4b0d-4b95-a425-bf041973b5a0" providerId="ADAL" clId="{F75CBDB1-DEC4-486F-8AB0-90D2169E0DFA}" dt="2023-12-06T22:53:24.858" v="138" actId="14100"/>
+          <ac:spMkLst>
+            <pc:docMk/>
+            <pc:sldMk cId="3094583086" sldId="257"/>
+            <ac:spMk id="5" creationId="{30730B9D-13BB-70FC-C248-D2521062A469}"/>
+          </ac:spMkLst>
+        </pc:spChg>
         <pc:picChg chg="mod">
           <ac:chgData name="MATHEUS SANTOS DIAS" userId="230fdbc8-4b0d-4b95-a425-bf041973b5a0" providerId="ADAL" clId="{F75CBDB1-DEC4-486F-8AB0-90D2169E0DFA}" dt="2023-11-22T15:21:51.208" v="25" actId="14100"/>
           <ac:picMkLst>
@@ -148,11 +157,19 @@
         </pc:picChg>
       </pc:sldChg>
       <pc:sldChg chg="modSp mod">
-        <pc:chgData name="MATHEUS SANTOS DIAS" userId="230fdbc8-4b0d-4b95-a425-bf041973b5a0" providerId="ADAL" clId="{F75CBDB1-DEC4-486F-8AB0-90D2169E0DFA}" dt="2023-11-22T15:21:49.664" v="23" actId="1076"/>
+        <pc:chgData name="MATHEUS SANTOS DIAS" userId="230fdbc8-4b0d-4b95-a425-bf041973b5a0" providerId="ADAL" clId="{F75CBDB1-DEC4-486F-8AB0-90D2169E0DFA}" dt="2023-12-06T22:53:07.330" v="125" actId="14100"/>
         <pc:sldMkLst>
           <pc:docMk/>
           <pc:sldMk cId="314579243" sldId="258"/>
         </pc:sldMkLst>
+        <pc:spChg chg="mod">
+          <ac:chgData name="MATHEUS SANTOS DIAS" userId="230fdbc8-4b0d-4b95-a425-bf041973b5a0" providerId="ADAL" clId="{F75CBDB1-DEC4-486F-8AB0-90D2169E0DFA}" dt="2023-12-06T22:53:07.330" v="125" actId="14100"/>
+          <ac:spMkLst>
+            <pc:docMk/>
+            <pc:sldMk cId="314579243" sldId="258"/>
+            <ac:spMk id="5" creationId="{77196CD6-8C17-EC1F-2FB6-6D3CF0DE30D3}"/>
+          </ac:spMkLst>
+        </pc:spChg>
         <pc:picChg chg="mod">
           <ac:chgData name="MATHEUS SANTOS DIAS" userId="230fdbc8-4b0d-4b95-a425-bf041973b5a0" providerId="ADAL" clId="{F75CBDB1-DEC4-486F-8AB0-90D2169E0DFA}" dt="2023-11-22T15:21:49.664" v="23" actId="1076"/>
           <ac:picMkLst>
@@ -208,6 +225,37 @@
           </ac:picMkLst>
         </pc:picChg>
       </pc:sldChg>
+      <pc:sldChg chg="addSp modSp new mod">
+        <pc:chgData name="MATHEUS SANTOS DIAS" userId="230fdbc8-4b0d-4b95-a425-bf041973b5a0" providerId="ADAL" clId="{F75CBDB1-DEC4-486F-8AB0-90D2169E0DFA}" dt="2023-12-06T23:00:59.237" v="153" actId="1076"/>
+        <pc:sldMkLst>
+          <pc:docMk/>
+          <pc:sldMk cId="3664229022" sldId="261"/>
+        </pc:sldMkLst>
+        <pc:spChg chg="add mod">
+          <ac:chgData name="MATHEUS SANTOS DIAS" userId="230fdbc8-4b0d-4b95-a425-bf041973b5a0" providerId="ADAL" clId="{F75CBDB1-DEC4-486F-8AB0-90D2169E0DFA}" dt="2023-12-06T22:52:21.881" v="109" actId="207"/>
+          <ac:spMkLst>
+            <pc:docMk/>
+            <pc:sldMk cId="3664229022" sldId="261"/>
+            <ac:spMk id="4" creationId="{A128E4B8-B652-E47C-693B-D6FE8EF4CC6E}"/>
+          </ac:spMkLst>
+        </pc:spChg>
+        <pc:spChg chg="add mod">
+          <ac:chgData name="MATHEUS SANTOS DIAS" userId="230fdbc8-4b0d-4b95-a425-bf041973b5a0" providerId="ADAL" clId="{F75CBDB1-DEC4-486F-8AB0-90D2169E0DFA}" dt="2023-12-06T23:00:45.518" v="148" actId="1076"/>
+          <ac:spMkLst>
+            <pc:docMk/>
+            <pc:sldMk cId="3664229022" sldId="261"/>
+            <ac:spMk id="5" creationId="{D7A7A897-B7FF-B1C9-1954-34BEAE8CD400}"/>
+          </ac:spMkLst>
+        </pc:spChg>
+        <pc:picChg chg="add mod">
+          <ac:chgData name="MATHEUS SANTOS DIAS" userId="230fdbc8-4b0d-4b95-a425-bf041973b5a0" providerId="ADAL" clId="{F75CBDB1-DEC4-486F-8AB0-90D2169E0DFA}" dt="2023-12-06T23:00:59.237" v="153" actId="1076"/>
+          <ac:picMkLst>
+            <pc:docMk/>
+            <pc:sldMk cId="3664229022" sldId="261"/>
+            <ac:picMk id="3" creationId="{8772FC1B-7BD9-B03C-F122-474CA62104EB}"/>
+          </ac:picMkLst>
+        </pc:picChg>
+      </pc:sldChg>
     </pc:docChg>
   </pc:docChgLst>
 </pc:chgInfo>
@@ -360,7 +408,7 @@
           <a:p>
             <a:fld id="{28EA16E0-01DB-4CA7-B5A5-2C288B23FD35}" type="datetimeFigureOut">
               <a:rPr lang="pt-BR" smtClean="0"/>
-              <a:t>22/11/2023</a:t>
+              <a:t>06/12/2023</a:t>
             </a:fld>
             <a:endParaRPr lang="pt-BR"/>
           </a:p>
@@ -558,7 +606,7 @@
           <a:p>
             <a:fld id="{28EA16E0-01DB-4CA7-B5A5-2C288B23FD35}" type="datetimeFigureOut">
               <a:rPr lang="pt-BR" smtClean="0"/>
-              <a:t>22/11/2023</a:t>
+              <a:t>06/12/2023</a:t>
             </a:fld>
             <a:endParaRPr lang="pt-BR"/>
           </a:p>
@@ -766,7 +814,7 @@
           <a:p>
             <a:fld id="{28EA16E0-01DB-4CA7-B5A5-2C288B23FD35}" type="datetimeFigureOut">
               <a:rPr lang="pt-BR" smtClean="0"/>
-              <a:t>22/11/2023</a:t>
+              <a:t>06/12/2023</a:t>
             </a:fld>
             <a:endParaRPr lang="pt-BR"/>
           </a:p>
@@ -964,7 +1012,7 @@
           <a:p>
             <a:fld id="{28EA16E0-01DB-4CA7-B5A5-2C288B23FD35}" type="datetimeFigureOut">
               <a:rPr lang="pt-BR" smtClean="0"/>
-              <a:t>22/11/2023</a:t>
+              <a:t>06/12/2023</a:t>
             </a:fld>
             <a:endParaRPr lang="pt-BR"/>
           </a:p>
@@ -1239,7 +1287,7 @@
           <a:p>
             <a:fld id="{28EA16E0-01DB-4CA7-B5A5-2C288B23FD35}" type="datetimeFigureOut">
               <a:rPr lang="pt-BR" smtClean="0"/>
-              <a:t>22/11/2023</a:t>
+              <a:t>06/12/2023</a:t>
             </a:fld>
             <a:endParaRPr lang="pt-BR"/>
           </a:p>
@@ -1504,7 +1552,7 @@
           <a:p>
             <a:fld id="{28EA16E0-01DB-4CA7-B5A5-2C288B23FD35}" type="datetimeFigureOut">
               <a:rPr lang="pt-BR" smtClean="0"/>
-              <a:t>22/11/2023</a:t>
+              <a:t>06/12/2023</a:t>
             </a:fld>
             <a:endParaRPr lang="pt-BR"/>
           </a:p>
@@ -1916,7 +1964,7 @@
           <a:p>
             <a:fld id="{28EA16E0-01DB-4CA7-B5A5-2C288B23FD35}" type="datetimeFigureOut">
               <a:rPr lang="pt-BR" smtClean="0"/>
-              <a:t>22/11/2023</a:t>
+              <a:t>06/12/2023</a:t>
             </a:fld>
             <a:endParaRPr lang="pt-BR"/>
           </a:p>
@@ -2057,7 +2105,7 @@
           <a:p>
             <a:fld id="{28EA16E0-01DB-4CA7-B5A5-2C288B23FD35}" type="datetimeFigureOut">
               <a:rPr lang="pt-BR" smtClean="0"/>
-              <a:t>22/11/2023</a:t>
+              <a:t>06/12/2023</a:t>
             </a:fld>
             <a:endParaRPr lang="pt-BR"/>
           </a:p>
@@ -2170,7 +2218,7 @@
           <a:p>
             <a:fld id="{28EA16E0-01DB-4CA7-B5A5-2C288B23FD35}" type="datetimeFigureOut">
               <a:rPr lang="pt-BR" smtClean="0"/>
-              <a:t>22/11/2023</a:t>
+              <a:t>06/12/2023</a:t>
             </a:fld>
             <a:endParaRPr lang="pt-BR"/>
           </a:p>
@@ -2481,7 +2529,7 @@
           <a:p>
             <a:fld id="{28EA16E0-01DB-4CA7-B5A5-2C288B23FD35}" type="datetimeFigureOut">
               <a:rPr lang="pt-BR" smtClean="0"/>
-              <a:t>22/11/2023</a:t>
+              <a:t>06/12/2023</a:t>
             </a:fld>
             <a:endParaRPr lang="pt-BR"/>
           </a:p>
@@ -2769,7 +2817,7 @@
           <a:p>
             <a:fld id="{28EA16E0-01DB-4CA7-B5A5-2C288B23FD35}" type="datetimeFigureOut">
               <a:rPr lang="pt-BR" smtClean="0"/>
-              <a:t>22/11/2023</a:t>
+              <a:t>06/12/2023</a:t>
             </a:fld>
             <a:endParaRPr lang="pt-BR"/>
           </a:p>
@@ -3010,7 +3058,7 @@
           <a:p>
             <a:fld id="{28EA16E0-01DB-4CA7-B5A5-2C288B23FD35}" type="datetimeFigureOut">
               <a:rPr lang="pt-BR" smtClean="0"/>
-              <a:t>22/11/2023</a:t>
+              <a:t>06/12/2023</a:t>
             </a:fld>
             <a:endParaRPr lang="pt-BR"/>
           </a:p>
@@ -3672,8 +3720,8 @@
         </p:nvSpPr>
         <p:spPr>
           <a:xfrm>
-            <a:off x="1228725" y="5528836"/>
-            <a:ext cx="9734550" cy="1200329"/>
+            <a:off x="0" y="5528836"/>
+            <a:ext cx="12192000" cy="1200329"/>
           </a:xfrm>
           <a:prstGeom prst="rect">
             <a:avLst/>
@@ -3696,8 +3744,27 @@
                 <a:ea typeface="Verdana" panose="020B0604030504040204" pitchFamily="34" charset="0"/>
                 <a:cs typeface="Arial" panose="020B0604020202020204" pitchFamily="34" charset="0"/>
               </a:rPr>
-              <a:t>Green Growth</a:t>
-            </a:r>
+              <a:t>Green Growth </a:t>
+            </a:r>
+            <a:r>
+              <a:rPr lang="pt-BR" sz="7200" dirty="0" err="1">
+                <a:solidFill>
+                  <a:srgbClr val="199FA2"/>
+                </a:solidFill>
+                <a:latin typeface="Arial Rounded MT Bold" panose="020F0704030504030204" pitchFamily="34" charset="0"/>
+                <a:ea typeface="Verdana" panose="020B0604030504040204" pitchFamily="34" charset="0"/>
+                <a:cs typeface="Arial" panose="020B0604020202020204" pitchFamily="34" charset="0"/>
+              </a:rPr>
+              <a:t>indicators</a:t>
+            </a:r>
+            <a:endParaRPr lang="pt-BR" sz="7200" dirty="0">
+              <a:solidFill>
+                <a:srgbClr val="199FA2"/>
+              </a:solidFill>
+              <a:latin typeface="Arial Rounded MT Bold" panose="020F0704030504030204" pitchFamily="34" charset="0"/>
+              <a:ea typeface="Verdana" panose="020B0604030504040204" pitchFamily="34" charset="0"/>
+              <a:cs typeface="Arial" panose="020B0604020202020204" pitchFamily="34" charset="0"/>
+            </a:endParaRPr>
           </a:p>
         </p:txBody>
       </p:sp>
@@ -3824,8 +3891,8 @@
         </p:nvSpPr>
         <p:spPr>
           <a:xfrm>
-            <a:off x="1228725" y="5528836"/>
-            <a:ext cx="9734550" cy="1200329"/>
+            <a:off x="0" y="5528836"/>
+            <a:ext cx="12192000" cy="1200329"/>
           </a:xfrm>
           <a:prstGeom prst="rect">
             <a:avLst/>
@@ -3848,7 +3915,7 @@
                 <a:ea typeface="Verdana" panose="020B0604030504040204" pitchFamily="34" charset="0"/>
                 <a:cs typeface="Arial" panose="020B0604020202020204" pitchFamily="34" charset="0"/>
               </a:rPr>
-              <a:t>COVID-19</a:t>
+              <a:t>COVID-19 in São Paulo</a:t>
             </a:r>
           </a:p>
         </p:txBody>
@@ -4042,6 +4109,166 @@
     <p:extLst>
       <p:ext uri="{BB962C8B-B14F-4D97-AF65-F5344CB8AC3E}">
         <p14:creationId xmlns:p14="http://schemas.microsoft.com/office/powerpoint/2010/main" val="1330256755"/>
+      </p:ext>
+    </p:extLst>
+  </p:cSld>
+  <p:clrMapOvr>
+    <a:masterClrMapping/>
+  </p:clrMapOvr>
+</p:sld>
+</file>
+
+<file path=ppt/slides/slide5.xml><?xml version="1.0" encoding="utf-8"?>
+<p:sld xmlns:a="http://schemas.openxmlformats.org/drawingml/2006/main" xmlns:r="http://schemas.openxmlformats.org/officeDocument/2006/relationships" xmlns:p="http://schemas.openxmlformats.org/presentationml/2006/main">
+  <p:cSld>
+    <p:spTree>
+      <p:nvGrpSpPr>
+        <p:cNvPr id="1" name=""/>
+        <p:cNvGrpSpPr/>
+        <p:nvPr/>
+      </p:nvGrpSpPr>
+      <p:grpSpPr>
+        <a:xfrm>
+          <a:off x="0" y="0"/>
+          <a:ext cx="0" cy="0"/>
+          <a:chOff x="0" y="0"/>
+          <a:chExt cx="0" cy="0"/>
+        </a:xfrm>
+      </p:grpSpPr>
+      <p:pic>
+        <p:nvPicPr>
+          <p:cNvPr id="3" name="Imagem 2" descr="Desenho de personagem de desenho animado&#10;&#10;Descrição gerada automaticamente com confiança baixa">
+            <a:extLst>
+              <a:ext uri="{FF2B5EF4-FFF2-40B4-BE49-F238E27FC236}">
+                <a16:creationId xmlns:a16="http://schemas.microsoft.com/office/drawing/2014/main" id="{8772FC1B-7BD9-B03C-F122-474CA62104EB}"/>
+              </a:ext>
+            </a:extLst>
+          </p:cNvPr>
+          <p:cNvPicPr>
+            <a:picLocks noChangeAspect="1"/>
+          </p:cNvPicPr>
+          <p:nvPr/>
+        </p:nvPicPr>
+        <p:blipFill>
+          <a:blip r:embed="rId2">
+            <a:extLst>
+              <a:ext uri="{28A0092B-C50C-407E-A947-70E740481C1C}">
+                <a14:useLocalDpi xmlns:a14="http://schemas.microsoft.com/office/drawing/2010/main" val="0"/>
+              </a:ext>
+            </a:extLst>
+          </a:blip>
+          <a:stretch>
+            <a:fillRect/>
+          </a:stretch>
+        </p:blipFill>
+        <p:spPr>
+          <a:xfrm>
+            <a:off x="3216000" y="311736"/>
+            <a:ext cx="5760000" cy="5760000"/>
+          </a:xfrm>
+          <a:prstGeom prst="rect">
+            <a:avLst/>
+          </a:prstGeom>
+        </p:spPr>
+      </p:pic>
+      <p:sp>
+        <p:nvSpPr>
+          <p:cNvPr id="4" name="CaixaDeTexto 3">
+            <a:extLst>
+              <a:ext uri="{FF2B5EF4-FFF2-40B4-BE49-F238E27FC236}">
+                <a16:creationId xmlns:a16="http://schemas.microsoft.com/office/drawing/2014/main" id="{A128E4B8-B652-E47C-693B-D6FE8EF4CC6E}"/>
+              </a:ext>
+            </a:extLst>
+          </p:cNvPr>
+          <p:cNvSpPr txBox="1"/>
+          <p:nvPr/>
+        </p:nvSpPr>
+        <p:spPr>
+          <a:xfrm>
+            <a:off x="0" y="128835"/>
+            <a:ext cx="12192000" cy="1015663"/>
+          </a:xfrm>
+          <a:prstGeom prst="rect">
+            <a:avLst/>
+          </a:prstGeom>
+          <a:noFill/>
+        </p:spPr>
+        <p:txBody>
+          <a:bodyPr wrap="square" rtlCol="0">
+            <a:spAutoFit/>
+          </a:bodyPr>
+          <a:lstStyle/>
+          <a:p>
+            <a:pPr algn="ctr"/>
+            <a:r>
+              <a:rPr lang="pt-BR" sz="6000" b="1" dirty="0">
+                <a:solidFill>
+                  <a:srgbClr val="FB73B3"/>
+                </a:solidFill>
+                <a:latin typeface="Verdana" panose="020B0604030504040204" pitchFamily="34" charset="0"/>
+                <a:ea typeface="Verdana" panose="020B0604030504040204" pitchFamily="34" charset="0"/>
+                <a:cs typeface="Arial" panose="020B0604020202020204" pitchFamily="34" charset="0"/>
+              </a:rPr>
+              <a:t>OPERATIONAL RESEARCH</a:t>
+            </a:r>
+          </a:p>
+        </p:txBody>
+      </p:sp>
+      <p:sp>
+        <p:nvSpPr>
+          <p:cNvPr id="5" name="CaixaDeTexto 4">
+            <a:extLst>
+              <a:ext uri="{FF2B5EF4-FFF2-40B4-BE49-F238E27FC236}">
+                <a16:creationId xmlns:a16="http://schemas.microsoft.com/office/drawing/2014/main" id="{D7A7A897-B7FF-B1C9-1954-34BEAE8CD400}"/>
+              </a:ext>
+            </a:extLst>
+          </p:cNvPr>
+          <p:cNvSpPr txBox="1"/>
+          <p:nvPr/>
+        </p:nvSpPr>
+        <p:spPr>
+          <a:xfrm>
+            <a:off x="0" y="5103674"/>
+            <a:ext cx="12192000" cy="1754326"/>
+          </a:xfrm>
+          <a:prstGeom prst="rect">
+            <a:avLst/>
+          </a:prstGeom>
+          <a:noFill/>
+        </p:spPr>
+        <p:txBody>
+          <a:bodyPr wrap="square" rtlCol="0">
+            <a:spAutoFit/>
+          </a:bodyPr>
+          <a:lstStyle/>
+          <a:p>
+            <a:pPr algn="ctr"/>
+            <a:r>
+              <a:rPr lang="en-US" sz="5400" dirty="0">
+                <a:solidFill>
+                  <a:srgbClr val="FB73B3"/>
+                </a:solidFill>
+                <a:latin typeface="Arial Rounded MT Bold" panose="020F0704030504030204" pitchFamily="34" charset="0"/>
+                <a:ea typeface="Verdana" panose="020B0604030504040204" pitchFamily="34" charset="0"/>
+                <a:cs typeface="Arial" panose="020B0604020202020204" pitchFamily="34" charset="0"/>
+              </a:rPr>
+              <a:t>Vehicle Routing Problem with Heterogeneous Fleet</a:t>
+            </a:r>
+            <a:endParaRPr lang="pt-BR" sz="5400" dirty="0">
+              <a:solidFill>
+                <a:srgbClr val="FB73B3"/>
+              </a:solidFill>
+              <a:latin typeface="Arial Rounded MT Bold" panose="020F0704030504030204" pitchFamily="34" charset="0"/>
+              <a:ea typeface="Verdana" panose="020B0604030504040204" pitchFamily="34" charset="0"/>
+              <a:cs typeface="Arial" panose="020B0604020202020204" pitchFamily="34" charset="0"/>
+            </a:endParaRPr>
+          </a:p>
+        </p:txBody>
+      </p:sp>
+    </p:spTree>
+    <p:extLst>
+      <p:ext uri="{BB962C8B-B14F-4D97-AF65-F5344CB8AC3E}">
+        <p14:creationId xmlns:p14="http://schemas.microsoft.com/office/powerpoint/2010/main" val="3664229022"/>
       </p:ext>
     </p:extLst>
   </p:cSld>

--- a/assets/img/portfolio/cards-portifolio.pptx
+++ b/assets/img/portfolio/cards-portifolio.pptx
@@ -10,6 +10,8 @@
     <p:sldId id="258" r:id="rId4"/>
     <p:sldId id="260" r:id="rId5"/>
     <p:sldId id="261" r:id="rId6"/>
+    <p:sldId id="263" r:id="rId7"/>
+    <p:sldId id="262" r:id="rId8"/>
   </p:sldIdLst>
   <p:sldSz cx="12192000" cy="6858000"/>
   <p:notesSz cx="6858000" cy="9144000"/>
@@ -119,7 +121,7 @@
 <file path=ppt/revisionInfo.xml><?xml version="1.0" encoding="utf-8"?>
 <p1510:revInfo xmlns:a="http://schemas.openxmlformats.org/drawingml/2006/main" xmlns:r="http://schemas.openxmlformats.org/officeDocument/2006/relationships" xmlns:p1510="http://schemas.microsoft.com/office/powerpoint/2015/10/main">
   <p1510:revLst>
-    <p1510:client id="{F75CBDB1-DEC4-486F-8AB0-90D2169E0DFA}" v="4" dt="2023-12-06T22:50:29.988"/>
+    <p1510:client id="{F75CBDB1-DEC4-486F-8AB0-90D2169E0DFA}" v="7" dt="2023-12-09T23:27:26.617"/>
   </p1510:revLst>
 </p1510:revInfo>
 </file>
@@ -128,19 +130,58 @@
 <pc:chgInfo xmlns:a="http://schemas.openxmlformats.org/drawingml/2006/main" xmlns:r="http://schemas.openxmlformats.org/officeDocument/2006/relationships" xmlns:ac="http://schemas.microsoft.com/office/drawing/2013/main/command" xmlns:pc="http://schemas.microsoft.com/office/powerpoint/2013/main/command">
   <pc:docChgLst>
     <pc:chgData name="MATHEUS SANTOS DIAS" userId="230fdbc8-4b0d-4b95-a425-bf041973b5a0" providerId="ADAL" clId="{F75CBDB1-DEC4-486F-8AB0-90D2169E0DFA}"/>
-    <pc:docChg chg="undo redo custSel addSld delSld modSld">
-      <pc:chgData name="MATHEUS SANTOS DIAS" userId="230fdbc8-4b0d-4b95-a425-bf041973b5a0" providerId="ADAL" clId="{F75CBDB1-DEC4-486F-8AB0-90D2169E0DFA}" dt="2023-12-06T23:00:59.237" v="153" actId="1076"/>
+    <pc:docChg chg="undo redo custSel addSld delSld modSld sldOrd">
+      <pc:chgData name="MATHEUS SANTOS DIAS" userId="230fdbc8-4b0d-4b95-a425-bf041973b5a0" providerId="ADAL" clId="{F75CBDB1-DEC4-486F-8AB0-90D2169E0DFA}" dt="2023-12-09T23:28:08.702" v="202" actId="1076"/>
       <pc:docMkLst>
         <pc:docMk/>
       </pc:docMkLst>
+      <pc:sldChg chg="addSp delSp modSp mod">
+        <pc:chgData name="MATHEUS SANTOS DIAS" userId="230fdbc8-4b0d-4b95-a425-bf041973b5a0" providerId="ADAL" clId="{F75CBDB1-DEC4-486F-8AB0-90D2169E0DFA}" dt="2023-12-09T23:15:30.624" v="158" actId="478"/>
+        <pc:sldMkLst>
+          <pc:docMk/>
+          <pc:sldMk cId="3979586301" sldId="256"/>
+        </pc:sldMkLst>
+        <pc:spChg chg="mod">
+          <ac:chgData name="MATHEUS SANTOS DIAS" userId="230fdbc8-4b0d-4b95-a425-bf041973b5a0" providerId="ADAL" clId="{F75CBDB1-DEC4-486F-8AB0-90D2169E0DFA}" dt="2023-12-09T23:15:23.036" v="156" actId="207"/>
+          <ac:spMkLst>
+            <pc:docMk/>
+            <pc:sldMk cId="3979586301" sldId="256"/>
+            <ac:spMk id="6" creationId="{0F02E0C4-50B9-F252-8C64-48044F02592F}"/>
+          </ac:spMkLst>
+        </pc:spChg>
+        <pc:spChg chg="mod">
+          <ac:chgData name="MATHEUS SANTOS DIAS" userId="230fdbc8-4b0d-4b95-a425-bf041973b5a0" providerId="ADAL" clId="{F75CBDB1-DEC4-486F-8AB0-90D2169E0DFA}" dt="2023-12-09T23:15:27.173" v="157" actId="207"/>
+          <ac:spMkLst>
+            <pc:docMk/>
+            <pc:sldMk cId="3979586301" sldId="256"/>
+            <ac:spMk id="7" creationId="{92D1DBE4-1D9B-6EC7-DB02-C199B9426D69}"/>
+          </ac:spMkLst>
+        </pc:spChg>
+        <pc:picChg chg="add del mod">
+          <ac:chgData name="MATHEUS SANTOS DIAS" userId="230fdbc8-4b0d-4b95-a425-bf041973b5a0" providerId="ADAL" clId="{F75CBDB1-DEC4-486F-8AB0-90D2169E0DFA}" dt="2023-12-09T23:15:30.624" v="158" actId="478"/>
+          <ac:picMkLst>
+            <pc:docMk/>
+            <pc:sldMk cId="3979586301" sldId="256"/>
+            <ac:picMk id="3" creationId="{FA96FBF4-EBF4-07D9-44CE-7D93E71C0D20}"/>
+          </ac:picMkLst>
+        </pc:picChg>
+      </pc:sldChg>
       <pc:sldChg chg="modSp mod">
-        <pc:chgData name="MATHEUS SANTOS DIAS" userId="230fdbc8-4b0d-4b95-a425-bf041973b5a0" providerId="ADAL" clId="{F75CBDB1-DEC4-486F-8AB0-90D2169E0DFA}" dt="2023-12-06T22:53:24.858" v="138" actId="14100"/>
+        <pc:chgData name="MATHEUS SANTOS DIAS" userId="230fdbc8-4b0d-4b95-a425-bf041973b5a0" providerId="ADAL" clId="{F75CBDB1-DEC4-486F-8AB0-90D2169E0DFA}" dt="2023-12-09T23:15:40.857" v="160" actId="207"/>
         <pc:sldMkLst>
           <pc:docMk/>
           <pc:sldMk cId="3094583086" sldId="257"/>
         </pc:sldMkLst>
         <pc:spChg chg="mod">
-          <ac:chgData name="MATHEUS SANTOS DIAS" userId="230fdbc8-4b0d-4b95-a425-bf041973b5a0" providerId="ADAL" clId="{F75CBDB1-DEC4-486F-8AB0-90D2169E0DFA}" dt="2023-12-06T22:53:24.858" v="138" actId="14100"/>
+          <ac:chgData name="MATHEUS SANTOS DIAS" userId="230fdbc8-4b0d-4b95-a425-bf041973b5a0" providerId="ADAL" clId="{F75CBDB1-DEC4-486F-8AB0-90D2169E0DFA}" dt="2023-12-09T23:15:35.375" v="159" actId="207"/>
+          <ac:spMkLst>
+            <pc:docMk/>
+            <pc:sldMk cId="3094583086" sldId="257"/>
+            <ac:spMk id="4" creationId="{FFFF3812-0184-90AF-FBBB-D63A5F999143}"/>
+          </ac:spMkLst>
+        </pc:spChg>
+        <pc:spChg chg="mod">
+          <ac:chgData name="MATHEUS SANTOS DIAS" userId="230fdbc8-4b0d-4b95-a425-bf041973b5a0" providerId="ADAL" clId="{F75CBDB1-DEC4-486F-8AB0-90D2169E0DFA}" dt="2023-12-09T23:15:40.857" v="160" actId="207"/>
           <ac:spMkLst>
             <pc:docMk/>
             <pc:sldMk cId="3094583086" sldId="257"/>
@@ -157,13 +198,21 @@
         </pc:picChg>
       </pc:sldChg>
       <pc:sldChg chg="modSp mod">
-        <pc:chgData name="MATHEUS SANTOS DIAS" userId="230fdbc8-4b0d-4b95-a425-bf041973b5a0" providerId="ADAL" clId="{F75CBDB1-DEC4-486F-8AB0-90D2169E0DFA}" dt="2023-12-06T22:53:07.330" v="125" actId="14100"/>
+        <pc:chgData name="MATHEUS SANTOS DIAS" userId="230fdbc8-4b0d-4b95-a425-bf041973b5a0" providerId="ADAL" clId="{F75CBDB1-DEC4-486F-8AB0-90D2169E0DFA}" dt="2023-12-09T23:15:53.081" v="162" actId="207"/>
         <pc:sldMkLst>
           <pc:docMk/>
           <pc:sldMk cId="314579243" sldId="258"/>
         </pc:sldMkLst>
         <pc:spChg chg="mod">
-          <ac:chgData name="MATHEUS SANTOS DIAS" userId="230fdbc8-4b0d-4b95-a425-bf041973b5a0" providerId="ADAL" clId="{F75CBDB1-DEC4-486F-8AB0-90D2169E0DFA}" dt="2023-12-06T22:53:07.330" v="125" actId="14100"/>
+          <ac:chgData name="MATHEUS SANTOS DIAS" userId="230fdbc8-4b0d-4b95-a425-bf041973b5a0" providerId="ADAL" clId="{F75CBDB1-DEC4-486F-8AB0-90D2169E0DFA}" dt="2023-12-09T23:15:46.661" v="161" actId="207"/>
+          <ac:spMkLst>
+            <pc:docMk/>
+            <pc:sldMk cId="314579243" sldId="258"/>
+            <ac:spMk id="4" creationId="{05580C2E-9A88-0CED-A559-C28FFD25F071}"/>
+          </ac:spMkLst>
+        </pc:spChg>
+        <pc:spChg chg="mod">
+          <ac:chgData name="MATHEUS SANTOS DIAS" userId="230fdbc8-4b0d-4b95-a425-bf041973b5a0" providerId="ADAL" clId="{F75CBDB1-DEC4-486F-8AB0-90D2169E0DFA}" dt="2023-12-09T23:15:53.081" v="162" actId="207"/>
           <ac:spMkLst>
             <pc:docMk/>
             <pc:sldMk cId="314579243" sldId="258"/>
@@ -187,13 +236,13 @@
         </pc:sldMkLst>
       </pc:sldChg>
       <pc:sldChg chg="addSp delSp modSp add mod">
-        <pc:chgData name="MATHEUS SANTOS DIAS" userId="230fdbc8-4b0d-4b95-a425-bf041973b5a0" providerId="ADAL" clId="{F75CBDB1-DEC4-486F-8AB0-90D2169E0DFA}" dt="2023-11-22T22:13:20.380" v="90" actId="20577"/>
+        <pc:chgData name="MATHEUS SANTOS DIAS" userId="230fdbc8-4b0d-4b95-a425-bf041973b5a0" providerId="ADAL" clId="{F75CBDB1-DEC4-486F-8AB0-90D2169E0DFA}" dt="2023-12-09T23:16:02.488" v="164" actId="207"/>
         <pc:sldMkLst>
           <pc:docMk/>
           <pc:sldMk cId="1330256755" sldId="260"/>
         </pc:sldMkLst>
         <pc:spChg chg="mod">
-          <ac:chgData name="MATHEUS SANTOS DIAS" userId="230fdbc8-4b0d-4b95-a425-bf041973b5a0" providerId="ADAL" clId="{F75CBDB1-DEC4-486F-8AB0-90D2169E0DFA}" dt="2023-11-22T15:25:10.267" v="89" actId="207"/>
+          <ac:chgData name="MATHEUS SANTOS DIAS" userId="230fdbc8-4b0d-4b95-a425-bf041973b5a0" providerId="ADAL" clId="{F75CBDB1-DEC4-486F-8AB0-90D2169E0DFA}" dt="2023-12-09T23:15:58.353" v="163" actId="207"/>
           <ac:spMkLst>
             <pc:docMk/>
             <pc:sldMk cId="1330256755" sldId="260"/>
@@ -201,7 +250,7 @@
           </ac:spMkLst>
         </pc:spChg>
         <pc:spChg chg="mod">
-          <ac:chgData name="MATHEUS SANTOS DIAS" userId="230fdbc8-4b0d-4b95-a425-bf041973b5a0" providerId="ADAL" clId="{F75CBDB1-DEC4-486F-8AB0-90D2169E0DFA}" dt="2023-11-22T22:13:20.380" v="90" actId="20577"/>
+          <ac:chgData name="MATHEUS SANTOS DIAS" userId="230fdbc8-4b0d-4b95-a425-bf041973b5a0" providerId="ADAL" clId="{F75CBDB1-DEC4-486F-8AB0-90D2169E0DFA}" dt="2023-12-09T23:16:02.488" v="164" actId="207"/>
           <ac:spMkLst>
             <pc:docMk/>
             <pc:sldMk cId="1330256755" sldId="260"/>
@@ -226,13 +275,13 @@
         </pc:picChg>
       </pc:sldChg>
       <pc:sldChg chg="addSp modSp new mod">
-        <pc:chgData name="MATHEUS SANTOS DIAS" userId="230fdbc8-4b0d-4b95-a425-bf041973b5a0" providerId="ADAL" clId="{F75CBDB1-DEC4-486F-8AB0-90D2169E0DFA}" dt="2023-12-06T23:00:59.237" v="153" actId="1076"/>
+        <pc:chgData name="MATHEUS SANTOS DIAS" userId="230fdbc8-4b0d-4b95-a425-bf041973b5a0" providerId="ADAL" clId="{F75CBDB1-DEC4-486F-8AB0-90D2169E0DFA}" dt="2023-12-09T23:16:10.692" v="166" actId="207"/>
         <pc:sldMkLst>
           <pc:docMk/>
           <pc:sldMk cId="3664229022" sldId="261"/>
         </pc:sldMkLst>
         <pc:spChg chg="add mod">
-          <ac:chgData name="MATHEUS SANTOS DIAS" userId="230fdbc8-4b0d-4b95-a425-bf041973b5a0" providerId="ADAL" clId="{F75CBDB1-DEC4-486F-8AB0-90D2169E0DFA}" dt="2023-12-06T22:52:21.881" v="109" actId="207"/>
+          <ac:chgData name="MATHEUS SANTOS DIAS" userId="230fdbc8-4b0d-4b95-a425-bf041973b5a0" providerId="ADAL" clId="{F75CBDB1-DEC4-486F-8AB0-90D2169E0DFA}" dt="2023-12-09T23:16:06.933" v="165" actId="207"/>
           <ac:spMkLst>
             <pc:docMk/>
             <pc:sldMk cId="3664229022" sldId="261"/>
@@ -240,7 +289,7 @@
           </ac:spMkLst>
         </pc:spChg>
         <pc:spChg chg="add mod">
-          <ac:chgData name="MATHEUS SANTOS DIAS" userId="230fdbc8-4b0d-4b95-a425-bf041973b5a0" providerId="ADAL" clId="{F75CBDB1-DEC4-486F-8AB0-90D2169E0DFA}" dt="2023-12-06T23:00:45.518" v="148" actId="1076"/>
+          <ac:chgData name="MATHEUS SANTOS DIAS" userId="230fdbc8-4b0d-4b95-a425-bf041973b5a0" providerId="ADAL" clId="{F75CBDB1-DEC4-486F-8AB0-90D2169E0DFA}" dt="2023-12-09T23:16:10.692" v="166" actId="207"/>
           <ac:spMkLst>
             <pc:docMk/>
             <pc:sldMk cId="3664229022" sldId="261"/>
@@ -253,6 +302,52 @@
             <pc:docMk/>
             <pc:sldMk cId="3664229022" sldId="261"/>
             <ac:picMk id="3" creationId="{8772FC1B-7BD9-B03C-F122-474CA62104EB}"/>
+          </ac:picMkLst>
+        </pc:picChg>
+      </pc:sldChg>
+      <pc:sldChg chg="addSp modSp new mod ord">
+        <pc:chgData name="MATHEUS SANTOS DIAS" userId="230fdbc8-4b0d-4b95-a425-bf041973b5a0" providerId="ADAL" clId="{F75CBDB1-DEC4-486F-8AB0-90D2169E0DFA}" dt="2023-12-09T23:28:08.702" v="202" actId="1076"/>
+        <pc:sldMkLst>
+          <pc:docMk/>
+          <pc:sldMk cId="3258180675" sldId="262"/>
+        </pc:sldMkLst>
+        <pc:spChg chg="add mod">
+          <ac:chgData name="MATHEUS SANTOS DIAS" userId="230fdbc8-4b0d-4b95-a425-bf041973b5a0" providerId="ADAL" clId="{F75CBDB1-DEC4-486F-8AB0-90D2169E0DFA}" dt="2023-12-09T23:27:39.374" v="196" actId="20577"/>
+          <ac:spMkLst>
+            <pc:docMk/>
+            <pc:sldMk cId="3258180675" sldId="262"/>
+            <ac:spMk id="4" creationId="{610CFCAD-F33D-8898-04B8-E989CEE8A675}"/>
+          </ac:spMkLst>
+        </pc:spChg>
+        <pc:spChg chg="add mod">
+          <ac:chgData name="MATHEUS SANTOS DIAS" userId="230fdbc8-4b0d-4b95-a425-bf041973b5a0" providerId="ADAL" clId="{F75CBDB1-DEC4-486F-8AB0-90D2169E0DFA}" dt="2023-12-09T23:24:36.962" v="185" actId="20577"/>
+          <ac:spMkLst>
+            <pc:docMk/>
+            <pc:sldMk cId="3258180675" sldId="262"/>
+            <ac:spMk id="5" creationId="{6714795F-DAF6-0679-9446-758B822CD7E9}"/>
+          </ac:spMkLst>
+        </pc:spChg>
+        <pc:picChg chg="add mod">
+          <ac:chgData name="MATHEUS SANTOS DIAS" userId="230fdbc8-4b0d-4b95-a425-bf041973b5a0" providerId="ADAL" clId="{F75CBDB1-DEC4-486F-8AB0-90D2169E0DFA}" dt="2023-12-09T23:28:08.702" v="202" actId="1076"/>
+          <ac:picMkLst>
+            <pc:docMk/>
+            <pc:sldMk cId="3258180675" sldId="262"/>
+            <ac:picMk id="3" creationId="{E7F02104-5191-C7C4-893E-FA6D852EB8CB}"/>
+          </ac:picMkLst>
+        </pc:picChg>
+      </pc:sldChg>
+      <pc:sldChg chg="modSp add mod">
+        <pc:chgData name="MATHEUS SANTOS DIAS" userId="230fdbc8-4b0d-4b95-a425-bf041973b5a0" providerId="ADAL" clId="{F75CBDB1-DEC4-486F-8AB0-90D2169E0DFA}" dt="2023-12-09T23:27:56.815" v="200" actId="1076"/>
+        <pc:sldMkLst>
+          <pc:docMk/>
+          <pc:sldMk cId="2938446129" sldId="263"/>
+        </pc:sldMkLst>
+        <pc:picChg chg="mod">
+          <ac:chgData name="MATHEUS SANTOS DIAS" userId="230fdbc8-4b0d-4b95-a425-bf041973b5a0" providerId="ADAL" clId="{F75CBDB1-DEC4-486F-8AB0-90D2169E0DFA}" dt="2023-12-09T23:27:56.815" v="200" actId="1076"/>
+          <ac:picMkLst>
+            <pc:docMk/>
+            <pc:sldMk cId="2938446129" sldId="263"/>
+            <ac:picMk id="3" creationId="{E7F02104-5191-C7C4-893E-FA6D852EB8CB}"/>
           </ac:picMkLst>
         </pc:picChg>
       </pc:sldChg>
@@ -408,7 +503,7 @@
           <a:p>
             <a:fld id="{28EA16E0-01DB-4CA7-B5A5-2C288B23FD35}" type="datetimeFigureOut">
               <a:rPr lang="pt-BR" smtClean="0"/>
-              <a:t>06/12/2023</a:t>
+              <a:t>09/12/2023</a:t>
             </a:fld>
             <a:endParaRPr lang="pt-BR"/>
           </a:p>
@@ -606,7 +701,7 @@
           <a:p>
             <a:fld id="{28EA16E0-01DB-4CA7-B5A5-2C288B23FD35}" type="datetimeFigureOut">
               <a:rPr lang="pt-BR" smtClean="0"/>
-              <a:t>06/12/2023</a:t>
+              <a:t>09/12/2023</a:t>
             </a:fld>
             <a:endParaRPr lang="pt-BR"/>
           </a:p>
@@ -814,7 +909,7 @@
           <a:p>
             <a:fld id="{28EA16E0-01DB-4CA7-B5A5-2C288B23FD35}" type="datetimeFigureOut">
               <a:rPr lang="pt-BR" smtClean="0"/>
-              <a:t>06/12/2023</a:t>
+              <a:t>09/12/2023</a:t>
             </a:fld>
             <a:endParaRPr lang="pt-BR"/>
           </a:p>
@@ -1012,7 +1107,7 @@
           <a:p>
             <a:fld id="{28EA16E0-01DB-4CA7-B5A5-2C288B23FD35}" type="datetimeFigureOut">
               <a:rPr lang="pt-BR" smtClean="0"/>
-              <a:t>06/12/2023</a:t>
+              <a:t>09/12/2023</a:t>
             </a:fld>
             <a:endParaRPr lang="pt-BR"/>
           </a:p>
@@ -1287,7 +1382,7 @@
           <a:p>
             <a:fld id="{28EA16E0-01DB-4CA7-B5A5-2C288B23FD35}" type="datetimeFigureOut">
               <a:rPr lang="pt-BR" smtClean="0"/>
-              <a:t>06/12/2023</a:t>
+              <a:t>09/12/2023</a:t>
             </a:fld>
             <a:endParaRPr lang="pt-BR"/>
           </a:p>
@@ -1552,7 +1647,7 @@
           <a:p>
             <a:fld id="{28EA16E0-01DB-4CA7-B5A5-2C288B23FD35}" type="datetimeFigureOut">
               <a:rPr lang="pt-BR" smtClean="0"/>
-              <a:t>06/12/2023</a:t>
+              <a:t>09/12/2023</a:t>
             </a:fld>
             <a:endParaRPr lang="pt-BR"/>
           </a:p>
@@ -1964,7 +2059,7 @@
           <a:p>
             <a:fld id="{28EA16E0-01DB-4CA7-B5A5-2C288B23FD35}" type="datetimeFigureOut">
               <a:rPr lang="pt-BR" smtClean="0"/>
-              <a:t>06/12/2023</a:t>
+              <a:t>09/12/2023</a:t>
             </a:fld>
             <a:endParaRPr lang="pt-BR"/>
           </a:p>
@@ -2105,7 +2200,7 @@
           <a:p>
             <a:fld id="{28EA16E0-01DB-4CA7-B5A5-2C288B23FD35}" type="datetimeFigureOut">
               <a:rPr lang="pt-BR" smtClean="0"/>
-              <a:t>06/12/2023</a:t>
+              <a:t>09/12/2023</a:t>
             </a:fld>
             <a:endParaRPr lang="pt-BR"/>
           </a:p>
@@ -2218,7 +2313,7 @@
           <a:p>
             <a:fld id="{28EA16E0-01DB-4CA7-B5A5-2C288B23FD35}" type="datetimeFigureOut">
               <a:rPr lang="pt-BR" smtClean="0"/>
-              <a:t>06/12/2023</a:t>
+              <a:t>09/12/2023</a:t>
             </a:fld>
             <a:endParaRPr lang="pt-BR"/>
           </a:p>
@@ -2529,7 +2624,7 @@
           <a:p>
             <a:fld id="{28EA16E0-01DB-4CA7-B5A5-2C288B23FD35}" type="datetimeFigureOut">
               <a:rPr lang="pt-BR" smtClean="0"/>
-              <a:t>06/12/2023</a:t>
+              <a:t>09/12/2023</a:t>
             </a:fld>
             <a:endParaRPr lang="pt-BR"/>
           </a:p>
@@ -2817,7 +2912,7 @@
           <a:p>
             <a:fld id="{28EA16E0-01DB-4CA7-B5A5-2C288B23FD35}" type="datetimeFigureOut">
               <a:rPr lang="pt-BR" smtClean="0"/>
-              <a:t>06/12/2023</a:t>
+              <a:t>09/12/2023</a:t>
             </a:fld>
             <a:endParaRPr lang="pt-BR"/>
           </a:p>
@@ -3058,7 +3153,7 @@
           <a:p>
             <a:fld id="{28EA16E0-01DB-4CA7-B5A5-2C288B23FD35}" type="datetimeFigureOut">
               <a:rPr lang="pt-BR" smtClean="0"/>
-              <a:t>06/12/2023</a:t>
+              <a:t>09/12/2023</a:t>
             </a:fld>
             <a:endParaRPr lang="pt-BR"/>
           </a:p>
@@ -3543,7 +3638,7 @@
             <a:r>
               <a:rPr lang="pt-BR" sz="7200" b="1" dirty="0">
                 <a:solidFill>
-                  <a:srgbClr val="916EF0"/>
+                  <a:srgbClr val="0563BB"/>
                 </a:solidFill>
                 <a:latin typeface="Verdana" panose="020B0604030504040204" pitchFamily="34" charset="0"/>
                 <a:ea typeface="Verdana" panose="020B0604030504040204" pitchFamily="34" charset="0"/>
@@ -3586,7 +3681,7 @@
             <a:r>
               <a:rPr lang="pt-BR" sz="7200" dirty="0">
                 <a:solidFill>
-                  <a:srgbClr val="916EF0"/>
+                  <a:srgbClr val="0563BB"/>
                 </a:solidFill>
                 <a:latin typeface="Arial Rounded MT Bold" panose="020F0704030504030204" pitchFamily="34" charset="0"/>
                 <a:ea typeface="Verdana" panose="020B0604030504040204" pitchFamily="34" charset="0"/>
@@ -3695,7 +3790,7 @@
             <a:r>
               <a:rPr lang="pt-BR" sz="7200" b="1" dirty="0">
                 <a:solidFill>
-                  <a:srgbClr val="199FA2"/>
+                  <a:srgbClr val="0563BB"/>
                 </a:solidFill>
                 <a:latin typeface="Verdana" panose="020B0604030504040204" pitchFamily="34" charset="0"/>
                 <a:ea typeface="Verdana" panose="020B0604030504040204" pitchFamily="34" charset="0"/>
@@ -3738,7 +3833,7 @@
             <a:r>
               <a:rPr lang="pt-BR" sz="7200" dirty="0">
                 <a:solidFill>
-                  <a:srgbClr val="199FA2"/>
+                  <a:srgbClr val="0563BB"/>
                 </a:solidFill>
                 <a:latin typeface="Arial Rounded MT Bold" panose="020F0704030504030204" pitchFamily="34" charset="0"/>
                 <a:ea typeface="Verdana" panose="020B0604030504040204" pitchFamily="34" charset="0"/>
@@ -3749,7 +3844,7 @@
             <a:r>
               <a:rPr lang="pt-BR" sz="7200" dirty="0" err="1">
                 <a:solidFill>
-                  <a:srgbClr val="199FA2"/>
+                  <a:srgbClr val="0563BB"/>
                 </a:solidFill>
                 <a:latin typeface="Arial Rounded MT Bold" panose="020F0704030504030204" pitchFamily="34" charset="0"/>
                 <a:ea typeface="Verdana" panose="020B0604030504040204" pitchFamily="34" charset="0"/>
@@ -3759,7 +3854,7 @@
             </a:r>
             <a:endParaRPr lang="pt-BR" sz="7200" dirty="0">
               <a:solidFill>
-                <a:srgbClr val="199FA2"/>
+                <a:srgbClr val="0563BB"/>
               </a:solidFill>
               <a:latin typeface="Arial Rounded MT Bold" panose="020F0704030504030204" pitchFamily="34" charset="0"/>
               <a:ea typeface="Verdana" panose="020B0604030504040204" pitchFamily="34" charset="0"/>
@@ -3866,7 +3961,7 @@
             <a:r>
               <a:rPr lang="pt-BR" sz="7200" b="1" dirty="0">
                 <a:solidFill>
-                  <a:srgbClr val="414680"/>
+                  <a:srgbClr val="0563BB"/>
                 </a:solidFill>
                 <a:latin typeface="Verdana" panose="020B0604030504040204" pitchFamily="34" charset="0"/>
                 <a:ea typeface="Verdana" panose="020B0604030504040204" pitchFamily="34" charset="0"/>
@@ -3909,7 +4004,7 @@
             <a:r>
               <a:rPr lang="pt-BR" sz="7200" dirty="0">
                 <a:solidFill>
-                  <a:srgbClr val="414680"/>
+                  <a:srgbClr val="0563BB"/>
                 </a:solidFill>
                 <a:latin typeface="Arial Rounded MT Bold" panose="020F0704030504030204" pitchFamily="34" charset="0"/>
                 <a:ea typeface="Verdana" panose="020B0604030504040204" pitchFamily="34" charset="0"/>
@@ -4018,7 +4113,7 @@
             <a:r>
               <a:rPr lang="pt-BR" sz="7200" b="1" dirty="0">
                 <a:solidFill>
-                  <a:srgbClr val="F6813E"/>
+                  <a:srgbClr val="0563BB"/>
                 </a:solidFill>
                 <a:latin typeface="Verdana" panose="020B0604030504040204" pitchFamily="34" charset="0"/>
                 <a:ea typeface="Verdana" panose="020B0604030504040204" pitchFamily="34" charset="0"/>
@@ -4061,7 +4156,7 @@
             <a:r>
               <a:rPr lang="pt-BR" sz="7200" dirty="0" err="1">
                 <a:solidFill>
-                  <a:srgbClr val="F6813E"/>
+                  <a:srgbClr val="0563BB"/>
                 </a:solidFill>
                 <a:latin typeface="Arial Rounded MT Bold" panose="020F0704030504030204" pitchFamily="34" charset="0"/>
                 <a:ea typeface="Verdana" panose="020B0604030504040204" pitchFamily="34" charset="0"/>
@@ -4072,7 +4167,7 @@
             <a:r>
               <a:rPr lang="pt-BR" sz="7200" dirty="0">
                 <a:solidFill>
-                  <a:srgbClr val="F6813E"/>
+                  <a:srgbClr val="0563BB"/>
                 </a:solidFill>
                 <a:latin typeface="Arial Rounded MT Bold" panose="020F0704030504030204" pitchFamily="34" charset="0"/>
                 <a:ea typeface="Verdana" panose="020B0604030504040204" pitchFamily="34" charset="0"/>
@@ -4083,7 +4178,7 @@
             <a:r>
               <a:rPr lang="pt-BR" sz="7200" dirty="0" err="1">
                 <a:solidFill>
-                  <a:srgbClr val="F6813E"/>
+                  <a:srgbClr val="0563BB"/>
                 </a:solidFill>
                 <a:latin typeface="Arial Rounded MT Bold" panose="020F0704030504030204" pitchFamily="34" charset="0"/>
                 <a:ea typeface="Verdana" panose="020B0604030504040204" pitchFamily="34" charset="0"/>
@@ -4094,7 +4189,7 @@
             <a:r>
               <a:rPr lang="pt-BR" sz="7200" dirty="0">
                 <a:solidFill>
-                  <a:srgbClr val="F6813E"/>
+                  <a:srgbClr val="0563BB"/>
                 </a:solidFill>
                 <a:latin typeface="Arial Rounded MT Bold" panose="020F0704030504030204" pitchFamily="34" charset="0"/>
                 <a:ea typeface="Verdana" panose="020B0604030504040204" pitchFamily="34" charset="0"/>
@@ -4203,7 +4298,7 @@
             <a:r>
               <a:rPr lang="pt-BR" sz="6000" b="1" dirty="0">
                 <a:solidFill>
-                  <a:srgbClr val="FB73B3"/>
+                  <a:srgbClr val="0563BB"/>
                 </a:solidFill>
                 <a:latin typeface="Verdana" panose="020B0604030504040204" pitchFamily="34" charset="0"/>
                 <a:ea typeface="Verdana" panose="020B0604030504040204" pitchFamily="34" charset="0"/>
@@ -4246,7 +4341,7 @@
             <a:r>
               <a:rPr lang="en-US" sz="5400" dirty="0">
                 <a:solidFill>
-                  <a:srgbClr val="FB73B3"/>
+                  <a:srgbClr val="0563BB"/>
                 </a:solidFill>
                 <a:latin typeface="Arial Rounded MT Bold" panose="020F0704030504030204" pitchFamily="34" charset="0"/>
                 <a:ea typeface="Verdana" panose="020B0604030504040204" pitchFamily="34" charset="0"/>
@@ -4256,7 +4351,7 @@
             </a:r>
             <a:endParaRPr lang="pt-BR" sz="5400" dirty="0">
               <a:solidFill>
-                <a:srgbClr val="FB73B3"/>
+                <a:srgbClr val="0563BB"/>
               </a:solidFill>
               <a:latin typeface="Arial Rounded MT Bold" panose="020F0704030504030204" pitchFamily="34" charset="0"/>
               <a:ea typeface="Verdana" panose="020B0604030504040204" pitchFamily="34" charset="0"/>
@@ -4269,6 +4364,348 @@
     <p:extLst>
       <p:ext uri="{BB962C8B-B14F-4D97-AF65-F5344CB8AC3E}">
         <p14:creationId xmlns:p14="http://schemas.microsoft.com/office/powerpoint/2010/main" val="3664229022"/>
+      </p:ext>
+    </p:extLst>
+  </p:cSld>
+  <p:clrMapOvr>
+    <a:masterClrMapping/>
+  </p:clrMapOvr>
+</p:sld>
+</file>
+
+<file path=ppt/slides/slide6.xml><?xml version="1.0" encoding="utf-8"?>
+<p:sld xmlns:a="http://schemas.openxmlformats.org/drawingml/2006/main" xmlns:r="http://schemas.openxmlformats.org/officeDocument/2006/relationships" xmlns:p="http://schemas.openxmlformats.org/presentationml/2006/main">
+  <p:cSld>
+    <p:spTree>
+      <p:nvGrpSpPr>
+        <p:cNvPr id="1" name=""/>
+        <p:cNvGrpSpPr/>
+        <p:nvPr/>
+      </p:nvGrpSpPr>
+      <p:grpSpPr>
+        <a:xfrm>
+          <a:off x="0" y="0"/>
+          <a:ext cx="0" cy="0"/>
+          <a:chOff x="0" y="0"/>
+          <a:chExt cx="0" cy="0"/>
+        </a:xfrm>
+      </p:grpSpPr>
+      <p:pic>
+        <p:nvPicPr>
+          <p:cNvPr id="3" name="Imagem 2" descr="Diagrama&#10;&#10;Descrição gerada automaticamente">
+            <a:extLst>
+              <a:ext uri="{FF2B5EF4-FFF2-40B4-BE49-F238E27FC236}">
+                <a16:creationId xmlns:a16="http://schemas.microsoft.com/office/drawing/2014/main" id="{E7F02104-5191-C7C4-893E-FA6D852EB8CB}"/>
+              </a:ext>
+            </a:extLst>
+          </p:cNvPr>
+          <p:cNvPicPr>
+            <a:picLocks noChangeAspect="1"/>
+          </p:cNvPicPr>
+          <p:nvPr/>
+        </p:nvPicPr>
+        <p:blipFill>
+          <a:blip r:embed="rId2">
+            <a:extLst>
+              <a:ext uri="{28A0092B-C50C-407E-A947-70E740481C1C}">
+                <a14:useLocalDpi xmlns:a14="http://schemas.microsoft.com/office/drawing/2010/main" val="0"/>
+              </a:ext>
+            </a:extLst>
+          </a:blip>
+          <a:stretch>
+            <a:fillRect/>
+          </a:stretch>
+        </p:blipFill>
+        <p:spPr>
+          <a:xfrm>
+            <a:off x="976000" y="549000"/>
+            <a:ext cx="10240000" cy="5760000"/>
+          </a:xfrm>
+          <a:prstGeom prst="rect">
+            <a:avLst/>
+          </a:prstGeom>
+        </p:spPr>
+      </p:pic>
+      <p:sp>
+        <p:nvSpPr>
+          <p:cNvPr id="4" name="CaixaDeTexto 3">
+            <a:extLst>
+              <a:ext uri="{FF2B5EF4-FFF2-40B4-BE49-F238E27FC236}">
+                <a16:creationId xmlns:a16="http://schemas.microsoft.com/office/drawing/2014/main" id="{610CFCAD-F33D-8898-04B8-E989CEE8A675}"/>
+              </a:ext>
+            </a:extLst>
+          </p:cNvPr>
+          <p:cNvSpPr txBox="1"/>
+          <p:nvPr/>
+        </p:nvSpPr>
+        <p:spPr>
+          <a:xfrm>
+            <a:off x="1228725" y="128835"/>
+            <a:ext cx="9734550" cy="1200329"/>
+          </a:xfrm>
+          <a:prstGeom prst="rect">
+            <a:avLst/>
+          </a:prstGeom>
+          <a:noFill/>
+        </p:spPr>
+        <p:txBody>
+          <a:bodyPr wrap="square" rtlCol="0">
+            <a:spAutoFit/>
+          </a:bodyPr>
+          <a:lstStyle/>
+          <a:p>
+            <a:pPr algn="ctr"/>
+            <a:r>
+              <a:rPr lang="pt-BR" sz="7200" b="1" dirty="0">
+                <a:solidFill>
+                  <a:srgbClr val="0563BB"/>
+                </a:solidFill>
+                <a:latin typeface="Verdana" panose="020B0604030504040204" pitchFamily="34" charset="0"/>
+                <a:ea typeface="Verdana" panose="020B0604030504040204" pitchFamily="34" charset="0"/>
+                <a:cs typeface="Arial" panose="020B0604020202020204" pitchFamily="34" charset="0"/>
+              </a:rPr>
+              <a:t>EDA</a:t>
+            </a:r>
+          </a:p>
+        </p:txBody>
+      </p:sp>
+      <p:sp>
+        <p:nvSpPr>
+          <p:cNvPr id="5" name="CaixaDeTexto 4">
+            <a:extLst>
+              <a:ext uri="{FF2B5EF4-FFF2-40B4-BE49-F238E27FC236}">
+                <a16:creationId xmlns:a16="http://schemas.microsoft.com/office/drawing/2014/main" id="{6714795F-DAF6-0679-9446-758B822CD7E9}"/>
+              </a:ext>
+            </a:extLst>
+          </p:cNvPr>
+          <p:cNvSpPr txBox="1"/>
+          <p:nvPr/>
+        </p:nvSpPr>
+        <p:spPr>
+          <a:xfrm>
+            <a:off x="1228725" y="5528836"/>
+            <a:ext cx="9734550" cy="1200329"/>
+          </a:xfrm>
+          <a:prstGeom prst="rect">
+            <a:avLst/>
+          </a:prstGeom>
+          <a:noFill/>
+        </p:spPr>
+        <p:txBody>
+          <a:bodyPr wrap="square" rtlCol="0">
+            <a:spAutoFit/>
+          </a:bodyPr>
+          <a:lstStyle/>
+          <a:p>
+            <a:pPr algn="ctr"/>
+            <a:r>
+              <a:rPr lang="pt-BR" sz="7200" dirty="0">
+                <a:solidFill>
+                  <a:srgbClr val="0563BB"/>
+                </a:solidFill>
+                <a:latin typeface="Arial Rounded MT Bold" panose="020F0704030504030204" pitchFamily="34" charset="0"/>
+                <a:ea typeface="Verdana" panose="020B0604030504040204" pitchFamily="34" charset="0"/>
+                <a:cs typeface="Arial" panose="020B0604020202020204" pitchFamily="34" charset="0"/>
+              </a:rPr>
+              <a:t>In </a:t>
+            </a:r>
+            <a:r>
+              <a:rPr lang="pt-BR" sz="7200" dirty="0" err="1">
+                <a:solidFill>
+                  <a:srgbClr val="0563BB"/>
+                </a:solidFill>
+                <a:latin typeface="Arial Rounded MT Bold" panose="020F0704030504030204" pitchFamily="34" charset="0"/>
+                <a:ea typeface="Verdana" panose="020B0604030504040204" pitchFamily="34" charset="0"/>
+                <a:cs typeface="Arial" panose="020B0604020202020204" pitchFamily="34" charset="0"/>
+              </a:rPr>
+              <a:t>progress</a:t>
+            </a:r>
+            <a:endParaRPr lang="pt-BR" sz="7200" dirty="0">
+              <a:solidFill>
+                <a:srgbClr val="0563BB"/>
+              </a:solidFill>
+              <a:latin typeface="Arial Rounded MT Bold" panose="020F0704030504030204" pitchFamily="34" charset="0"/>
+              <a:ea typeface="Verdana" panose="020B0604030504040204" pitchFamily="34" charset="0"/>
+              <a:cs typeface="Arial" panose="020B0604020202020204" pitchFamily="34" charset="0"/>
+            </a:endParaRPr>
+          </a:p>
+        </p:txBody>
+      </p:sp>
+    </p:spTree>
+    <p:extLst>
+      <p:ext uri="{BB962C8B-B14F-4D97-AF65-F5344CB8AC3E}">
+        <p14:creationId xmlns:p14="http://schemas.microsoft.com/office/powerpoint/2010/main" val="2938446129"/>
+      </p:ext>
+    </p:extLst>
+  </p:cSld>
+  <p:clrMapOvr>
+    <a:masterClrMapping/>
+  </p:clrMapOvr>
+</p:sld>
+</file>
+
+<file path=ppt/slides/slide7.xml><?xml version="1.0" encoding="utf-8"?>
+<p:sld xmlns:a="http://schemas.openxmlformats.org/drawingml/2006/main" xmlns:r="http://schemas.openxmlformats.org/officeDocument/2006/relationships" xmlns:p="http://schemas.openxmlformats.org/presentationml/2006/main">
+  <p:cSld>
+    <p:spTree>
+      <p:nvGrpSpPr>
+        <p:cNvPr id="1" name=""/>
+        <p:cNvGrpSpPr/>
+        <p:nvPr/>
+      </p:nvGrpSpPr>
+      <p:grpSpPr>
+        <a:xfrm>
+          <a:off x="0" y="0"/>
+          <a:ext cx="0" cy="0"/>
+          <a:chOff x="0" y="0"/>
+          <a:chExt cx="0" cy="0"/>
+        </a:xfrm>
+      </p:grpSpPr>
+      <p:pic>
+        <p:nvPicPr>
+          <p:cNvPr id="3" name="Imagem 2" descr="Diagrama&#10;&#10;Descrição gerada automaticamente">
+            <a:extLst>
+              <a:ext uri="{FF2B5EF4-FFF2-40B4-BE49-F238E27FC236}">
+                <a16:creationId xmlns:a16="http://schemas.microsoft.com/office/drawing/2014/main" id="{E7F02104-5191-C7C4-893E-FA6D852EB8CB}"/>
+              </a:ext>
+            </a:extLst>
+          </p:cNvPr>
+          <p:cNvPicPr>
+            <a:picLocks noChangeAspect="1"/>
+          </p:cNvPicPr>
+          <p:nvPr/>
+        </p:nvPicPr>
+        <p:blipFill>
+          <a:blip r:embed="rId2">
+            <a:extLst>
+              <a:ext uri="{28A0092B-C50C-407E-A947-70E740481C1C}">
+                <a14:useLocalDpi xmlns:a14="http://schemas.microsoft.com/office/drawing/2010/main" val="0"/>
+              </a:ext>
+            </a:extLst>
+          </a:blip>
+          <a:stretch>
+            <a:fillRect/>
+          </a:stretch>
+        </p:blipFill>
+        <p:spPr>
+          <a:xfrm>
+            <a:off x="976000" y="549000"/>
+            <a:ext cx="10240000" cy="5760000"/>
+          </a:xfrm>
+          <a:prstGeom prst="rect">
+            <a:avLst/>
+          </a:prstGeom>
+        </p:spPr>
+      </p:pic>
+      <p:sp>
+        <p:nvSpPr>
+          <p:cNvPr id="4" name="CaixaDeTexto 3">
+            <a:extLst>
+              <a:ext uri="{FF2B5EF4-FFF2-40B4-BE49-F238E27FC236}">
+                <a16:creationId xmlns:a16="http://schemas.microsoft.com/office/drawing/2014/main" id="{610CFCAD-F33D-8898-04B8-E989CEE8A675}"/>
+              </a:ext>
+            </a:extLst>
+          </p:cNvPr>
+          <p:cNvSpPr txBox="1"/>
+          <p:nvPr/>
+        </p:nvSpPr>
+        <p:spPr>
+          <a:xfrm>
+            <a:off x="1228725" y="128835"/>
+            <a:ext cx="9734550" cy="1200329"/>
+          </a:xfrm>
+          <a:prstGeom prst="rect">
+            <a:avLst/>
+          </a:prstGeom>
+          <a:noFill/>
+        </p:spPr>
+        <p:txBody>
+          <a:bodyPr wrap="square" rtlCol="0">
+            <a:spAutoFit/>
+          </a:bodyPr>
+          <a:lstStyle/>
+          <a:p>
+            <a:pPr algn="ctr"/>
+            <a:r>
+              <a:rPr lang="pt-BR" sz="7200" b="1" dirty="0">
+                <a:solidFill>
+                  <a:srgbClr val="0563BB"/>
+                </a:solidFill>
+                <a:latin typeface="Verdana" panose="020B0604030504040204" pitchFamily="34" charset="0"/>
+                <a:ea typeface="Verdana" panose="020B0604030504040204" pitchFamily="34" charset="0"/>
+                <a:cs typeface="Arial" panose="020B0604020202020204" pitchFamily="34" charset="0"/>
+              </a:rPr>
+              <a:t>DASHBOARD</a:t>
+            </a:r>
+          </a:p>
+        </p:txBody>
+      </p:sp>
+      <p:sp>
+        <p:nvSpPr>
+          <p:cNvPr id="5" name="CaixaDeTexto 4">
+            <a:extLst>
+              <a:ext uri="{FF2B5EF4-FFF2-40B4-BE49-F238E27FC236}">
+                <a16:creationId xmlns:a16="http://schemas.microsoft.com/office/drawing/2014/main" id="{6714795F-DAF6-0679-9446-758B822CD7E9}"/>
+              </a:ext>
+            </a:extLst>
+          </p:cNvPr>
+          <p:cNvSpPr txBox="1"/>
+          <p:nvPr/>
+        </p:nvSpPr>
+        <p:spPr>
+          <a:xfrm>
+            <a:off x="1228725" y="5528836"/>
+            <a:ext cx="9734550" cy="1200329"/>
+          </a:xfrm>
+          <a:prstGeom prst="rect">
+            <a:avLst/>
+          </a:prstGeom>
+          <a:noFill/>
+        </p:spPr>
+        <p:txBody>
+          <a:bodyPr wrap="square" rtlCol="0">
+            <a:spAutoFit/>
+          </a:bodyPr>
+          <a:lstStyle/>
+          <a:p>
+            <a:pPr algn="ctr"/>
+            <a:r>
+              <a:rPr lang="pt-BR" sz="7200" dirty="0">
+                <a:solidFill>
+                  <a:srgbClr val="0563BB"/>
+                </a:solidFill>
+                <a:latin typeface="Arial Rounded MT Bold" panose="020F0704030504030204" pitchFamily="34" charset="0"/>
+                <a:ea typeface="Verdana" panose="020B0604030504040204" pitchFamily="34" charset="0"/>
+                <a:cs typeface="Arial" panose="020B0604020202020204" pitchFamily="34" charset="0"/>
+              </a:rPr>
+              <a:t>In </a:t>
+            </a:r>
+            <a:r>
+              <a:rPr lang="pt-BR" sz="7200" dirty="0" err="1">
+                <a:solidFill>
+                  <a:srgbClr val="0563BB"/>
+                </a:solidFill>
+                <a:latin typeface="Arial Rounded MT Bold" panose="020F0704030504030204" pitchFamily="34" charset="0"/>
+                <a:ea typeface="Verdana" panose="020B0604030504040204" pitchFamily="34" charset="0"/>
+                <a:cs typeface="Arial" panose="020B0604020202020204" pitchFamily="34" charset="0"/>
+              </a:rPr>
+              <a:t>progress</a:t>
+            </a:r>
+            <a:endParaRPr lang="pt-BR" sz="7200" dirty="0">
+              <a:solidFill>
+                <a:srgbClr val="0563BB"/>
+              </a:solidFill>
+              <a:latin typeface="Arial Rounded MT Bold" panose="020F0704030504030204" pitchFamily="34" charset="0"/>
+              <a:ea typeface="Verdana" panose="020B0604030504040204" pitchFamily="34" charset="0"/>
+              <a:cs typeface="Arial" panose="020B0604020202020204" pitchFamily="34" charset="0"/>
+            </a:endParaRPr>
+          </a:p>
+        </p:txBody>
+      </p:sp>
+    </p:spTree>
+    <p:extLst>
+      <p:ext uri="{BB962C8B-B14F-4D97-AF65-F5344CB8AC3E}">
+        <p14:creationId xmlns:p14="http://schemas.microsoft.com/office/powerpoint/2010/main" val="3258180675"/>
       </p:ext>
     </p:extLst>
   </p:cSld>

--- a/assets/img/portfolio/cards-portifolio.pptx
+++ b/assets/img/portfolio/cards-portifolio.pptx
@@ -5,13 +5,15 @@
     <p:sldMasterId id="2147483648" r:id="rId1"/>
   </p:sldMasterIdLst>
   <p:sldIdLst>
-    <p:sldId id="256" r:id="rId2"/>
-    <p:sldId id="257" r:id="rId3"/>
-    <p:sldId id="258" r:id="rId4"/>
-    <p:sldId id="260" r:id="rId5"/>
-    <p:sldId id="261" r:id="rId6"/>
-    <p:sldId id="263" r:id="rId7"/>
-    <p:sldId id="262" r:id="rId8"/>
+    <p:sldId id="264" r:id="rId2"/>
+    <p:sldId id="256" r:id="rId3"/>
+    <p:sldId id="265" r:id="rId4"/>
+    <p:sldId id="266" r:id="rId5"/>
+    <p:sldId id="267" r:id="rId6"/>
+    <p:sldId id="257" r:id="rId7"/>
+    <p:sldId id="258" r:id="rId8"/>
+    <p:sldId id="260" r:id="rId9"/>
+    <p:sldId id="261" r:id="rId10"/>
   </p:sldIdLst>
   <p:sldSz cx="12192000" cy="6858000"/>
   <p:notesSz cx="6858000" cy="9144000"/>
@@ -121,7 +123,7 @@
 <file path=ppt/revisionInfo.xml><?xml version="1.0" encoding="utf-8"?>
 <p1510:revInfo xmlns:a="http://schemas.openxmlformats.org/drawingml/2006/main" xmlns:r="http://schemas.openxmlformats.org/officeDocument/2006/relationships" xmlns:p1510="http://schemas.microsoft.com/office/powerpoint/2015/10/main">
   <p1510:revLst>
-    <p1510:client id="{F75CBDB1-DEC4-486F-8AB0-90D2169E0DFA}" v="7" dt="2023-12-09T23:27:26.617"/>
+    <p1510:client id="{F75CBDB1-DEC4-486F-8AB0-90D2169E0DFA}" v="21" dt="2023-12-11T17:34:20.090"/>
   </p1510:revLst>
 </p1510:revInfo>
 </file>
@@ -131,18 +133,18 @@
   <pc:docChgLst>
     <pc:chgData name="MATHEUS SANTOS DIAS" userId="230fdbc8-4b0d-4b95-a425-bf041973b5a0" providerId="ADAL" clId="{F75CBDB1-DEC4-486F-8AB0-90D2169E0DFA}"/>
     <pc:docChg chg="undo redo custSel addSld delSld modSld sldOrd">
-      <pc:chgData name="MATHEUS SANTOS DIAS" userId="230fdbc8-4b0d-4b95-a425-bf041973b5a0" providerId="ADAL" clId="{F75CBDB1-DEC4-486F-8AB0-90D2169E0DFA}" dt="2023-12-09T23:28:08.702" v="202" actId="1076"/>
+      <pc:chgData name="MATHEUS SANTOS DIAS" userId="230fdbc8-4b0d-4b95-a425-bf041973b5a0" providerId="ADAL" clId="{F75CBDB1-DEC4-486F-8AB0-90D2169E0DFA}" dt="2023-12-11T17:35:45.752" v="379" actId="1076"/>
       <pc:docMkLst>
         <pc:docMk/>
       </pc:docMkLst>
-      <pc:sldChg chg="addSp delSp modSp mod">
-        <pc:chgData name="MATHEUS SANTOS DIAS" userId="230fdbc8-4b0d-4b95-a425-bf041973b5a0" providerId="ADAL" clId="{F75CBDB1-DEC4-486F-8AB0-90D2169E0DFA}" dt="2023-12-09T23:15:30.624" v="158" actId="478"/>
+      <pc:sldChg chg="addSp delSp modSp mod setBg">
+        <pc:chgData name="MATHEUS SANTOS DIAS" userId="230fdbc8-4b0d-4b95-a425-bf041973b5a0" providerId="ADAL" clId="{F75CBDB1-DEC4-486F-8AB0-90D2169E0DFA}" dt="2023-12-11T16:51:49.242" v="257" actId="1076"/>
         <pc:sldMkLst>
           <pc:docMk/>
           <pc:sldMk cId="3979586301" sldId="256"/>
         </pc:sldMkLst>
         <pc:spChg chg="mod">
-          <ac:chgData name="MATHEUS SANTOS DIAS" userId="230fdbc8-4b0d-4b95-a425-bf041973b5a0" providerId="ADAL" clId="{F75CBDB1-DEC4-486F-8AB0-90D2169E0DFA}" dt="2023-12-09T23:15:23.036" v="156" actId="207"/>
+          <ac:chgData name="MATHEUS SANTOS DIAS" userId="230fdbc8-4b0d-4b95-a425-bf041973b5a0" providerId="ADAL" clId="{F75CBDB1-DEC4-486F-8AB0-90D2169E0DFA}" dt="2023-12-11T16:48:33.725" v="228" actId="1076"/>
           <ac:spMkLst>
             <pc:docMk/>
             <pc:sldMk cId="3979586301" sldId="256"/>
@@ -150,7 +152,7 @@
           </ac:spMkLst>
         </pc:spChg>
         <pc:spChg chg="mod">
-          <ac:chgData name="MATHEUS SANTOS DIAS" userId="230fdbc8-4b0d-4b95-a425-bf041973b5a0" providerId="ADAL" clId="{F75CBDB1-DEC4-486F-8AB0-90D2169E0DFA}" dt="2023-12-09T23:15:27.173" v="157" actId="207"/>
+          <ac:chgData name="MATHEUS SANTOS DIAS" userId="230fdbc8-4b0d-4b95-a425-bf041973b5a0" providerId="ADAL" clId="{F75CBDB1-DEC4-486F-8AB0-90D2169E0DFA}" dt="2023-12-11T16:51:49.242" v="257" actId="1076"/>
           <ac:spMkLst>
             <pc:docMk/>
             <pc:sldMk cId="3979586301" sldId="256"/>
@@ -163,6 +165,14 @@
             <pc:docMk/>
             <pc:sldMk cId="3979586301" sldId="256"/>
             <ac:picMk id="3" creationId="{FA96FBF4-EBF4-07D9-44CE-7D93E71C0D20}"/>
+          </ac:picMkLst>
+        </pc:picChg>
+        <pc:picChg chg="mod modCrop">
+          <ac:chgData name="MATHEUS SANTOS DIAS" userId="230fdbc8-4b0d-4b95-a425-bf041973b5a0" providerId="ADAL" clId="{F75CBDB1-DEC4-486F-8AB0-90D2169E0DFA}" dt="2023-12-11T16:46:08.914" v="215" actId="14100"/>
+          <ac:picMkLst>
+            <pc:docMk/>
+            <pc:sldMk cId="3979586301" sldId="256"/>
+            <ac:picMk id="5" creationId="{3C87EF71-E566-2641-D7BD-54E5AF822850}"/>
           </ac:picMkLst>
         </pc:picChg>
       </pc:sldChg>
@@ -236,7 +246,7 @@
         </pc:sldMkLst>
       </pc:sldChg>
       <pc:sldChg chg="addSp delSp modSp add mod">
-        <pc:chgData name="MATHEUS SANTOS DIAS" userId="230fdbc8-4b0d-4b95-a425-bf041973b5a0" providerId="ADAL" clId="{F75CBDB1-DEC4-486F-8AB0-90D2169E0DFA}" dt="2023-12-09T23:16:02.488" v="164" actId="207"/>
+        <pc:chgData name="MATHEUS SANTOS DIAS" userId="230fdbc8-4b0d-4b95-a425-bf041973b5a0" providerId="ADAL" clId="{F75CBDB1-DEC4-486F-8AB0-90D2169E0DFA}" dt="2023-12-11T17:20:55.918" v="346" actId="1076"/>
         <pc:sldMkLst>
           <pc:docMk/>
           <pc:sldMk cId="1330256755" sldId="260"/>
@@ -250,7 +260,7 @@
           </ac:spMkLst>
         </pc:spChg>
         <pc:spChg chg="mod">
-          <ac:chgData name="MATHEUS SANTOS DIAS" userId="230fdbc8-4b0d-4b95-a425-bf041973b5a0" providerId="ADAL" clId="{F75CBDB1-DEC4-486F-8AB0-90D2169E0DFA}" dt="2023-12-09T23:16:02.488" v="164" actId="207"/>
+          <ac:chgData name="MATHEUS SANTOS DIAS" userId="230fdbc8-4b0d-4b95-a425-bf041973b5a0" providerId="ADAL" clId="{F75CBDB1-DEC4-486F-8AB0-90D2169E0DFA}" dt="2023-12-11T17:20:53.505" v="344" actId="21"/>
           <ac:spMkLst>
             <pc:docMk/>
             <pc:sldMk cId="1330256755" sldId="260"/>
@@ -266,7 +276,7 @@
           </ac:picMkLst>
         </pc:picChg>
         <pc:picChg chg="add mod ord">
-          <ac:chgData name="MATHEUS SANTOS DIAS" userId="230fdbc8-4b0d-4b95-a425-bf041973b5a0" providerId="ADAL" clId="{F75CBDB1-DEC4-486F-8AB0-90D2169E0DFA}" dt="2023-11-22T15:22:07.974" v="30" actId="1076"/>
+          <ac:chgData name="MATHEUS SANTOS DIAS" userId="230fdbc8-4b0d-4b95-a425-bf041973b5a0" providerId="ADAL" clId="{F75CBDB1-DEC4-486F-8AB0-90D2169E0DFA}" dt="2023-12-11T17:20:55.918" v="346" actId="1076"/>
           <ac:picMkLst>
             <pc:docMk/>
             <pc:sldMk cId="1330256755" sldId="260"/>
@@ -305,8 +315,8 @@
           </ac:picMkLst>
         </pc:picChg>
       </pc:sldChg>
-      <pc:sldChg chg="addSp modSp new mod ord">
-        <pc:chgData name="MATHEUS SANTOS DIAS" userId="230fdbc8-4b0d-4b95-a425-bf041973b5a0" providerId="ADAL" clId="{F75CBDB1-DEC4-486F-8AB0-90D2169E0DFA}" dt="2023-12-09T23:28:08.702" v="202" actId="1076"/>
+      <pc:sldChg chg="addSp modSp new del mod ord">
+        <pc:chgData name="MATHEUS SANTOS DIAS" userId="230fdbc8-4b0d-4b95-a425-bf041973b5a0" providerId="ADAL" clId="{F75CBDB1-DEC4-486F-8AB0-90D2169E0DFA}" dt="2023-12-11T17:11:15.873" v="327" actId="47"/>
         <pc:sldMkLst>
           <pc:docMk/>
           <pc:sldMk cId="3258180675" sldId="262"/>
@@ -336,8 +346,8 @@
           </ac:picMkLst>
         </pc:picChg>
       </pc:sldChg>
-      <pc:sldChg chg="modSp add mod">
-        <pc:chgData name="MATHEUS SANTOS DIAS" userId="230fdbc8-4b0d-4b95-a425-bf041973b5a0" providerId="ADAL" clId="{F75CBDB1-DEC4-486F-8AB0-90D2169E0DFA}" dt="2023-12-09T23:27:56.815" v="200" actId="1076"/>
+      <pc:sldChg chg="modSp add del mod">
+        <pc:chgData name="MATHEUS SANTOS DIAS" userId="230fdbc8-4b0d-4b95-a425-bf041973b5a0" providerId="ADAL" clId="{F75CBDB1-DEC4-486F-8AB0-90D2169E0DFA}" dt="2023-12-11T17:11:17.173" v="328" actId="47"/>
         <pc:sldMkLst>
           <pc:docMk/>
           <pc:sldMk cId="2938446129" sldId="263"/>
@@ -348,6 +358,186 @@
             <pc:docMk/>
             <pc:sldMk cId="2938446129" sldId="263"/>
             <ac:picMk id="3" creationId="{E7F02104-5191-C7C4-893E-FA6D852EB8CB}"/>
+          </ac:picMkLst>
+        </pc:picChg>
+      </pc:sldChg>
+      <pc:sldChg chg="addSp delSp modSp add mod ord">
+        <pc:chgData name="MATHEUS SANTOS DIAS" userId="230fdbc8-4b0d-4b95-a425-bf041973b5a0" providerId="ADAL" clId="{F75CBDB1-DEC4-486F-8AB0-90D2169E0DFA}" dt="2023-12-11T17:12:51.593" v="340" actId="732"/>
+        <pc:sldMkLst>
+          <pc:docMk/>
+          <pc:sldMk cId="627260678" sldId="264"/>
+        </pc:sldMkLst>
+        <pc:spChg chg="mod">
+          <ac:chgData name="MATHEUS SANTOS DIAS" userId="230fdbc8-4b0d-4b95-a425-bf041973b5a0" providerId="ADAL" clId="{F75CBDB1-DEC4-486F-8AB0-90D2169E0DFA}" dt="2023-12-11T17:08:22.634" v="288"/>
+          <ac:spMkLst>
+            <pc:docMk/>
+            <pc:sldMk cId="627260678" sldId="264"/>
+            <ac:spMk id="6" creationId="{0F02E0C4-50B9-F252-8C64-48044F02592F}"/>
+          </ac:spMkLst>
+        </pc:spChg>
+        <pc:spChg chg="mod">
+          <ac:chgData name="MATHEUS SANTOS DIAS" userId="230fdbc8-4b0d-4b95-a425-bf041973b5a0" providerId="ADAL" clId="{F75CBDB1-DEC4-486F-8AB0-90D2169E0DFA}" dt="2023-12-11T16:54:28.589" v="276" actId="1076"/>
+          <ac:spMkLst>
+            <pc:docMk/>
+            <pc:sldMk cId="627260678" sldId="264"/>
+            <ac:spMk id="7" creationId="{92D1DBE4-1D9B-6EC7-DB02-C199B9426D69}"/>
+          </ac:spMkLst>
+        </pc:spChg>
+        <pc:picChg chg="add mod ord modCrop">
+          <ac:chgData name="MATHEUS SANTOS DIAS" userId="230fdbc8-4b0d-4b95-a425-bf041973b5a0" providerId="ADAL" clId="{F75CBDB1-DEC4-486F-8AB0-90D2169E0DFA}" dt="2023-12-11T17:12:51.593" v="340" actId="732"/>
+          <ac:picMkLst>
+            <pc:docMk/>
+            <pc:sldMk cId="627260678" sldId="264"/>
+            <ac:picMk id="2" creationId="{FD543ED3-FB01-EEF3-4EB0-B3C3E9A736CF}"/>
+          </ac:picMkLst>
+        </pc:picChg>
+        <pc:picChg chg="del">
+          <ac:chgData name="MATHEUS SANTOS DIAS" userId="230fdbc8-4b0d-4b95-a425-bf041973b5a0" providerId="ADAL" clId="{F75CBDB1-DEC4-486F-8AB0-90D2169E0DFA}" dt="2023-12-11T16:49:47.228" v="236" actId="478"/>
+          <ac:picMkLst>
+            <pc:docMk/>
+            <pc:sldMk cId="627260678" sldId="264"/>
+            <ac:picMk id="5" creationId="{3C87EF71-E566-2641-D7BD-54E5AF822850}"/>
+          </ac:picMkLst>
+        </pc:picChg>
+      </pc:sldChg>
+      <pc:sldChg chg="addSp delSp modSp add mod">
+        <pc:chgData name="MATHEUS SANTOS DIAS" userId="230fdbc8-4b0d-4b95-a425-bf041973b5a0" providerId="ADAL" clId="{F75CBDB1-DEC4-486F-8AB0-90D2169E0DFA}" dt="2023-12-11T17:09:35.505" v="324" actId="20577"/>
+        <pc:sldMkLst>
+          <pc:docMk/>
+          <pc:sldMk cId="2208647757" sldId="265"/>
+        </pc:sldMkLst>
+        <pc:spChg chg="mod">
+          <ac:chgData name="MATHEUS SANTOS DIAS" userId="230fdbc8-4b0d-4b95-a425-bf041973b5a0" providerId="ADAL" clId="{F75CBDB1-DEC4-486F-8AB0-90D2169E0DFA}" dt="2023-12-11T17:08:26.120" v="289"/>
+          <ac:spMkLst>
+            <pc:docMk/>
+            <pc:sldMk cId="2208647757" sldId="265"/>
+            <ac:spMk id="6" creationId="{0F02E0C4-50B9-F252-8C64-48044F02592F}"/>
+          </ac:spMkLst>
+        </pc:spChg>
+        <pc:spChg chg="mod">
+          <ac:chgData name="MATHEUS SANTOS DIAS" userId="230fdbc8-4b0d-4b95-a425-bf041973b5a0" providerId="ADAL" clId="{F75CBDB1-DEC4-486F-8AB0-90D2169E0DFA}" dt="2023-12-11T17:09:35.505" v="324" actId="20577"/>
+          <ac:spMkLst>
+            <pc:docMk/>
+            <pc:sldMk cId="2208647757" sldId="265"/>
+            <ac:spMk id="7" creationId="{92D1DBE4-1D9B-6EC7-DB02-C199B9426D69}"/>
+          </ac:spMkLst>
+        </pc:spChg>
+        <pc:picChg chg="del">
+          <ac:chgData name="MATHEUS SANTOS DIAS" userId="230fdbc8-4b0d-4b95-a425-bf041973b5a0" providerId="ADAL" clId="{F75CBDB1-DEC4-486F-8AB0-90D2169E0DFA}" dt="2023-12-11T17:07:41.585" v="282" actId="478"/>
+          <ac:picMkLst>
+            <pc:docMk/>
+            <pc:sldMk cId="2208647757" sldId="265"/>
+            <ac:picMk id="2" creationId="{FD543ED3-FB01-EEF3-4EB0-B3C3E9A736CF}"/>
+          </ac:picMkLst>
+        </pc:picChg>
+        <pc:picChg chg="add mod ord modCrop">
+          <ac:chgData name="MATHEUS SANTOS DIAS" userId="230fdbc8-4b0d-4b95-a425-bf041973b5a0" providerId="ADAL" clId="{F75CBDB1-DEC4-486F-8AB0-90D2169E0DFA}" dt="2023-12-11T17:07:59.300" v="286" actId="171"/>
+          <ac:picMkLst>
+            <pc:docMk/>
+            <pc:sldMk cId="2208647757" sldId="265"/>
+            <ac:picMk id="3" creationId="{DD6E7C1A-4029-E145-B77D-95140F2097B0}"/>
+          </ac:picMkLst>
+        </pc:picChg>
+      </pc:sldChg>
+      <pc:sldChg chg="addSp delSp modSp add mod">
+        <pc:chgData name="MATHEUS SANTOS DIAS" userId="230fdbc8-4b0d-4b95-a425-bf041973b5a0" providerId="ADAL" clId="{F75CBDB1-DEC4-486F-8AB0-90D2169E0DFA}" dt="2023-12-11T17:22:15.057" v="355" actId="1076"/>
+        <pc:sldMkLst>
+          <pc:docMk/>
+          <pc:sldMk cId="2226232231" sldId="266"/>
+        </pc:sldMkLst>
+        <pc:spChg chg="add del mod">
+          <ac:chgData name="MATHEUS SANTOS DIAS" userId="230fdbc8-4b0d-4b95-a425-bf041973b5a0" providerId="ADAL" clId="{F75CBDB1-DEC4-486F-8AB0-90D2169E0DFA}" dt="2023-12-11T17:22:03.401" v="354" actId="478"/>
+          <ac:spMkLst>
+            <pc:docMk/>
+            <pc:sldMk cId="2226232231" sldId="266"/>
+            <ac:spMk id="4" creationId="{FA46566F-E31A-F9D6-83FB-E16C68049692}"/>
+          </ac:spMkLst>
+        </pc:spChg>
+        <pc:spChg chg="mod">
+          <ac:chgData name="MATHEUS SANTOS DIAS" userId="230fdbc8-4b0d-4b95-a425-bf041973b5a0" providerId="ADAL" clId="{F75CBDB1-DEC4-486F-8AB0-90D2169E0DFA}" dt="2023-12-11T17:21:43.756" v="351" actId="1076"/>
+          <ac:spMkLst>
+            <pc:docMk/>
+            <pc:sldMk cId="2226232231" sldId="266"/>
+            <ac:spMk id="6" creationId="{0F02E0C4-50B9-F252-8C64-48044F02592F}"/>
+          </ac:spMkLst>
+        </pc:spChg>
+        <pc:spChg chg="mod ord">
+          <ac:chgData name="MATHEUS SANTOS DIAS" userId="230fdbc8-4b0d-4b95-a425-bf041973b5a0" providerId="ADAL" clId="{F75CBDB1-DEC4-486F-8AB0-90D2169E0DFA}" dt="2023-12-11T17:22:15.057" v="355" actId="1076"/>
+          <ac:spMkLst>
+            <pc:docMk/>
+            <pc:sldMk cId="2226232231" sldId="266"/>
+            <ac:spMk id="7" creationId="{92D1DBE4-1D9B-6EC7-DB02-C199B9426D69}"/>
+          </ac:spMkLst>
+        </pc:spChg>
+        <pc:picChg chg="add mod modCrop">
+          <ac:chgData name="MATHEUS SANTOS DIAS" userId="230fdbc8-4b0d-4b95-a425-bf041973b5a0" providerId="ADAL" clId="{F75CBDB1-DEC4-486F-8AB0-90D2169E0DFA}" dt="2023-12-11T17:12:48.292" v="339" actId="14100"/>
+          <ac:picMkLst>
+            <pc:docMk/>
+            <pc:sldMk cId="2226232231" sldId="266"/>
+            <ac:picMk id="2" creationId="{5D0E2E24-6141-5497-D642-5C1BE3FA6730}"/>
+          </ac:picMkLst>
+        </pc:picChg>
+        <pc:picChg chg="del">
+          <ac:chgData name="MATHEUS SANTOS DIAS" userId="230fdbc8-4b0d-4b95-a425-bf041973b5a0" providerId="ADAL" clId="{F75CBDB1-DEC4-486F-8AB0-90D2169E0DFA}" dt="2023-12-11T17:11:52.313" v="333" actId="478"/>
+          <ac:picMkLst>
+            <pc:docMk/>
+            <pc:sldMk cId="2226232231" sldId="266"/>
+            <ac:picMk id="3" creationId="{DD6E7C1A-4029-E145-B77D-95140F2097B0}"/>
+          </ac:picMkLst>
+        </pc:picChg>
+      </pc:sldChg>
+      <pc:sldChg chg="addSp delSp modSp add mod">
+        <pc:chgData name="MATHEUS SANTOS DIAS" userId="230fdbc8-4b0d-4b95-a425-bf041973b5a0" providerId="ADAL" clId="{F75CBDB1-DEC4-486F-8AB0-90D2169E0DFA}" dt="2023-12-11T17:35:45.752" v="379" actId="1076"/>
+        <pc:sldMkLst>
+          <pc:docMk/>
+          <pc:sldMk cId="2987288991" sldId="267"/>
+        </pc:sldMkLst>
+        <pc:spChg chg="add mod">
+          <ac:chgData name="MATHEUS SANTOS DIAS" userId="230fdbc8-4b0d-4b95-a425-bf041973b5a0" providerId="ADAL" clId="{F75CBDB1-DEC4-486F-8AB0-90D2169E0DFA}" dt="2023-12-11T17:34:32.993" v="373"/>
+          <ac:spMkLst>
+            <pc:docMk/>
+            <pc:sldMk cId="2987288991" sldId="267"/>
+            <ac:spMk id="4" creationId="{1F380ABD-25BE-B843-1D41-C6B906FF2421}"/>
+          </ac:spMkLst>
+        </pc:spChg>
+        <pc:spChg chg="add mod">
+          <ac:chgData name="MATHEUS SANTOS DIAS" userId="230fdbc8-4b0d-4b95-a425-bf041973b5a0" providerId="ADAL" clId="{F75CBDB1-DEC4-486F-8AB0-90D2169E0DFA}" dt="2023-12-11T17:35:37.774" v="378" actId="14100"/>
+          <ac:spMkLst>
+            <pc:docMk/>
+            <pc:sldMk cId="2987288991" sldId="267"/>
+            <ac:spMk id="5" creationId="{F64508F7-5CE8-87F4-8B07-29504AC33EA5}"/>
+          </ac:spMkLst>
+        </pc:spChg>
+        <pc:spChg chg="del mod">
+          <ac:chgData name="MATHEUS SANTOS DIAS" userId="230fdbc8-4b0d-4b95-a425-bf041973b5a0" providerId="ADAL" clId="{F75CBDB1-DEC4-486F-8AB0-90D2169E0DFA}" dt="2023-12-11T17:34:00.585" v="368" actId="478"/>
+          <ac:spMkLst>
+            <pc:docMk/>
+            <pc:sldMk cId="2987288991" sldId="267"/>
+            <ac:spMk id="6" creationId="{0F02E0C4-50B9-F252-8C64-48044F02592F}"/>
+          </ac:spMkLst>
+        </pc:spChg>
+        <pc:spChg chg="del mod">
+          <ac:chgData name="MATHEUS SANTOS DIAS" userId="230fdbc8-4b0d-4b95-a425-bf041973b5a0" providerId="ADAL" clId="{F75CBDB1-DEC4-486F-8AB0-90D2169E0DFA}" dt="2023-12-11T17:34:05.791" v="370" actId="478"/>
+          <ac:spMkLst>
+            <pc:docMk/>
+            <pc:sldMk cId="2987288991" sldId="267"/>
+            <ac:spMk id="7" creationId="{92D1DBE4-1D9B-6EC7-DB02-C199B9426D69}"/>
+          </ac:spMkLst>
+        </pc:spChg>
+        <pc:picChg chg="del">
+          <ac:chgData name="MATHEUS SANTOS DIAS" userId="230fdbc8-4b0d-4b95-a425-bf041973b5a0" providerId="ADAL" clId="{F75CBDB1-DEC4-486F-8AB0-90D2169E0DFA}" dt="2023-12-11T17:23:17.440" v="358" actId="478"/>
+          <ac:picMkLst>
+            <pc:docMk/>
+            <pc:sldMk cId="2987288991" sldId="267"/>
+            <ac:picMk id="2" creationId="{FD543ED3-FB01-EEF3-4EB0-B3C3E9A736CF}"/>
+          </ac:picMkLst>
+        </pc:picChg>
+        <pc:picChg chg="add mod ord modCrop">
+          <ac:chgData name="MATHEUS SANTOS DIAS" userId="230fdbc8-4b0d-4b95-a425-bf041973b5a0" providerId="ADAL" clId="{F75CBDB1-DEC4-486F-8AB0-90D2169E0DFA}" dt="2023-12-11T17:35:45.752" v="379" actId="1076"/>
+          <ac:picMkLst>
+            <pc:docMk/>
+            <pc:sldMk cId="2987288991" sldId="267"/>
+            <ac:picMk id="3" creationId="{BA16947E-7877-BFBA-63BE-88823B0DEBDF}"/>
           </ac:picMkLst>
         </pc:picChg>
       </pc:sldChg>
@@ -503,7 +693,7 @@
           <a:p>
             <a:fld id="{28EA16E0-01DB-4CA7-B5A5-2C288B23FD35}" type="datetimeFigureOut">
               <a:rPr lang="pt-BR" smtClean="0"/>
-              <a:t>09/12/2023</a:t>
+              <a:t>11/12/2023</a:t>
             </a:fld>
             <a:endParaRPr lang="pt-BR"/>
           </a:p>
@@ -701,7 +891,7 @@
           <a:p>
             <a:fld id="{28EA16E0-01DB-4CA7-B5A5-2C288B23FD35}" type="datetimeFigureOut">
               <a:rPr lang="pt-BR" smtClean="0"/>
-              <a:t>09/12/2023</a:t>
+              <a:t>11/12/2023</a:t>
             </a:fld>
             <a:endParaRPr lang="pt-BR"/>
           </a:p>
@@ -909,7 +1099,7 @@
           <a:p>
             <a:fld id="{28EA16E0-01DB-4CA7-B5A5-2C288B23FD35}" type="datetimeFigureOut">
               <a:rPr lang="pt-BR" smtClean="0"/>
-              <a:t>09/12/2023</a:t>
+              <a:t>11/12/2023</a:t>
             </a:fld>
             <a:endParaRPr lang="pt-BR"/>
           </a:p>
@@ -1107,7 +1297,7 @@
           <a:p>
             <a:fld id="{28EA16E0-01DB-4CA7-B5A5-2C288B23FD35}" type="datetimeFigureOut">
               <a:rPr lang="pt-BR" smtClean="0"/>
-              <a:t>09/12/2023</a:t>
+              <a:t>11/12/2023</a:t>
             </a:fld>
             <a:endParaRPr lang="pt-BR"/>
           </a:p>
@@ -1382,7 +1572,7 @@
           <a:p>
             <a:fld id="{28EA16E0-01DB-4CA7-B5A5-2C288B23FD35}" type="datetimeFigureOut">
               <a:rPr lang="pt-BR" smtClean="0"/>
-              <a:t>09/12/2023</a:t>
+              <a:t>11/12/2023</a:t>
             </a:fld>
             <a:endParaRPr lang="pt-BR"/>
           </a:p>
@@ -1647,7 +1837,7 @@
           <a:p>
             <a:fld id="{28EA16E0-01DB-4CA7-B5A5-2C288B23FD35}" type="datetimeFigureOut">
               <a:rPr lang="pt-BR" smtClean="0"/>
-              <a:t>09/12/2023</a:t>
+              <a:t>11/12/2023</a:t>
             </a:fld>
             <a:endParaRPr lang="pt-BR"/>
           </a:p>
@@ -2059,7 +2249,7 @@
           <a:p>
             <a:fld id="{28EA16E0-01DB-4CA7-B5A5-2C288B23FD35}" type="datetimeFigureOut">
               <a:rPr lang="pt-BR" smtClean="0"/>
-              <a:t>09/12/2023</a:t>
+              <a:t>11/12/2023</a:t>
             </a:fld>
             <a:endParaRPr lang="pt-BR"/>
           </a:p>
@@ -2200,7 +2390,7 @@
           <a:p>
             <a:fld id="{28EA16E0-01DB-4CA7-B5A5-2C288B23FD35}" type="datetimeFigureOut">
               <a:rPr lang="pt-BR" smtClean="0"/>
-              <a:t>09/12/2023</a:t>
+              <a:t>11/12/2023</a:t>
             </a:fld>
             <a:endParaRPr lang="pt-BR"/>
           </a:p>
@@ -2313,7 +2503,7 @@
           <a:p>
             <a:fld id="{28EA16E0-01DB-4CA7-B5A5-2C288B23FD35}" type="datetimeFigureOut">
               <a:rPr lang="pt-BR" smtClean="0"/>
-              <a:t>09/12/2023</a:t>
+              <a:t>11/12/2023</a:t>
             </a:fld>
             <a:endParaRPr lang="pt-BR"/>
           </a:p>
@@ -2624,7 +2814,7 @@
           <a:p>
             <a:fld id="{28EA16E0-01DB-4CA7-B5A5-2C288B23FD35}" type="datetimeFigureOut">
               <a:rPr lang="pt-BR" smtClean="0"/>
-              <a:t>09/12/2023</a:t>
+              <a:t>11/12/2023</a:t>
             </a:fld>
             <a:endParaRPr lang="pt-BR"/>
           </a:p>
@@ -2912,7 +3102,7 @@
           <a:p>
             <a:fld id="{28EA16E0-01DB-4CA7-B5A5-2C288B23FD35}" type="datetimeFigureOut">
               <a:rPr lang="pt-BR" smtClean="0"/>
-              <a:t>09/12/2023</a:t>
+              <a:t>11/12/2023</a:t>
             </a:fld>
             <a:endParaRPr lang="pt-BR"/>
           </a:p>
@@ -3153,7 +3343,7 @@
           <a:p>
             <a:fld id="{28EA16E0-01DB-4CA7-B5A5-2C288B23FD35}" type="datetimeFigureOut">
               <a:rPr lang="pt-BR" smtClean="0"/>
-              <a:t>09/12/2023</a:t>
+              <a:t>11/12/2023</a:t>
             </a:fld>
             <a:endParaRPr lang="pt-BR"/>
           </a:p>
@@ -3572,10 +3762,10 @@
       </p:grpSpPr>
       <p:pic>
         <p:nvPicPr>
-          <p:cNvPr id="5" name="Imagem 4" descr="Desenho de personagem de desenho animado&#10;&#10;Descrição gerada automaticamente com confiança baixa">
-            <a:extLst>
-              <a:ext uri="{FF2B5EF4-FFF2-40B4-BE49-F238E27FC236}">
-                <a16:creationId xmlns:a16="http://schemas.microsoft.com/office/drawing/2014/main" id="{3C87EF71-E566-2641-D7BD-54E5AF822850}"/>
+          <p:cNvPr id="2" name="Imagem 1" descr="Desenho de personagem de desenho animado&#10;&#10;Descrição gerada automaticamente">
+            <a:extLst>
+              <a:ext uri="{FF2B5EF4-FFF2-40B4-BE49-F238E27FC236}">
+                <a16:creationId xmlns:a16="http://schemas.microsoft.com/office/drawing/2014/main" id="{FD543ED3-FB01-EEF3-4EB0-B3C3E9A736CF}"/>
               </a:ext>
             </a:extLst>
           </p:cNvPr>
@@ -3584,7 +3774,7 @@
           </p:cNvPicPr>
           <p:nvPr/>
         </p:nvPicPr>
-        <p:blipFill>
+        <p:blipFill rotWithShape="1">
           <a:blip r:embed="rId2">
             <a:extLst>
               <a:ext uri="{28A0092B-C50C-407E-A947-70E740481C1C}">
@@ -3592,14 +3782,13 @@
               </a:ext>
             </a:extLst>
           </a:blip>
-          <a:stretch>
-            <a:fillRect/>
-          </a:stretch>
+          <a:srcRect l="17754" r="23161"/>
+          <a:stretch/>
         </p:blipFill>
         <p:spPr>
           <a:xfrm>
-            <a:off x="976000" y="549000"/>
-            <a:ext cx="10240000" cy="5760000"/>
+            <a:off x="5542576" y="395287"/>
+            <a:ext cx="6373199" cy="6067426"/>
           </a:xfrm>
           <a:prstGeom prst="rect">
             <a:avLst/>
@@ -3620,8 +3809,8 @@
         </p:nvSpPr>
         <p:spPr>
           <a:xfrm>
-            <a:off x="1228725" y="128835"/>
-            <a:ext cx="9734550" cy="1200329"/>
+            <a:off x="0" y="1262452"/>
+            <a:ext cx="6849448" cy="1015663"/>
           </a:xfrm>
           <a:prstGeom prst="rect">
             <a:avLst/>
@@ -3636,7 +3825,7 @@
           <a:p>
             <a:pPr algn="ctr"/>
             <a:r>
-              <a:rPr lang="pt-BR" sz="7200" b="1" dirty="0">
+              <a:rPr lang="pt-BR" sz="6000" b="1" dirty="0">
                 <a:solidFill>
                   <a:srgbClr val="0563BB"/>
                 </a:solidFill>
@@ -3644,7 +3833,7 @@
                 <a:ea typeface="Verdana" panose="020B0604030504040204" pitchFamily="34" charset="0"/>
                 <a:cs typeface="Arial" panose="020B0604020202020204" pitchFamily="34" charset="0"/>
               </a:rPr>
-              <a:t>NLP</a:t>
+              <a:t>CLUSTERING</a:t>
             </a:r>
           </a:p>
         </p:txBody>
@@ -3663,8 +3852,8 @@
         </p:nvSpPr>
         <p:spPr>
           <a:xfrm>
-            <a:off x="1228725" y="5528836"/>
-            <a:ext cx="9734550" cy="1200329"/>
+            <a:off x="0" y="2462781"/>
+            <a:ext cx="6849448" cy="769441"/>
           </a:xfrm>
           <a:prstGeom prst="rect">
             <a:avLst/>
@@ -3679,23 +3868,33 @@
           <a:p>
             <a:pPr algn="ctr"/>
             <a:r>
-              <a:rPr lang="pt-BR" sz="7200" dirty="0">
-                <a:solidFill>
-                  <a:srgbClr val="0563BB"/>
-                </a:solidFill>
-                <a:latin typeface="Arial Rounded MT Bold" panose="020F0704030504030204" pitchFamily="34" charset="0"/>
+              <a:rPr lang="pt-BR" sz="4400" dirty="0">
+                <a:latin typeface="Arial" panose="020B0604020202020204" pitchFamily="34" charset="0"/>
                 <a:ea typeface="Verdana" panose="020B0604030504040204" pitchFamily="34" charset="0"/>
                 <a:cs typeface="Arial" panose="020B0604020202020204" pitchFamily="34" charset="0"/>
               </a:rPr>
-              <a:t>Spell Checker</a:t>
-            </a:r>
+              <a:t>Green Growth </a:t>
+            </a:r>
+            <a:r>
+              <a:rPr lang="pt-BR" sz="4400" dirty="0" err="1">
+                <a:latin typeface="Arial" panose="020B0604020202020204" pitchFamily="34" charset="0"/>
+                <a:ea typeface="Verdana" panose="020B0604030504040204" pitchFamily="34" charset="0"/>
+                <a:cs typeface="Arial" panose="020B0604020202020204" pitchFamily="34" charset="0"/>
+              </a:rPr>
+              <a:t>indicators</a:t>
+            </a:r>
+            <a:endParaRPr lang="pt-BR" sz="4400" dirty="0">
+              <a:latin typeface="Arial" panose="020B0604020202020204" pitchFamily="34" charset="0"/>
+              <a:ea typeface="Verdana" panose="020B0604030504040204" pitchFamily="34" charset="0"/>
+              <a:cs typeface="Arial" panose="020B0604020202020204" pitchFamily="34" charset="0"/>
+            </a:endParaRPr>
           </a:p>
         </p:txBody>
       </p:sp>
     </p:spTree>
     <p:extLst>
       <p:ext uri="{BB962C8B-B14F-4D97-AF65-F5344CB8AC3E}">
-        <p14:creationId xmlns:p14="http://schemas.microsoft.com/office/powerpoint/2010/main" val="3979586301"/>
+        <p14:creationId xmlns:p14="http://schemas.microsoft.com/office/powerpoint/2010/main" val="627260678"/>
       </p:ext>
     </p:extLst>
   </p:cSld>
@@ -3724,10 +3923,10 @@
       </p:grpSpPr>
       <p:pic>
         <p:nvPicPr>
-          <p:cNvPr id="3" name="Imagem 2" descr="Desenho de personagem de desenho animado&#10;&#10;Descrição gerada automaticamente">
-            <a:extLst>
-              <a:ext uri="{FF2B5EF4-FFF2-40B4-BE49-F238E27FC236}">
-                <a16:creationId xmlns:a16="http://schemas.microsoft.com/office/drawing/2014/main" id="{402F5158-6738-1F0E-B977-989FD4CA62AD}"/>
+          <p:cNvPr id="5" name="Imagem 4" descr="Desenho de personagem de desenho animado&#10;&#10;Descrição gerada automaticamente com confiança baixa">
+            <a:extLst>
+              <a:ext uri="{FF2B5EF4-FFF2-40B4-BE49-F238E27FC236}">
+                <a16:creationId xmlns:a16="http://schemas.microsoft.com/office/drawing/2014/main" id="{3C87EF71-E566-2641-D7BD-54E5AF822850}"/>
               </a:ext>
             </a:extLst>
           </p:cNvPr>
@@ -3736,7 +3935,7 @@
           </p:cNvPicPr>
           <p:nvPr/>
         </p:nvPicPr>
-        <p:blipFill>
+        <p:blipFill rotWithShape="1">
           <a:blip r:embed="rId2">
             <a:extLst>
               <a:ext uri="{28A0092B-C50C-407E-A947-70E740481C1C}">
@@ -3744,14 +3943,13 @@
               </a:ext>
             </a:extLst>
           </a:blip>
-          <a:stretch>
-            <a:fillRect/>
-          </a:stretch>
+          <a:srcRect l="24141" r="23211"/>
+          <a:stretch/>
         </p:blipFill>
         <p:spPr>
           <a:xfrm>
-            <a:off x="1296000" y="729000"/>
-            <a:ext cx="9600000" cy="5400000"/>
+            <a:off x="5773162" y="0"/>
+            <a:ext cx="6418838" cy="6858000"/>
           </a:xfrm>
           <a:prstGeom prst="rect">
             <a:avLst/>
@@ -3760,10 +3958,10 @@
       </p:pic>
       <p:sp>
         <p:nvSpPr>
-          <p:cNvPr id="4" name="CaixaDeTexto 3">
-            <a:extLst>
-              <a:ext uri="{FF2B5EF4-FFF2-40B4-BE49-F238E27FC236}">
-                <a16:creationId xmlns:a16="http://schemas.microsoft.com/office/drawing/2014/main" id="{FFFF3812-0184-90AF-FBBB-D63A5F999143}"/>
+          <p:cNvPr id="6" name="CaixaDeTexto 5">
+            <a:extLst>
+              <a:ext uri="{FF2B5EF4-FFF2-40B4-BE49-F238E27FC236}">
+                <a16:creationId xmlns:a16="http://schemas.microsoft.com/office/drawing/2014/main" id="{0F02E0C4-50B9-F252-8C64-48044F02592F}"/>
               </a:ext>
             </a:extLst>
           </p:cNvPr>
@@ -3772,8 +3970,8 @@
         </p:nvSpPr>
         <p:spPr>
           <a:xfrm>
-            <a:off x="1228725" y="128835"/>
-            <a:ext cx="9734550" cy="1200329"/>
+            <a:off x="0" y="1262452"/>
+            <a:ext cx="6096000" cy="1200329"/>
           </a:xfrm>
           <a:prstGeom prst="rect">
             <a:avLst/>
@@ -3796,17 +3994,17 @@
                 <a:ea typeface="Verdana" panose="020B0604030504040204" pitchFamily="34" charset="0"/>
                 <a:cs typeface="Arial" panose="020B0604020202020204" pitchFamily="34" charset="0"/>
               </a:rPr>
-              <a:t>CLUSTERING</a:t>
-            </a:r>
-          </a:p>
-        </p:txBody>
-      </p:sp>
-      <p:sp>
-        <p:nvSpPr>
-          <p:cNvPr id="5" name="CaixaDeTexto 4">
-            <a:extLst>
-              <a:ext uri="{FF2B5EF4-FFF2-40B4-BE49-F238E27FC236}">
-                <a16:creationId xmlns:a16="http://schemas.microsoft.com/office/drawing/2014/main" id="{30730B9D-13BB-70FC-C248-D2521062A469}"/>
+              <a:t>NLP</a:t>
+            </a:r>
+          </a:p>
+        </p:txBody>
+      </p:sp>
+      <p:sp>
+        <p:nvSpPr>
+          <p:cNvPr id="7" name="CaixaDeTexto 6">
+            <a:extLst>
+              <a:ext uri="{FF2B5EF4-FFF2-40B4-BE49-F238E27FC236}">
+                <a16:creationId xmlns:a16="http://schemas.microsoft.com/office/drawing/2014/main" id="{92D1DBE4-1D9B-6EC7-DB02-C199B9426D69}"/>
               </a:ext>
             </a:extLst>
           </p:cNvPr>
@@ -3815,8 +4013,8 @@
         </p:nvSpPr>
         <p:spPr>
           <a:xfrm>
-            <a:off x="0" y="5528836"/>
-            <a:ext cx="12192000" cy="1200329"/>
+            <a:off x="76200" y="2462781"/>
+            <a:ext cx="6096000" cy="1015663"/>
           </a:xfrm>
           <a:prstGeom prst="rect">
             <a:avLst/>
@@ -3831,42 +4029,20 @@
           <a:p>
             <a:pPr algn="ctr"/>
             <a:r>
-              <a:rPr lang="pt-BR" sz="7200" dirty="0">
-                <a:solidFill>
-                  <a:srgbClr val="0563BB"/>
-                </a:solidFill>
-                <a:latin typeface="Arial Rounded MT Bold" panose="020F0704030504030204" pitchFamily="34" charset="0"/>
+              <a:rPr lang="pt-BR" sz="6000" dirty="0">
+                <a:latin typeface="Arial" panose="020B0604020202020204" pitchFamily="34" charset="0"/>
                 <a:ea typeface="Verdana" panose="020B0604030504040204" pitchFamily="34" charset="0"/>
                 <a:cs typeface="Arial" panose="020B0604020202020204" pitchFamily="34" charset="0"/>
               </a:rPr>
-              <a:t>Green Growth </a:t>
-            </a:r>
-            <a:r>
-              <a:rPr lang="pt-BR" sz="7200" dirty="0" err="1">
-                <a:solidFill>
-                  <a:srgbClr val="0563BB"/>
-                </a:solidFill>
-                <a:latin typeface="Arial Rounded MT Bold" panose="020F0704030504030204" pitchFamily="34" charset="0"/>
-                <a:ea typeface="Verdana" panose="020B0604030504040204" pitchFamily="34" charset="0"/>
-                <a:cs typeface="Arial" panose="020B0604020202020204" pitchFamily="34" charset="0"/>
-              </a:rPr>
-              <a:t>indicators</a:t>
-            </a:r>
-            <a:endParaRPr lang="pt-BR" sz="7200" dirty="0">
-              <a:solidFill>
-                <a:srgbClr val="0563BB"/>
-              </a:solidFill>
-              <a:latin typeface="Arial Rounded MT Bold" panose="020F0704030504030204" pitchFamily="34" charset="0"/>
-              <a:ea typeface="Verdana" panose="020B0604030504040204" pitchFamily="34" charset="0"/>
-              <a:cs typeface="Arial" panose="020B0604020202020204" pitchFamily="34" charset="0"/>
-            </a:endParaRPr>
+              <a:t>Spell Checker</a:t>
+            </a:r>
           </a:p>
         </p:txBody>
       </p:sp>
     </p:spTree>
     <p:extLst>
       <p:ext uri="{BB962C8B-B14F-4D97-AF65-F5344CB8AC3E}">
-        <p14:creationId xmlns:p14="http://schemas.microsoft.com/office/powerpoint/2010/main" val="3094583086"/>
+        <p14:creationId xmlns:p14="http://schemas.microsoft.com/office/powerpoint/2010/main" val="3979586301"/>
       </p:ext>
     </p:extLst>
   </p:cSld>
@@ -3898,7 +4074,7 @@
           <p:cNvPr id="3" name="Imagem 2" descr="Desenho de personagem de desenho animado&#10;&#10;Descrição gerada automaticamente com confiança média">
             <a:extLst>
               <a:ext uri="{FF2B5EF4-FFF2-40B4-BE49-F238E27FC236}">
-                <a16:creationId xmlns:a16="http://schemas.microsoft.com/office/drawing/2014/main" id="{ECED02C7-09C0-EC2B-32B4-D81577CB83E3}"/>
+                <a16:creationId xmlns:a16="http://schemas.microsoft.com/office/drawing/2014/main" id="{DD6E7C1A-4029-E145-B77D-95140F2097B0}"/>
               </a:ext>
             </a:extLst>
           </p:cNvPr>
@@ -3907,7 +4083,7 @@
           </p:cNvPicPr>
           <p:nvPr/>
         </p:nvPicPr>
-        <p:blipFill>
+        <p:blipFill rotWithShape="1">
           <a:blip r:embed="rId2">
             <a:extLst>
               <a:ext uri="{28A0092B-C50C-407E-A947-70E740481C1C}">
@@ -3915,14 +4091,13 @@
               </a:ext>
             </a:extLst>
           </a:blip>
-          <a:stretch>
-            <a:fillRect/>
-          </a:stretch>
+          <a:srcRect l="24438" r="25049"/>
+          <a:stretch/>
         </p:blipFill>
         <p:spPr>
           <a:xfrm>
-            <a:off x="656000" y="369000"/>
-            <a:ext cx="10880000" cy="6120000"/>
+            <a:off x="6029325" y="-4461"/>
+            <a:ext cx="6162675" cy="6862461"/>
           </a:xfrm>
           <a:prstGeom prst="rect">
             <a:avLst/>
@@ -3931,10 +4106,10 @@
       </p:pic>
       <p:sp>
         <p:nvSpPr>
-          <p:cNvPr id="4" name="CaixaDeTexto 3">
-            <a:extLst>
-              <a:ext uri="{FF2B5EF4-FFF2-40B4-BE49-F238E27FC236}">
-                <a16:creationId xmlns:a16="http://schemas.microsoft.com/office/drawing/2014/main" id="{05580C2E-9A88-0CED-A559-C28FFD25F071}"/>
+          <p:cNvPr id="6" name="CaixaDeTexto 5">
+            <a:extLst>
+              <a:ext uri="{FF2B5EF4-FFF2-40B4-BE49-F238E27FC236}">
+                <a16:creationId xmlns:a16="http://schemas.microsoft.com/office/drawing/2014/main" id="{0F02E0C4-50B9-F252-8C64-48044F02592F}"/>
               </a:ext>
             </a:extLst>
           </p:cNvPr>
@@ -3943,8 +4118,8 @@
         </p:nvSpPr>
         <p:spPr>
           <a:xfrm>
-            <a:off x="1228725" y="128835"/>
-            <a:ext cx="9734550" cy="1200329"/>
+            <a:off x="0" y="1262452"/>
+            <a:ext cx="6849448" cy="1015663"/>
           </a:xfrm>
           <a:prstGeom prst="rect">
             <a:avLst/>
@@ -3959,7 +4134,7 @@
           <a:p>
             <a:pPr algn="ctr"/>
             <a:r>
-              <a:rPr lang="pt-BR" sz="7200" b="1" dirty="0">
+              <a:rPr lang="pt-BR" sz="6000" b="1" dirty="0">
                 <a:solidFill>
                   <a:srgbClr val="0563BB"/>
                 </a:solidFill>
@@ -3974,10 +4149,10 @@
       </p:sp>
       <p:sp>
         <p:nvSpPr>
-          <p:cNvPr id="5" name="CaixaDeTexto 4">
-            <a:extLst>
-              <a:ext uri="{FF2B5EF4-FFF2-40B4-BE49-F238E27FC236}">
-                <a16:creationId xmlns:a16="http://schemas.microsoft.com/office/drawing/2014/main" id="{77196CD6-8C17-EC1F-2FB6-6D3CF0DE30D3}"/>
+          <p:cNvPr id="7" name="CaixaDeTexto 6">
+            <a:extLst>
+              <a:ext uri="{FF2B5EF4-FFF2-40B4-BE49-F238E27FC236}">
+                <a16:creationId xmlns:a16="http://schemas.microsoft.com/office/drawing/2014/main" id="{92D1DBE4-1D9B-6EC7-DB02-C199B9426D69}"/>
               </a:ext>
             </a:extLst>
           </p:cNvPr>
@@ -3986,8 +4161,8 @@
         </p:nvSpPr>
         <p:spPr>
           <a:xfrm>
-            <a:off x="0" y="5528836"/>
-            <a:ext cx="12192000" cy="1200329"/>
+            <a:off x="0" y="2462781"/>
+            <a:ext cx="6849448" cy="769441"/>
           </a:xfrm>
           <a:prstGeom prst="rect">
             <a:avLst/>
@@ -4002,15 +4177,12 @@
           <a:p>
             <a:pPr algn="ctr"/>
             <a:r>
-              <a:rPr lang="pt-BR" sz="7200" dirty="0">
-                <a:solidFill>
-                  <a:srgbClr val="0563BB"/>
-                </a:solidFill>
-                <a:latin typeface="Arial Rounded MT Bold" panose="020F0704030504030204" pitchFamily="34" charset="0"/>
+              <a:rPr lang="pt-BR" sz="4400" dirty="0">
+                <a:latin typeface="Arial" panose="020B0604020202020204" pitchFamily="34" charset="0"/>
                 <a:ea typeface="Verdana" panose="020B0604030504040204" pitchFamily="34" charset="0"/>
                 <a:cs typeface="Arial" panose="020B0604020202020204" pitchFamily="34" charset="0"/>
               </a:rPr>
-              <a:t>COVID-19 in São Paulo</a:t>
+              <a:t>Covid-19 in São Paulo</a:t>
             </a:r>
           </a:p>
         </p:txBody>
@@ -4018,7 +4190,7 @@
     </p:spTree>
     <p:extLst>
       <p:ext uri="{BB962C8B-B14F-4D97-AF65-F5344CB8AC3E}">
-        <p14:creationId xmlns:p14="http://schemas.microsoft.com/office/powerpoint/2010/main" val="314579243"/>
+        <p14:creationId xmlns:p14="http://schemas.microsoft.com/office/powerpoint/2010/main" val="2208647757"/>
       </p:ext>
     </p:extLst>
   </p:cSld>
@@ -4045,58 +4217,22 @@
           <a:chExt cx="0" cy="0"/>
         </a:xfrm>
       </p:grpSpPr>
-      <p:pic>
-        <p:nvPicPr>
-          <p:cNvPr id="6" name="Imagem 5" descr="Desenho de personagem de desenho animado&#10;&#10;Descrição gerada automaticamente">
-            <a:extLst>
-              <a:ext uri="{FF2B5EF4-FFF2-40B4-BE49-F238E27FC236}">
-                <a16:creationId xmlns:a16="http://schemas.microsoft.com/office/drawing/2014/main" id="{AD13CDD3-5CCC-25BC-9973-2096604D28E7}"/>
-              </a:ext>
-            </a:extLst>
-          </p:cNvPr>
-          <p:cNvPicPr>
-            <a:picLocks noChangeAspect="1"/>
-          </p:cNvPicPr>
+      <p:sp>
+        <p:nvSpPr>
+          <p:cNvPr id="6" name="CaixaDeTexto 5">
+            <a:extLst>
+              <a:ext uri="{FF2B5EF4-FFF2-40B4-BE49-F238E27FC236}">
+                <a16:creationId xmlns:a16="http://schemas.microsoft.com/office/drawing/2014/main" id="{0F02E0C4-50B9-F252-8C64-48044F02592F}"/>
+              </a:ext>
+            </a:extLst>
+          </p:cNvPr>
+          <p:cNvSpPr txBox="1"/>
           <p:nvPr/>
-        </p:nvPicPr>
-        <p:blipFill>
-          <a:blip r:embed="rId2">
-            <a:extLst>
-              <a:ext uri="{28A0092B-C50C-407E-A947-70E740481C1C}">
-                <a14:useLocalDpi xmlns:a14="http://schemas.microsoft.com/office/drawing/2010/main" val="0"/>
-              </a:ext>
-            </a:extLst>
-          </a:blip>
-          <a:stretch>
-            <a:fillRect/>
-          </a:stretch>
-        </p:blipFill>
+        </p:nvSpPr>
         <p:spPr>
           <a:xfrm>
-            <a:off x="3036000" y="369000"/>
-            <a:ext cx="6120000" cy="6120000"/>
-          </a:xfrm>
-          <a:prstGeom prst="rect">
-            <a:avLst/>
-          </a:prstGeom>
-        </p:spPr>
-      </p:pic>
-      <p:sp>
-        <p:nvSpPr>
-          <p:cNvPr id="4" name="CaixaDeTexto 3">
-            <a:extLst>
-              <a:ext uri="{FF2B5EF4-FFF2-40B4-BE49-F238E27FC236}">
-                <a16:creationId xmlns:a16="http://schemas.microsoft.com/office/drawing/2014/main" id="{05580C2E-9A88-0CED-A559-C28FFD25F071}"/>
-              </a:ext>
-            </a:extLst>
-          </p:cNvPr>
-          <p:cNvSpPr txBox="1"/>
-          <p:nvPr/>
-        </p:nvSpPr>
-        <p:spPr>
-          <a:xfrm>
-            <a:off x="0" y="128835"/>
-            <a:ext cx="12192000" cy="1200329"/>
+            <a:off x="0" y="769441"/>
+            <a:ext cx="6849448" cy="1938992"/>
           </a:xfrm>
           <a:prstGeom prst="rect">
             <a:avLst/>
@@ -4111,7 +4247,7 @@
           <a:p>
             <a:pPr algn="ctr"/>
             <a:r>
-              <a:rPr lang="pt-BR" sz="7200" b="1" dirty="0">
+              <a:rPr lang="pt-BR" sz="6000" b="1" dirty="0">
                 <a:solidFill>
                   <a:srgbClr val="0563BB"/>
                 </a:solidFill>
@@ -4124,12 +4260,47 @@
           </a:p>
         </p:txBody>
       </p:sp>
-      <p:sp>
-        <p:nvSpPr>
-          <p:cNvPr id="5" name="CaixaDeTexto 4">
-            <a:extLst>
-              <a:ext uri="{FF2B5EF4-FFF2-40B4-BE49-F238E27FC236}">
-                <a16:creationId xmlns:a16="http://schemas.microsoft.com/office/drawing/2014/main" id="{77196CD6-8C17-EC1F-2FB6-6D3CF0DE30D3}"/>
+      <p:pic>
+        <p:nvPicPr>
+          <p:cNvPr id="2" name="Imagem 1" descr="Desenho de personagem de desenho animado&#10;&#10;Descrição gerada automaticamente">
+            <a:extLst>
+              <a:ext uri="{FF2B5EF4-FFF2-40B4-BE49-F238E27FC236}">
+                <a16:creationId xmlns:a16="http://schemas.microsoft.com/office/drawing/2014/main" id="{5D0E2E24-6141-5497-D642-5C1BE3FA6730}"/>
+              </a:ext>
+            </a:extLst>
+          </p:cNvPr>
+          <p:cNvPicPr>
+            <a:picLocks noChangeAspect="1"/>
+          </p:cNvPicPr>
+          <p:nvPr/>
+        </p:nvPicPr>
+        <p:blipFill rotWithShape="1">
+          <a:blip r:embed="rId2">
+            <a:extLst>
+              <a:ext uri="{28A0092B-C50C-407E-A947-70E740481C1C}">
+                <a14:useLocalDpi xmlns:a14="http://schemas.microsoft.com/office/drawing/2010/main" val="0"/>
+              </a:ext>
+            </a:extLst>
+          </a:blip>
+          <a:srcRect l="6888" r="6111"/>
+          <a:stretch/>
+        </p:blipFill>
+        <p:spPr>
+          <a:xfrm>
+            <a:off x="6229350" y="4477"/>
+            <a:ext cx="5962650" cy="6853523"/>
+          </a:xfrm>
+          <a:prstGeom prst="rect">
+            <a:avLst/>
+          </a:prstGeom>
+        </p:spPr>
+      </p:pic>
+      <p:sp>
+        <p:nvSpPr>
+          <p:cNvPr id="7" name="CaixaDeTexto 6">
+            <a:extLst>
+              <a:ext uri="{FF2B5EF4-FFF2-40B4-BE49-F238E27FC236}">
+                <a16:creationId xmlns:a16="http://schemas.microsoft.com/office/drawing/2014/main" id="{92D1DBE4-1D9B-6EC7-DB02-C199B9426D69}"/>
               </a:ext>
             </a:extLst>
           </p:cNvPr>
@@ -4138,8 +4309,8 @@
         </p:nvSpPr>
         <p:spPr>
           <a:xfrm>
-            <a:off x="0" y="5528836"/>
-            <a:ext cx="12192000" cy="1200329"/>
+            <a:off x="0" y="2703956"/>
+            <a:ext cx="6849448" cy="769441"/>
           </a:xfrm>
           <a:prstGeom prst="rect">
             <a:avLst/>
@@ -4154,44 +4325,32 @@
           <a:p>
             <a:pPr algn="ctr"/>
             <a:r>
-              <a:rPr lang="pt-BR" sz="7200" dirty="0" err="1">
-                <a:solidFill>
-                  <a:srgbClr val="0563BB"/>
-                </a:solidFill>
-                <a:latin typeface="Arial Rounded MT Bold" panose="020F0704030504030204" pitchFamily="34" charset="0"/>
+              <a:rPr lang="pt-BR" sz="4400" dirty="0" err="1">
+                <a:latin typeface="Arial" panose="020B0604020202020204" pitchFamily="34" charset="0"/>
                 <a:ea typeface="Verdana" panose="020B0604030504040204" pitchFamily="34" charset="0"/>
                 <a:cs typeface="Arial" panose="020B0604020202020204" pitchFamily="34" charset="0"/>
               </a:rPr>
               <a:t>Frauds</a:t>
             </a:r>
             <a:r>
-              <a:rPr lang="pt-BR" sz="7200" dirty="0">
-                <a:solidFill>
-                  <a:srgbClr val="0563BB"/>
-                </a:solidFill>
-                <a:latin typeface="Arial Rounded MT Bold" panose="020F0704030504030204" pitchFamily="34" charset="0"/>
+              <a:rPr lang="pt-BR" sz="4400" dirty="0">
+                <a:latin typeface="Arial" panose="020B0604020202020204" pitchFamily="34" charset="0"/>
                 <a:ea typeface="Verdana" panose="020B0604030504040204" pitchFamily="34" charset="0"/>
                 <a:cs typeface="Arial" panose="020B0604020202020204" pitchFamily="34" charset="0"/>
               </a:rPr>
               <a:t> in </a:t>
             </a:r>
             <a:r>
-              <a:rPr lang="pt-BR" sz="7200" dirty="0" err="1">
-                <a:solidFill>
-                  <a:srgbClr val="0563BB"/>
-                </a:solidFill>
-                <a:latin typeface="Arial Rounded MT Bold" panose="020F0704030504030204" pitchFamily="34" charset="0"/>
+              <a:rPr lang="pt-BR" sz="4400" dirty="0" err="1">
+                <a:latin typeface="Arial" panose="020B0604020202020204" pitchFamily="34" charset="0"/>
                 <a:ea typeface="Verdana" panose="020B0604030504040204" pitchFamily="34" charset="0"/>
                 <a:cs typeface="Arial" panose="020B0604020202020204" pitchFamily="34" charset="0"/>
               </a:rPr>
               <a:t>an</a:t>
             </a:r>
             <a:r>
-              <a:rPr lang="pt-BR" sz="7200" dirty="0">
-                <a:solidFill>
-                  <a:srgbClr val="0563BB"/>
-                </a:solidFill>
-                <a:latin typeface="Arial Rounded MT Bold" panose="020F0704030504030204" pitchFamily="34" charset="0"/>
+              <a:rPr lang="pt-BR" sz="4400" dirty="0">
+                <a:latin typeface="Arial" panose="020B0604020202020204" pitchFamily="34" charset="0"/>
                 <a:ea typeface="Verdana" panose="020B0604030504040204" pitchFamily="34" charset="0"/>
                 <a:cs typeface="Arial" panose="020B0604020202020204" pitchFamily="34" charset="0"/>
               </a:rPr>
@@ -4203,7 +4362,7 @@
     </p:spTree>
     <p:extLst>
       <p:ext uri="{BB962C8B-B14F-4D97-AF65-F5344CB8AC3E}">
-        <p14:creationId xmlns:p14="http://schemas.microsoft.com/office/powerpoint/2010/main" val="1330256755"/>
+        <p14:creationId xmlns:p14="http://schemas.microsoft.com/office/powerpoint/2010/main" val="2226232231"/>
       </p:ext>
     </p:extLst>
   </p:cSld>
@@ -4235,7 +4394,7 @@
           <p:cNvPr id="3" name="Imagem 2" descr="Desenho de personagem de desenho animado&#10;&#10;Descrição gerada automaticamente com confiança baixa">
             <a:extLst>
               <a:ext uri="{FF2B5EF4-FFF2-40B4-BE49-F238E27FC236}">
-                <a16:creationId xmlns:a16="http://schemas.microsoft.com/office/drawing/2014/main" id="{8772FC1B-7BD9-B03C-F122-474CA62104EB}"/>
+                <a16:creationId xmlns:a16="http://schemas.microsoft.com/office/drawing/2014/main" id="{BA16947E-7877-BFBA-63BE-88823B0DEBDF}"/>
               </a:ext>
             </a:extLst>
           </p:cNvPr>
@@ -4244,7 +4403,7 @@
           </p:cNvPicPr>
           <p:nvPr/>
         </p:nvPicPr>
-        <p:blipFill>
+        <p:blipFill rotWithShape="1">
           <a:blip r:embed="rId2">
             <a:extLst>
               <a:ext uri="{28A0092B-C50C-407E-A947-70E740481C1C}">
@@ -4252,14 +4411,13 @@
               </a:ext>
             </a:extLst>
           </a:blip>
-          <a:stretch>
-            <a:fillRect/>
-          </a:stretch>
+          <a:srcRect l="5299" r="3754"/>
+          <a:stretch/>
         </p:blipFill>
         <p:spPr>
           <a:xfrm>
-            <a:off x="3216000" y="311736"/>
-            <a:ext cx="5760000" cy="5760000"/>
+            <a:off x="6305549" y="0"/>
+            <a:ext cx="6229351" cy="6849448"/>
           </a:xfrm>
           <a:prstGeom prst="rect">
             <a:avLst/>
@@ -4271,7 +4429,7 @@
           <p:cNvPr id="4" name="CaixaDeTexto 3">
             <a:extLst>
               <a:ext uri="{FF2B5EF4-FFF2-40B4-BE49-F238E27FC236}">
-                <a16:creationId xmlns:a16="http://schemas.microsoft.com/office/drawing/2014/main" id="{A128E4B8-B652-E47C-693B-D6FE8EF4CC6E}"/>
+                <a16:creationId xmlns:a16="http://schemas.microsoft.com/office/drawing/2014/main" id="{1F380ABD-25BE-B843-1D41-C6B906FF2421}"/>
               </a:ext>
             </a:extLst>
           </p:cNvPr>
@@ -4280,8 +4438,8 @@
         </p:nvSpPr>
         <p:spPr>
           <a:xfrm>
-            <a:off x="0" y="128835"/>
-            <a:ext cx="12192000" cy="1015663"/>
+            <a:off x="0" y="769441"/>
+            <a:ext cx="6849448" cy="1938992"/>
           </a:xfrm>
           <a:prstGeom prst="rect">
             <a:avLst/>
@@ -4314,7 +4472,7 @@
           <p:cNvPr id="5" name="CaixaDeTexto 4">
             <a:extLst>
               <a:ext uri="{FF2B5EF4-FFF2-40B4-BE49-F238E27FC236}">
-                <a16:creationId xmlns:a16="http://schemas.microsoft.com/office/drawing/2014/main" id="{D7A7A897-B7FF-B1C9-1954-34BEAE8CD400}"/>
+                <a16:creationId xmlns:a16="http://schemas.microsoft.com/office/drawing/2014/main" id="{F64508F7-5CE8-87F4-8B07-29504AC33EA5}"/>
               </a:ext>
             </a:extLst>
           </p:cNvPr>
@@ -4323,8 +4481,8 @@
         </p:nvSpPr>
         <p:spPr>
           <a:xfrm>
-            <a:off x="0" y="5103674"/>
-            <a:ext cx="12192000" cy="1754326"/>
+            <a:off x="0" y="2703956"/>
+            <a:ext cx="6849448" cy="1446550"/>
           </a:xfrm>
           <a:prstGeom prst="rect">
             <a:avLst/>
@@ -4339,31 +4497,20 @@
           <a:p>
             <a:pPr algn="ctr"/>
             <a:r>
-              <a:rPr lang="en-US" sz="5400" dirty="0">
-                <a:solidFill>
-                  <a:srgbClr val="0563BB"/>
-                </a:solidFill>
-                <a:latin typeface="Arial Rounded MT Bold" panose="020F0704030504030204" pitchFamily="34" charset="0"/>
+              <a:rPr lang="en-US" sz="4400" dirty="0">
+                <a:latin typeface="Arial" panose="020B0604020202020204" pitchFamily="34" charset="0"/>
                 <a:ea typeface="Verdana" panose="020B0604030504040204" pitchFamily="34" charset="0"/>
                 <a:cs typeface="Arial" panose="020B0604020202020204" pitchFamily="34" charset="0"/>
               </a:rPr>
               <a:t>Vehicle Routing Problem with Heterogeneous Fleet</a:t>
             </a:r>
-            <a:endParaRPr lang="pt-BR" sz="5400" dirty="0">
-              <a:solidFill>
-                <a:srgbClr val="0563BB"/>
-              </a:solidFill>
-              <a:latin typeface="Arial Rounded MT Bold" panose="020F0704030504030204" pitchFamily="34" charset="0"/>
-              <a:ea typeface="Verdana" panose="020B0604030504040204" pitchFamily="34" charset="0"/>
-              <a:cs typeface="Arial" panose="020B0604020202020204" pitchFamily="34" charset="0"/>
-            </a:endParaRPr>
           </a:p>
         </p:txBody>
       </p:sp>
     </p:spTree>
     <p:extLst>
       <p:ext uri="{BB962C8B-B14F-4D97-AF65-F5344CB8AC3E}">
-        <p14:creationId xmlns:p14="http://schemas.microsoft.com/office/powerpoint/2010/main" val="3664229022"/>
+        <p14:creationId xmlns:p14="http://schemas.microsoft.com/office/powerpoint/2010/main" val="2987288991"/>
       </p:ext>
     </p:extLst>
   </p:cSld>
@@ -4392,10 +4539,10 @@
       </p:grpSpPr>
       <p:pic>
         <p:nvPicPr>
-          <p:cNvPr id="3" name="Imagem 2" descr="Diagrama&#10;&#10;Descrição gerada automaticamente">
-            <a:extLst>
-              <a:ext uri="{FF2B5EF4-FFF2-40B4-BE49-F238E27FC236}">
-                <a16:creationId xmlns:a16="http://schemas.microsoft.com/office/drawing/2014/main" id="{E7F02104-5191-C7C4-893E-FA6D852EB8CB}"/>
+          <p:cNvPr id="3" name="Imagem 2" descr="Desenho de personagem de desenho animado&#10;&#10;Descrição gerada automaticamente">
+            <a:extLst>
+              <a:ext uri="{FF2B5EF4-FFF2-40B4-BE49-F238E27FC236}">
+                <a16:creationId xmlns:a16="http://schemas.microsoft.com/office/drawing/2014/main" id="{402F5158-6738-1F0E-B977-989FD4CA62AD}"/>
               </a:ext>
             </a:extLst>
           </p:cNvPr>
@@ -4418,8 +4565,8 @@
         </p:blipFill>
         <p:spPr>
           <a:xfrm>
-            <a:off x="976000" y="549000"/>
-            <a:ext cx="10240000" cy="5760000"/>
+            <a:off x="1296000" y="729000"/>
+            <a:ext cx="9600000" cy="5400000"/>
           </a:xfrm>
           <a:prstGeom prst="rect">
             <a:avLst/>
@@ -4431,7 +4578,7 @@
           <p:cNvPr id="4" name="CaixaDeTexto 3">
             <a:extLst>
               <a:ext uri="{FF2B5EF4-FFF2-40B4-BE49-F238E27FC236}">
-                <a16:creationId xmlns:a16="http://schemas.microsoft.com/office/drawing/2014/main" id="{610CFCAD-F33D-8898-04B8-E989CEE8A675}"/>
+                <a16:creationId xmlns:a16="http://schemas.microsoft.com/office/drawing/2014/main" id="{FFFF3812-0184-90AF-FBBB-D63A5F999143}"/>
               </a:ext>
             </a:extLst>
           </p:cNvPr>
@@ -4464,7 +4611,7 @@
                 <a:ea typeface="Verdana" panose="020B0604030504040204" pitchFamily="34" charset="0"/>
                 <a:cs typeface="Arial" panose="020B0604020202020204" pitchFamily="34" charset="0"/>
               </a:rPr>
-              <a:t>EDA</a:t>
+              <a:t>CLUSTERING</a:t>
             </a:r>
           </a:p>
         </p:txBody>
@@ -4474,7 +4621,7 @@
           <p:cNvPr id="5" name="CaixaDeTexto 4">
             <a:extLst>
               <a:ext uri="{FF2B5EF4-FFF2-40B4-BE49-F238E27FC236}">
-                <a16:creationId xmlns:a16="http://schemas.microsoft.com/office/drawing/2014/main" id="{6714795F-DAF6-0679-9446-758B822CD7E9}"/>
+                <a16:creationId xmlns:a16="http://schemas.microsoft.com/office/drawing/2014/main" id="{30730B9D-13BB-70FC-C248-D2521062A469}"/>
               </a:ext>
             </a:extLst>
           </p:cNvPr>
@@ -4483,8 +4630,8 @@
         </p:nvSpPr>
         <p:spPr>
           <a:xfrm>
-            <a:off x="1228725" y="5528836"/>
-            <a:ext cx="9734550" cy="1200329"/>
+            <a:off x="0" y="5528836"/>
+            <a:ext cx="12192000" cy="1200329"/>
           </a:xfrm>
           <a:prstGeom prst="rect">
             <a:avLst/>
@@ -4507,7 +4654,7 @@
                 <a:ea typeface="Verdana" panose="020B0604030504040204" pitchFamily="34" charset="0"/>
                 <a:cs typeface="Arial" panose="020B0604020202020204" pitchFamily="34" charset="0"/>
               </a:rPr>
-              <a:t>In </a:t>
+              <a:t>Green Growth </a:t>
             </a:r>
             <a:r>
               <a:rPr lang="pt-BR" sz="7200" dirty="0" err="1">
@@ -4518,7 +4665,7 @@
                 <a:ea typeface="Verdana" panose="020B0604030504040204" pitchFamily="34" charset="0"/>
                 <a:cs typeface="Arial" panose="020B0604020202020204" pitchFamily="34" charset="0"/>
               </a:rPr>
-              <a:t>progress</a:t>
+              <a:t>indicators</a:t>
             </a:r>
             <a:endParaRPr lang="pt-BR" sz="7200" dirty="0">
               <a:solidFill>
@@ -4534,7 +4681,7 @@
     </p:spTree>
     <p:extLst>
       <p:ext uri="{BB962C8B-B14F-4D97-AF65-F5344CB8AC3E}">
-        <p14:creationId xmlns:p14="http://schemas.microsoft.com/office/powerpoint/2010/main" val="2938446129"/>
+        <p14:creationId xmlns:p14="http://schemas.microsoft.com/office/powerpoint/2010/main" val="3094583086"/>
       </p:ext>
     </p:extLst>
   </p:cSld>
@@ -4563,10 +4710,10 @@
       </p:grpSpPr>
       <p:pic>
         <p:nvPicPr>
-          <p:cNvPr id="3" name="Imagem 2" descr="Diagrama&#10;&#10;Descrição gerada automaticamente">
-            <a:extLst>
-              <a:ext uri="{FF2B5EF4-FFF2-40B4-BE49-F238E27FC236}">
-                <a16:creationId xmlns:a16="http://schemas.microsoft.com/office/drawing/2014/main" id="{E7F02104-5191-C7C4-893E-FA6D852EB8CB}"/>
+          <p:cNvPr id="3" name="Imagem 2" descr="Desenho de personagem de desenho animado&#10;&#10;Descrição gerada automaticamente com confiança média">
+            <a:extLst>
+              <a:ext uri="{FF2B5EF4-FFF2-40B4-BE49-F238E27FC236}">
+                <a16:creationId xmlns:a16="http://schemas.microsoft.com/office/drawing/2014/main" id="{ECED02C7-09C0-EC2B-32B4-D81577CB83E3}"/>
               </a:ext>
             </a:extLst>
           </p:cNvPr>
@@ -4589,8 +4736,8 @@
         </p:blipFill>
         <p:spPr>
           <a:xfrm>
-            <a:off x="976000" y="549000"/>
-            <a:ext cx="10240000" cy="5760000"/>
+            <a:off x="656000" y="369000"/>
+            <a:ext cx="10880000" cy="6120000"/>
           </a:xfrm>
           <a:prstGeom prst="rect">
             <a:avLst/>
@@ -4602,7 +4749,7 @@
           <p:cNvPr id="4" name="CaixaDeTexto 3">
             <a:extLst>
               <a:ext uri="{FF2B5EF4-FFF2-40B4-BE49-F238E27FC236}">
-                <a16:creationId xmlns:a16="http://schemas.microsoft.com/office/drawing/2014/main" id="{610CFCAD-F33D-8898-04B8-E989CEE8A675}"/>
+                <a16:creationId xmlns:a16="http://schemas.microsoft.com/office/drawing/2014/main" id="{05580C2E-9A88-0CED-A559-C28FFD25F071}"/>
               </a:ext>
             </a:extLst>
           </p:cNvPr>
@@ -4635,7 +4782,7 @@
                 <a:ea typeface="Verdana" panose="020B0604030504040204" pitchFamily="34" charset="0"/>
                 <a:cs typeface="Arial" panose="020B0604020202020204" pitchFamily="34" charset="0"/>
               </a:rPr>
-              <a:t>DASHBOARD</a:t>
+              <a:t>TIME SERIES</a:t>
             </a:r>
           </a:p>
         </p:txBody>
@@ -4645,7 +4792,7 @@
           <p:cNvPr id="5" name="CaixaDeTexto 4">
             <a:extLst>
               <a:ext uri="{FF2B5EF4-FFF2-40B4-BE49-F238E27FC236}">
-                <a16:creationId xmlns:a16="http://schemas.microsoft.com/office/drawing/2014/main" id="{6714795F-DAF6-0679-9446-758B822CD7E9}"/>
+                <a16:creationId xmlns:a16="http://schemas.microsoft.com/office/drawing/2014/main" id="{77196CD6-8C17-EC1F-2FB6-6D3CF0DE30D3}"/>
               </a:ext>
             </a:extLst>
           </p:cNvPr>
@@ -4654,8 +4801,8 @@
         </p:nvSpPr>
         <p:spPr>
           <a:xfrm>
-            <a:off x="1228725" y="5528836"/>
-            <a:ext cx="9734550" cy="1200329"/>
+            <a:off x="0" y="5528836"/>
+            <a:ext cx="12192000" cy="1200329"/>
           </a:xfrm>
           <a:prstGeom prst="rect">
             <a:avLst/>
@@ -4678,8 +4825,149 @@
                 <a:ea typeface="Verdana" panose="020B0604030504040204" pitchFamily="34" charset="0"/>
                 <a:cs typeface="Arial" panose="020B0604020202020204" pitchFamily="34" charset="0"/>
               </a:rPr>
-              <a:t>In </a:t>
-            </a:r>
+              <a:t>COVID-19 in São Paulo</a:t>
+            </a:r>
+          </a:p>
+        </p:txBody>
+      </p:sp>
+    </p:spTree>
+    <p:extLst>
+      <p:ext uri="{BB962C8B-B14F-4D97-AF65-F5344CB8AC3E}">
+        <p14:creationId xmlns:p14="http://schemas.microsoft.com/office/powerpoint/2010/main" val="314579243"/>
+      </p:ext>
+    </p:extLst>
+  </p:cSld>
+  <p:clrMapOvr>
+    <a:masterClrMapping/>
+  </p:clrMapOvr>
+</p:sld>
+</file>
+
+<file path=ppt/slides/slide8.xml><?xml version="1.0" encoding="utf-8"?>
+<p:sld xmlns:a="http://schemas.openxmlformats.org/drawingml/2006/main" xmlns:r="http://schemas.openxmlformats.org/officeDocument/2006/relationships" xmlns:p="http://schemas.openxmlformats.org/presentationml/2006/main">
+  <p:cSld>
+    <p:spTree>
+      <p:nvGrpSpPr>
+        <p:cNvPr id="1" name=""/>
+        <p:cNvGrpSpPr/>
+        <p:nvPr/>
+      </p:nvGrpSpPr>
+      <p:grpSpPr>
+        <a:xfrm>
+          <a:off x="0" y="0"/>
+          <a:ext cx="0" cy="0"/>
+          <a:chOff x="0" y="0"/>
+          <a:chExt cx="0" cy="0"/>
+        </a:xfrm>
+      </p:grpSpPr>
+      <p:pic>
+        <p:nvPicPr>
+          <p:cNvPr id="6" name="Imagem 5" descr="Desenho de personagem de desenho animado&#10;&#10;Descrição gerada automaticamente">
+            <a:extLst>
+              <a:ext uri="{FF2B5EF4-FFF2-40B4-BE49-F238E27FC236}">
+                <a16:creationId xmlns:a16="http://schemas.microsoft.com/office/drawing/2014/main" id="{AD13CDD3-5CCC-25BC-9973-2096604D28E7}"/>
+              </a:ext>
+            </a:extLst>
+          </p:cNvPr>
+          <p:cNvPicPr>
+            <a:picLocks noChangeAspect="1"/>
+          </p:cNvPicPr>
+          <p:nvPr/>
+        </p:nvPicPr>
+        <p:blipFill>
+          <a:blip r:embed="rId2">
+            <a:extLst>
+              <a:ext uri="{28A0092B-C50C-407E-A947-70E740481C1C}">
+                <a14:useLocalDpi xmlns:a14="http://schemas.microsoft.com/office/drawing/2010/main" val="0"/>
+              </a:ext>
+            </a:extLst>
+          </a:blip>
+          <a:stretch>
+            <a:fillRect/>
+          </a:stretch>
+        </p:blipFill>
+        <p:spPr>
+          <a:xfrm>
+            <a:off x="3036000" y="369000"/>
+            <a:ext cx="6120000" cy="6120000"/>
+          </a:xfrm>
+          <a:prstGeom prst="rect">
+            <a:avLst/>
+          </a:prstGeom>
+        </p:spPr>
+      </p:pic>
+      <p:sp>
+        <p:nvSpPr>
+          <p:cNvPr id="4" name="CaixaDeTexto 3">
+            <a:extLst>
+              <a:ext uri="{FF2B5EF4-FFF2-40B4-BE49-F238E27FC236}">
+                <a16:creationId xmlns:a16="http://schemas.microsoft.com/office/drawing/2014/main" id="{05580C2E-9A88-0CED-A559-C28FFD25F071}"/>
+              </a:ext>
+            </a:extLst>
+          </p:cNvPr>
+          <p:cNvSpPr txBox="1"/>
+          <p:nvPr/>
+        </p:nvSpPr>
+        <p:spPr>
+          <a:xfrm>
+            <a:off x="0" y="128835"/>
+            <a:ext cx="12192000" cy="1200329"/>
+          </a:xfrm>
+          <a:prstGeom prst="rect">
+            <a:avLst/>
+          </a:prstGeom>
+          <a:noFill/>
+        </p:spPr>
+        <p:txBody>
+          <a:bodyPr wrap="square" rtlCol="0">
+            <a:spAutoFit/>
+          </a:bodyPr>
+          <a:lstStyle/>
+          <a:p>
+            <a:pPr algn="ctr"/>
+            <a:r>
+              <a:rPr lang="pt-BR" sz="7200" b="1" dirty="0">
+                <a:solidFill>
+                  <a:srgbClr val="0563BB"/>
+                </a:solidFill>
+                <a:latin typeface="Verdana" panose="020B0604030504040204" pitchFamily="34" charset="0"/>
+                <a:ea typeface="Verdana" panose="020B0604030504040204" pitchFamily="34" charset="0"/>
+                <a:cs typeface="Arial" panose="020B0604020202020204" pitchFamily="34" charset="0"/>
+              </a:rPr>
+              <a:t>ANOMALY DETECTION</a:t>
+            </a:r>
+          </a:p>
+        </p:txBody>
+      </p:sp>
+      <p:sp>
+        <p:nvSpPr>
+          <p:cNvPr id="5" name="CaixaDeTexto 4">
+            <a:extLst>
+              <a:ext uri="{FF2B5EF4-FFF2-40B4-BE49-F238E27FC236}">
+                <a16:creationId xmlns:a16="http://schemas.microsoft.com/office/drawing/2014/main" id="{77196CD6-8C17-EC1F-2FB6-6D3CF0DE30D3}"/>
+              </a:ext>
+            </a:extLst>
+          </p:cNvPr>
+          <p:cNvSpPr txBox="1"/>
+          <p:nvPr/>
+        </p:nvSpPr>
+        <p:spPr>
+          <a:xfrm>
+            <a:off x="0" y="5528836"/>
+            <a:ext cx="12192000" cy="1200329"/>
+          </a:xfrm>
+          <a:prstGeom prst="rect">
+            <a:avLst/>
+          </a:prstGeom>
+          <a:noFill/>
+        </p:spPr>
+        <p:txBody>
+          <a:bodyPr wrap="square" rtlCol="0">
+            <a:spAutoFit/>
+          </a:bodyPr>
+          <a:lstStyle/>
+          <a:p>
+            <a:pPr algn="ctr"/>
             <a:r>
               <a:rPr lang="pt-BR" sz="7200" dirty="0" err="1">
                 <a:solidFill>
@@ -4689,9 +4977,194 @@
                 <a:ea typeface="Verdana" panose="020B0604030504040204" pitchFamily="34" charset="0"/>
                 <a:cs typeface="Arial" panose="020B0604020202020204" pitchFamily="34" charset="0"/>
               </a:rPr>
-              <a:t>progress</a:t>
-            </a:r>
-            <a:endParaRPr lang="pt-BR" sz="7200" dirty="0">
+              <a:t>Frauds</a:t>
+            </a:r>
+            <a:r>
+              <a:rPr lang="pt-BR" sz="7200" dirty="0">
+                <a:solidFill>
+                  <a:srgbClr val="0563BB"/>
+                </a:solidFill>
+                <a:latin typeface="Arial Rounded MT Bold" panose="020F0704030504030204" pitchFamily="34" charset="0"/>
+                <a:ea typeface="Verdana" panose="020B0604030504040204" pitchFamily="34" charset="0"/>
+                <a:cs typeface="Arial" panose="020B0604020202020204" pitchFamily="34" charset="0"/>
+              </a:rPr>
+              <a:t> in </a:t>
+            </a:r>
+            <a:r>
+              <a:rPr lang="pt-BR" sz="7200" dirty="0" err="1">
+                <a:solidFill>
+                  <a:srgbClr val="0563BB"/>
+                </a:solidFill>
+                <a:latin typeface="Arial Rounded MT Bold" panose="020F0704030504030204" pitchFamily="34" charset="0"/>
+                <a:ea typeface="Verdana" panose="020B0604030504040204" pitchFamily="34" charset="0"/>
+                <a:cs typeface="Arial" panose="020B0604020202020204" pitchFamily="34" charset="0"/>
+              </a:rPr>
+              <a:t>an</a:t>
+            </a:r>
+            <a:r>
+              <a:rPr lang="pt-BR" sz="7200" dirty="0">
+                <a:solidFill>
+                  <a:srgbClr val="0563BB"/>
+                </a:solidFill>
+                <a:latin typeface="Arial Rounded MT Bold" panose="020F0704030504030204" pitchFamily="34" charset="0"/>
+                <a:ea typeface="Verdana" panose="020B0604030504040204" pitchFamily="34" charset="0"/>
+                <a:cs typeface="Arial" panose="020B0604020202020204" pitchFamily="34" charset="0"/>
+              </a:rPr>
+              <a:t> E-commerce</a:t>
+            </a:r>
+          </a:p>
+        </p:txBody>
+      </p:sp>
+    </p:spTree>
+    <p:extLst>
+      <p:ext uri="{BB962C8B-B14F-4D97-AF65-F5344CB8AC3E}">
+        <p14:creationId xmlns:p14="http://schemas.microsoft.com/office/powerpoint/2010/main" val="1330256755"/>
+      </p:ext>
+    </p:extLst>
+  </p:cSld>
+  <p:clrMapOvr>
+    <a:masterClrMapping/>
+  </p:clrMapOvr>
+</p:sld>
+</file>
+
+<file path=ppt/slides/slide9.xml><?xml version="1.0" encoding="utf-8"?>
+<p:sld xmlns:a="http://schemas.openxmlformats.org/drawingml/2006/main" xmlns:r="http://schemas.openxmlformats.org/officeDocument/2006/relationships" xmlns:p="http://schemas.openxmlformats.org/presentationml/2006/main">
+  <p:cSld>
+    <p:spTree>
+      <p:nvGrpSpPr>
+        <p:cNvPr id="1" name=""/>
+        <p:cNvGrpSpPr/>
+        <p:nvPr/>
+      </p:nvGrpSpPr>
+      <p:grpSpPr>
+        <a:xfrm>
+          <a:off x="0" y="0"/>
+          <a:ext cx="0" cy="0"/>
+          <a:chOff x="0" y="0"/>
+          <a:chExt cx="0" cy="0"/>
+        </a:xfrm>
+      </p:grpSpPr>
+      <p:pic>
+        <p:nvPicPr>
+          <p:cNvPr id="3" name="Imagem 2" descr="Desenho de personagem de desenho animado&#10;&#10;Descrição gerada automaticamente com confiança baixa">
+            <a:extLst>
+              <a:ext uri="{FF2B5EF4-FFF2-40B4-BE49-F238E27FC236}">
+                <a16:creationId xmlns:a16="http://schemas.microsoft.com/office/drawing/2014/main" id="{8772FC1B-7BD9-B03C-F122-474CA62104EB}"/>
+              </a:ext>
+            </a:extLst>
+          </p:cNvPr>
+          <p:cNvPicPr>
+            <a:picLocks noChangeAspect="1"/>
+          </p:cNvPicPr>
+          <p:nvPr/>
+        </p:nvPicPr>
+        <p:blipFill>
+          <a:blip r:embed="rId2">
+            <a:extLst>
+              <a:ext uri="{28A0092B-C50C-407E-A947-70E740481C1C}">
+                <a14:useLocalDpi xmlns:a14="http://schemas.microsoft.com/office/drawing/2010/main" val="0"/>
+              </a:ext>
+            </a:extLst>
+          </a:blip>
+          <a:stretch>
+            <a:fillRect/>
+          </a:stretch>
+        </p:blipFill>
+        <p:spPr>
+          <a:xfrm>
+            <a:off x="3216000" y="311736"/>
+            <a:ext cx="5760000" cy="5760000"/>
+          </a:xfrm>
+          <a:prstGeom prst="rect">
+            <a:avLst/>
+          </a:prstGeom>
+        </p:spPr>
+      </p:pic>
+      <p:sp>
+        <p:nvSpPr>
+          <p:cNvPr id="4" name="CaixaDeTexto 3">
+            <a:extLst>
+              <a:ext uri="{FF2B5EF4-FFF2-40B4-BE49-F238E27FC236}">
+                <a16:creationId xmlns:a16="http://schemas.microsoft.com/office/drawing/2014/main" id="{A128E4B8-B652-E47C-693B-D6FE8EF4CC6E}"/>
+              </a:ext>
+            </a:extLst>
+          </p:cNvPr>
+          <p:cNvSpPr txBox="1"/>
+          <p:nvPr/>
+        </p:nvSpPr>
+        <p:spPr>
+          <a:xfrm>
+            <a:off x="0" y="128835"/>
+            <a:ext cx="12192000" cy="1015663"/>
+          </a:xfrm>
+          <a:prstGeom prst="rect">
+            <a:avLst/>
+          </a:prstGeom>
+          <a:noFill/>
+        </p:spPr>
+        <p:txBody>
+          <a:bodyPr wrap="square" rtlCol="0">
+            <a:spAutoFit/>
+          </a:bodyPr>
+          <a:lstStyle/>
+          <a:p>
+            <a:pPr algn="ctr"/>
+            <a:r>
+              <a:rPr lang="pt-BR" sz="6000" b="1" dirty="0">
+                <a:solidFill>
+                  <a:srgbClr val="0563BB"/>
+                </a:solidFill>
+                <a:latin typeface="Verdana" panose="020B0604030504040204" pitchFamily="34" charset="0"/>
+                <a:ea typeface="Verdana" panose="020B0604030504040204" pitchFamily="34" charset="0"/>
+                <a:cs typeface="Arial" panose="020B0604020202020204" pitchFamily="34" charset="0"/>
+              </a:rPr>
+              <a:t>OPERATIONAL RESEARCH</a:t>
+            </a:r>
+          </a:p>
+        </p:txBody>
+      </p:sp>
+      <p:sp>
+        <p:nvSpPr>
+          <p:cNvPr id="5" name="CaixaDeTexto 4">
+            <a:extLst>
+              <a:ext uri="{FF2B5EF4-FFF2-40B4-BE49-F238E27FC236}">
+                <a16:creationId xmlns:a16="http://schemas.microsoft.com/office/drawing/2014/main" id="{D7A7A897-B7FF-B1C9-1954-34BEAE8CD400}"/>
+              </a:ext>
+            </a:extLst>
+          </p:cNvPr>
+          <p:cNvSpPr txBox="1"/>
+          <p:nvPr/>
+        </p:nvSpPr>
+        <p:spPr>
+          <a:xfrm>
+            <a:off x="0" y="5103674"/>
+            <a:ext cx="12192000" cy="1754326"/>
+          </a:xfrm>
+          <a:prstGeom prst="rect">
+            <a:avLst/>
+          </a:prstGeom>
+          <a:noFill/>
+        </p:spPr>
+        <p:txBody>
+          <a:bodyPr wrap="square" rtlCol="0">
+            <a:spAutoFit/>
+          </a:bodyPr>
+          <a:lstStyle/>
+          <a:p>
+            <a:pPr algn="ctr"/>
+            <a:r>
+              <a:rPr lang="en-US" sz="5400" dirty="0">
+                <a:solidFill>
+                  <a:srgbClr val="0563BB"/>
+                </a:solidFill>
+                <a:latin typeface="Arial Rounded MT Bold" panose="020F0704030504030204" pitchFamily="34" charset="0"/>
+                <a:ea typeface="Verdana" panose="020B0604030504040204" pitchFamily="34" charset="0"/>
+                <a:cs typeface="Arial" panose="020B0604020202020204" pitchFamily="34" charset="0"/>
+              </a:rPr>
+              <a:t>Vehicle Routing Problem with Heterogeneous Fleet</a:t>
+            </a:r>
+            <a:endParaRPr lang="pt-BR" sz="5400" dirty="0">
               <a:solidFill>
                 <a:srgbClr val="0563BB"/>
               </a:solidFill>
@@ -4705,7 +5178,7 @@
     </p:spTree>
     <p:extLst>
       <p:ext uri="{BB962C8B-B14F-4D97-AF65-F5344CB8AC3E}">
-        <p14:creationId xmlns:p14="http://schemas.microsoft.com/office/powerpoint/2010/main" val="3258180675"/>
+        <p14:creationId xmlns:p14="http://schemas.microsoft.com/office/powerpoint/2010/main" val="3664229022"/>
       </p:ext>
     </p:extLst>
   </p:cSld>

--- a/assets/img/portfolio/cards-portifolio.pptx
+++ b/assets/img/portfolio/cards-portifolio.pptx
@@ -693,7 +693,7 @@
           <a:p>
             <a:fld id="{28EA16E0-01DB-4CA7-B5A5-2C288B23FD35}" type="datetimeFigureOut">
               <a:rPr lang="pt-BR" smtClean="0"/>
-              <a:t>11/12/2023</a:t>
+              <a:t>05/07/2024</a:t>
             </a:fld>
             <a:endParaRPr lang="pt-BR"/>
           </a:p>
@@ -891,7 +891,7 @@
           <a:p>
             <a:fld id="{28EA16E0-01DB-4CA7-B5A5-2C288B23FD35}" type="datetimeFigureOut">
               <a:rPr lang="pt-BR" smtClean="0"/>
-              <a:t>11/12/2023</a:t>
+              <a:t>05/07/2024</a:t>
             </a:fld>
             <a:endParaRPr lang="pt-BR"/>
           </a:p>
@@ -1099,7 +1099,7 @@
           <a:p>
             <a:fld id="{28EA16E0-01DB-4CA7-B5A5-2C288B23FD35}" type="datetimeFigureOut">
               <a:rPr lang="pt-BR" smtClean="0"/>
-              <a:t>11/12/2023</a:t>
+              <a:t>05/07/2024</a:t>
             </a:fld>
             <a:endParaRPr lang="pt-BR"/>
           </a:p>
@@ -1297,7 +1297,7 @@
           <a:p>
             <a:fld id="{28EA16E0-01DB-4CA7-B5A5-2C288B23FD35}" type="datetimeFigureOut">
               <a:rPr lang="pt-BR" smtClean="0"/>
-              <a:t>11/12/2023</a:t>
+              <a:t>05/07/2024</a:t>
             </a:fld>
             <a:endParaRPr lang="pt-BR"/>
           </a:p>
@@ -1572,7 +1572,7 @@
           <a:p>
             <a:fld id="{28EA16E0-01DB-4CA7-B5A5-2C288B23FD35}" type="datetimeFigureOut">
               <a:rPr lang="pt-BR" smtClean="0"/>
-              <a:t>11/12/2023</a:t>
+              <a:t>05/07/2024</a:t>
             </a:fld>
             <a:endParaRPr lang="pt-BR"/>
           </a:p>
@@ -1837,7 +1837,7 @@
           <a:p>
             <a:fld id="{28EA16E0-01DB-4CA7-B5A5-2C288B23FD35}" type="datetimeFigureOut">
               <a:rPr lang="pt-BR" smtClean="0"/>
-              <a:t>11/12/2023</a:t>
+              <a:t>05/07/2024</a:t>
             </a:fld>
             <a:endParaRPr lang="pt-BR"/>
           </a:p>
@@ -2249,7 +2249,7 @@
           <a:p>
             <a:fld id="{28EA16E0-01DB-4CA7-B5A5-2C288B23FD35}" type="datetimeFigureOut">
               <a:rPr lang="pt-BR" smtClean="0"/>
-              <a:t>11/12/2023</a:t>
+              <a:t>05/07/2024</a:t>
             </a:fld>
             <a:endParaRPr lang="pt-BR"/>
           </a:p>
@@ -2390,7 +2390,7 @@
           <a:p>
             <a:fld id="{28EA16E0-01DB-4CA7-B5A5-2C288B23FD35}" type="datetimeFigureOut">
               <a:rPr lang="pt-BR" smtClean="0"/>
-              <a:t>11/12/2023</a:t>
+              <a:t>05/07/2024</a:t>
             </a:fld>
             <a:endParaRPr lang="pt-BR"/>
           </a:p>
@@ -2503,7 +2503,7 @@
           <a:p>
             <a:fld id="{28EA16E0-01DB-4CA7-B5A5-2C288B23FD35}" type="datetimeFigureOut">
               <a:rPr lang="pt-BR" smtClean="0"/>
-              <a:t>11/12/2023</a:t>
+              <a:t>05/07/2024</a:t>
             </a:fld>
             <a:endParaRPr lang="pt-BR"/>
           </a:p>
@@ -2814,7 +2814,7 @@
           <a:p>
             <a:fld id="{28EA16E0-01DB-4CA7-B5A5-2C288B23FD35}" type="datetimeFigureOut">
               <a:rPr lang="pt-BR" smtClean="0"/>
-              <a:t>11/12/2023</a:t>
+              <a:t>05/07/2024</a:t>
             </a:fld>
             <a:endParaRPr lang="pt-BR"/>
           </a:p>
@@ -3102,7 +3102,7 @@
           <a:p>
             <a:fld id="{28EA16E0-01DB-4CA7-B5A5-2C288B23FD35}" type="datetimeFigureOut">
               <a:rPr lang="pt-BR" smtClean="0"/>
-              <a:t>11/12/2023</a:t>
+              <a:t>05/07/2024</a:t>
             </a:fld>
             <a:endParaRPr lang="pt-BR"/>
           </a:p>
@@ -3343,7 +3343,7 @@
           <a:p>
             <a:fld id="{28EA16E0-01DB-4CA7-B5A5-2C288B23FD35}" type="datetimeFigureOut">
               <a:rPr lang="pt-BR" smtClean="0"/>
-              <a:t>11/12/2023</a:t>
+              <a:t>05/07/2024</a:t>
             </a:fld>
             <a:endParaRPr lang="pt-BR"/>
           </a:p>
@@ -3810,7 +3810,7 @@
         <p:spPr>
           <a:xfrm>
             <a:off x="0" y="1262452"/>
-            <a:ext cx="6849448" cy="1015663"/>
+            <a:ext cx="6849448" cy="923330"/>
           </a:xfrm>
           <a:prstGeom prst="rect">
             <a:avLst/>
@@ -3825,7 +3825,7 @@
           <a:p>
             <a:pPr algn="ctr"/>
             <a:r>
-              <a:rPr lang="pt-BR" sz="6000" b="1" dirty="0">
+              <a:rPr lang="pt-BR" sz="5400" b="1" dirty="0">
                 <a:solidFill>
                   <a:srgbClr val="0563BB"/>
                 </a:solidFill>
@@ -3833,7 +3833,7 @@
                 <a:ea typeface="Verdana" panose="020B0604030504040204" pitchFamily="34" charset="0"/>
                 <a:cs typeface="Arial" panose="020B0604020202020204" pitchFamily="34" charset="0"/>
               </a:rPr>
-              <a:t>CLUSTERING</a:t>
+              <a:t>CLUSTERIZAÇÃO</a:t>
             </a:r>
           </a:p>
         </p:txBody>
@@ -3853,7 +3853,7 @@
         <p:spPr>
           <a:xfrm>
             <a:off x="0" y="2462781"/>
-            <a:ext cx="6849448" cy="769441"/>
+            <a:ext cx="6849448" cy="1754326"/>
           </a:xfrm>
           <a:prstGeom prst="rect">
             <a:avLst/>
@@ -3868,26 +3868,13 @@
           <a:p>
             <a:pPr algn="ctr"/>
             <a:r>
-              <a:rPr lang="pt-BR" sz="4400" dirty="0">
+              <a:rPr lang="pt-BR" sz="5400" dirty="0">
                 <a:latin typeface="Arial" panose="020B0604020202020204" pitchFamily="34" charset="0"/>
                 <a:ea typeface="Verdana" panose="020B0604030504040204" pitchFamily="34" charset="0"/>
                 <a:cs typeface="Arial" panose="020B0604020202020204" pitchFamily="34" charset="0"/>
               </a:rPr>
-              <a:t>Green Growth </a:t>
-            </a:r>
-            <a:r>
-              <a:rPr lang="pt-BR" sz="4400" dirty="0" err="1">
-                <a:latin typeface="Arial" panose="020B0604020202020204" pitchFamily="34" charset="0"/>
-                <a:ea typeface="Verdana" panose="020B0604030504040204" pitchFamily="34" charset="0"/>
-                <a:cs typeface="Arial" panose="020B0604020202020204" pitchFamily="34" charset="0"/>
-              </a:rPr>
-              <a:t>indicators</a:t>
-            </a:r>
-            <a:endParaRPr lang="pt-BR" sz="4400" dirty="0">
-              <a:latin typeface="Arial" panose="020B0604020202020204" pitchFamily="34" charset="0"/>
-              <a:ea typeface="Verdana" panose="020B0604030504040204" pitchFamily="34" charset="0"/>
-              <a:cs typeface="Arial" panose="020B0604020202020204" pitchFamily="34" charset="0"/>
-            </a:endParaRPr>
+              <a:t>Indicadores de Crescimento Verde</a:t>
+            </a:r>
           </a:p>
         </p:txBody>
       </p:sp>
@@ -3971,7 +3958,7 @@
         <p:spPr>
           <a:xfrm>
             <a:off x="0" y="1262452"/>
-            <a:ext cx="6096000" cy="1200329"/>
+            <a:ext cx="6096000" cy="1384995"/>
           </a:xfrm>
           <a:prstGeom prst="rect">
             <a:avLst/>
@@ -3986,15 +3973,17 @@
           <a:p>
             <a:pPr algn="ctr"/>
             <a:r>
-              <a:rPr lang="pt-BR" sz="7200" b="1" dirty="0">
+              <a:rPr lang="pt-BR" sz="4200" b="1" i="0" cap="all" dirty="0">
                 <a:solidFill>
                   <a:srgbClr val="0563BB"/>
                 </a:solidFill>
-                <a:latin typeface="Verdana" panose="020B0604030504040204" pitchFamily="34" charset="0"/>
-                <a:ea typeface="Verdana" panose="020B0604030504040204" pitchFamily="34" charset="0"/>
-                <a:cs typeface="Arial" panose="020B0604020202020204" pitchFamily="34" charset="0"/>
+                <a:effectLst/>
+                <a:highlight>
+                  <a:srgbClr val="FFFFFF"/>
+                </a:highlight>
+                <a:latin typeface="Open Sans" panose="020B0606030504020204" pitchFamily="34" charset="0"/>
               </a:rPr>
-              <a:t>NLP</a:t>
+              <a:t>PROCESSAMENTO DE LINGUAGEM NATURAL</a:t>
             </a:r>
           </a:p>
         </p:txBody>
@@ -4013,8 +4002,8 @@
         </p:nvSpPr>
         <p:spPr>
           <a:xfrm>
-            <a:off x="76200" y="2462781"/>
-            <a:ext cx="6096000" cy="1015663"/>
+            <a:off x="76200" y="3098886"/>
+            <a:ext cx="6096000" cy="830997"/>
           </a:xfrm>
           <a:prstGeom prst="rect">
             <a:avLst/>
@@ -4029,12 +4018,12 @@
           <a:p>
             <a:pPr algn="ctr"/>
             <a:r>
-              <a:rPr lang="pt-BR" sz="6000" dirty="0">
+              <a:rPr lang="pt-BR" sz="4800" dirty="0">
                 <a:latin typeface="Arial" panose="020B0604020202020204" pitchFamily="34" charset="0"/>
                 <a:ea typeface="Verdana" panose="020B0604030504040204" pitchFamily="34" charset="0"/>
                 <a:cs typeface="Arial" panose="020B0604020202020204" pitchFamily="34" charset="0"/>
               </a:rPr>
-              <a:t>Spell Checker</a:t>
+              <a:t>Corretor Ortográfico</a:t>
             </a:r>
           </a:p>
         </p:txBody>
@@ -4118,8 +4107,8 @@
         </p:nvSpPr>
         <p:spPr>
           <a:xfrm>
-            <a:off x="0" y="1262452"/>
-            <a:ext cx="6849448" cy="1015663"/>
+            <a:off x="0" y="765496"/>
+            <a:ext cx="6849448" cy="2123658"/>
           </a:xfrm>
           <a:prstGeom prst="rect">
             <a:avLst/>
@@ -4134,7 +4123,7 @@
           <a:p>
             <a:pPr algn="ctr"/>
             <a:r>
-              <a:rPr lang="pt-BR" sz="6000" b="1" dirty="0">
+              <a:rPr lang="pt-BR" sz="6600" b="1" dirty="0">
                 <a:solidFill>
                   <a:srgbClr val="0563BB"/>
                 </a:solidFill>
@@ -4142,7 +4131,7 @@
                 <a:ea typeface="Verdana" panose="020B0604030504040204" pitchFamily="34" charset="0"/>
                 <a:cs typeface="Arial" panose="020B0604020202020204" pitchFamily="34" charset="0"/>
               </a:rPr>
-              <a:t>TIME SERIES</a:t>
+              <a:t>SÉRIE TEMPORAL</a:t>
             </a:r>
           </a:p>
         </p:txBody>
@@ -4161,7 +4150,7 @@
         </p:nvSpPr>
         <p:spPr>
           <a:xfrm>
-            <a:off x="0" y="2462781"/>
+            <a:off x="0" y="3426879"/>
             <a:ext cx="6849448" cy="769441"/>
           </a:xfrm>
           <a:prstGeom prst="rect">
@@ -4182,7 +4171,7 @@
                 <a:ea typeface="Verdana" panose="020B0604030504040204" pitchFamily="34" charset="0"/>
                 <a:cs typeface="Arial" panose="020B0604020202020204" pitchFamily="34" charset="0"/>
               </a:rPr>
-              <a:t>Covid-19 in São Paulo</a:t>
+              <a:t>Covid-19 em São Paulo</a:t>
             </a:r>
           </a:p>
         </p:txBody>
@@ -4255,7 +4244,7 @@
                 <a:ea typeface="Verdana" panose="020B0604030504040204" pitchFamily="34" charset="0"/>
                 <a:cs typeface="Arial" panose="020B0604020202020204" pitchFamily="34" charset="0"/>
               </a:rPr>
-              <a:t>ANOMALY DETECTION</a:t>
+              <a:t>DETECÇÃO DE ANOMALIAS</a:t>
             </a:r>
           </a:p>
         </p:txBody>
@@ -4309,8 +4298,8 @@
         </p:nvSpPr>
         <p:spPr>
           <a:xfrm>
-            <a:off x="0" y="2703956"/>
-            <a:ext cx="6849448" cy="769441"/>
+            <a:off x="0" y="3111463"/>
+            <a:ext cx="6849448" cy="707886"/>
           </a:xfrm>
           <a:prstGeom prst="rect">
             <a:avLst/>
@@ -4325,36 +4314,12 @@
           <a:p>
             <a:pPr algn="ctr"/>
             <a:r>
-              <a:rPr lang="pt-BR" sz="4400" dirty="0" err="1">
+              <a:rPr lang="pt-BR" sz="4000" dirty="0">
                 <a:latin typeface="Arial" panose="020B0604020202020204" pitchFamily="34" charset="0"/>
                 <a:ea typeface="Verdana" panose="020B0604030504040204" pitchFamily="34" charset="0"/>
                 <a:cs typeface="Arial" panose="020B0604020202020204" pitchFamily="34" charset="0"/>
               </a:rPr>
-              <a:t>Frauds</a:t>
-            </a:r>
-            <a:r>
-              <a:rPr lang="pt-BR" sz="4400" dirty="0">
-                <a:latin typeface="Arial" panose="020B0604020202020204" pitchFamily="34" charset="0"/>
-                <a:ea typeface="Verdana" panose="020B0604030504040204" pitchFamily="34" charset="0"/>
-                <a:cs typeface="Arial" panose="020B0604020202020204" pitchFamily="34" charset="0"/>
-              </a:rPr>
-              <a:t> in </a:t>
-            </a:r>
-            <a:r>
-              <a:rPr lang="pt-BR" sz="4400" dirty="0" err="1">
-                <a:latin typeface="Arial" panose="020B0604020202020204" pitchFamily="34" charset="0"/>
-                <a:ea typeface="Verdana" panose="020B0604030504040204" pitchFamily="34" charset="0"/>
-                <a:cs typeface="Arial" panose="020B0604020202020204" pitchFamily="34" charset="0"/>
-              </a:rPr>
-              <a:t>an</a:t>
-            </a:r>
-            <a:r>
-              <a:rPr lang="pt-BR" sz="4400" dirty="0">
-                <a:latin typeface="Arial" panose="020B0604020202020204" pitchFamily="34" charset="0"/>
-                <a:ea typeface="Verdana" panose="020B0604030504040204" pitchFamily="34" charset="0"/>
-                <a:cs typeface="Arial" panose="020B0604020202020204" pitchFamily="34" charset="0"/>
-              </a:rPr>
-              <a:t> E-commerce</a:t>
+              <a:t>Fraudes em um E-commerce</a:t>
             </a:r>
           </a:p>
         </p:txBody>
@@ -4462,7 +4427,7 @@
                 <a:ea typeface="Verdana" panose="020B0604030504040204" pitchFamily="34" charset="0"/>
                 <a:cs typeface="Arial" panose="020B0604020202020204" pitchFamily="34" charset="0"/>
               </a:rPr>
-              <a:t>OPERATIONAL RESEARCH</a:t>
+              <a:t>PESQUISA OPERACIONAL</a:t>
             </a:r>
           </a:p>
         </p:txBody>
@@ -4481,7 +4446,7 @@
         </p:nvSpPr>
         <p:spPr>
           <a:xfrm>
-            <a:off x="0" y="2703956"/>
+            <a:off x="0" y="3022007"/>
             <a:ext cx="6849448" cy="1446550"/>
           </a:xfrm>
           <a:prstGeom prst="rect">
@@ -4497,13 +4462,18 @@
           <a:p>
             <a:pPr algn="ctr"/>
             <a:r>
-              <a:rPr lang="en-US" sz="4400" dirty="0">
+              <a:rPr lang="pt-BR" sz="4400" dirty="0">
                 <a:latin typeface="Arial" panose="020B0604020202020204" pitchFamily="34" charset="0"/>
                 <a:ea typeface="Verdana" panose="020B0604030504040204" pitchFamily="34" charset="0"/>
                 <a:cs typeface="Arial" panose="020B0604020202020204" pitchFamily="34" charset="0"/>
               </a:rPr>
-              <a:t>Vehicle Routing Problem with Heterogeneous Fleet</a:t>
-            </a:r>
+              <a:t>Roteirização de Veículos com Frota Heterogênea</a:t>
+            </a:r>
+            <a:endParaRPr lang="en-US" sz="4400" dirty="0">
+              <a:latin typeface="Arial" panose="020B0604020202020204" pitchFamily="34" charset="0"/>
+              <a:ea typeface="Verdana" panose="020B0604030504040204" pitchFamily="34" charset="0"/>
+              <a:cs typeface="Arial" panose="020B0604020202020204" pitchFamily="34" charset="0"/>
+            </a:endParaRPr>
           </a:p>
         </p:txBody>
       </p:sp>

--- a/assets/img/portfolio/cards-portifolio.pptx
+++ b/assets/img/portfolio/cards-portifolio.pptx
@@ -693,7 +693,7 @@
           <a:p>
             <a:fld id="{28EA16E0-01DB-4CA7-B5A5-2C288B23FD35}" type="datetimeFigureOut">
               <a:rPr lang="pt-BR" smtClean="0"/>
-              <a:t>05/07/2024</a:t>
+              <a:t>11/12/2023</a:t>
             </a:fld>
             <a:endParaRPr lang="pt-BR"/>
           </a:p>
@@ -891,7 +891,7 @@
           <a:p>
             <a:fld id="{28EA16E0-01DB-4CA7-B5A5-2C288B23FD35}" type="datetimeFigureOut">
               <a:rPr lang="pt-BR" smtClean="0"/>
-              <a:t>05/07/2024</a:t>
+              <a:t>11/12/2023</a:t>
             </a:fld>
             <a:endParaRPr lang="pt-BR"/>
           </a:p>
@@ -1099,7 +1099,7 @@
           <a:p>
             <a:fld id="{28EA16E0-01DB-4CA7-B5A5-2C288B23FD35}" type="datetimeFigureOut">
               <a:rPr lang="pt-BR" smtClean="0"/>
-              <a:t>05/07/2024</a:t>
+              <a:t>11/12/2023</a:t>
             </a:fld>
             <a:endParaRPr lang="pt-BR"/>
           </a:p>
@@ -1297,7 +1297,7 @@
           <a:p>
             <a:fld id="{28EA16E0-01DB-4CA7-B5A5-2C288B23FD35}" type="datetimeFigureOut">
               <a:rPr lang="pt-BR" smtClean="0"/>
-              <a:t>05/07/2024</a:t>
+              <a:t>11/12/2023</a:t>
             </a:fld>
             <a:endParaRPr lang="pt-BR"/>
           </a:p>
@@ -1572,7 +1572,7 @@
           <a:p>
             <a:fld id="{28EA16E0-01DB-4CA7-B5A5-2C288B23FD35}" type="datetimeFigureOut">
               <a:rPr lang="pt-BR" smtClean="0"/>
-              <a:t>05/07/2024</a:t>
+              <a:t>11/12/2023</a:t>
             </a:fld>
             <a:endParaRPr lang="pt-BR"/>
           </a:p>
@@ -1837,7 +1837,7 @@
           <a:p>
             <a:fld id="{28EA16E0-01DB-4CA7-B5A5-2C288B23FD35}" type="datetimeFigureOut">
               <a:rPr lang="pt-BR" smtClean="0"/>
-              <a:t>05/07/2024</a:t>
+              <a:t>11/12/2023</a:t>
             </a:fld>
             <a:endParaRPr lang="pt-BR"/>
           </a:p>
@@ -2249,7 +2249,7 @@
           <a:p>
             <a:fld id="{28EA16E0-01DB-4CA7-B5A5-2C288B23FD35}" type="datetimeFigureOut">
               <a:rPr lang="pt-BR" smtClean="0"/>
-              <a:t>05/07/2024</a:t>
+              <a:t>11/12/2023</a:t>
             </a:fld>
             <a:endParaRPr lang="pt-BR"/>
           </a:p>
@@ -2390,7 +2390,7 @@
           <a:p>
             <a:fld id="{28EA16E0-01DB-4CA7-B5A5-2C288B23FD35}" type="datetimeFigureOut">
               <a:rPr lang="pt-BR" smtClean="0"/>
-              <a:t>05/07/2024</a:t>
+              <a:t>11/12/2023</a:t>
             </a:fld>
             <a:endParaRPr lang="pt-BR"/>
           </a:p>
@@ -2503,7 +2503,7 @@
           <a:p>
             <a:fld id="{28EA16E0-01DB-4CA7-B5A5-2C288B23FD35}" type="datetimeFigureOut">
               <a:rPr lang="pt-BR" smtClean="0"/>
-              <a:t>05/07/2024</a:t>
+              <a:t>11/12/2023</a:t>
             </a:fld>
             <a:endParaRPr lang="pt-BR"/>
           </a:p>
@@ -2814,7 +2814,7 @@
           <a:p>
             <a:fld id="{28EA16E0-01DB-4CA7-B5A5-2C288B23FD35}" type="datetimeFigureOut">
               <a:rPr lang="pt-BR" smtClean="0"/>
-              <a:t>05/07/2024</a:t>
+              <a:t>11/12/2023</a:t>
             </a:fld>
             <a:endParaRPr lang="pt-BR"/>
           </a:p>
@@ -3102,7 +3102,7 @@
           <a:p>
             <a:fld id="{28EA16E0-01DB-4CA7-B5A5-2C288B23FD35}" type="datetimeFigureOut">
               <a:rPr lang="pt-BR" smtClean="0"/>
-              <a:t>05/07/2024</a:t>
+              <a:t>11/12/2023</a:t>
             </a:fld>
             <a:endParaRPr lang="pt-BR"/>
           </a:p>
@@ -3343,7 +3343,7 @@
           <a:p>
             <a:fld id="{28EA16E0-01DB-4CA7-B5A5-2C288B23FD35}" type="datetimeFigureOut">
               <a:rPr lang="pt-BR" smtClean="0"/>
-              <a:t>05/07/2024</a:t>
+              <a:t>11/12/2023</a:t>
             </a:fld>
             <a:endParaRPr lang="pt-BR"/>
           </a:p>
@@ -3810,7 +3810,7 @@
         <p:spPr>
           <a:xfrm>
             <a:off x="0" y="1262452"/>
-            <a:ext cx="6849448" cy="923330"/>
+            <a:ext cx="6849448" cy="1015663"/>
           </a:xfrm>
           <a:prstGeom prst="rect">
             <a:avLst/>
@@ -3825,7 +3825,7 @@
           <a:p>
             <a:pPr algn="ctr"/>
             <a:r>
-              <a:rPr lang="pt-BR" sz="5400" b="1" dirty="0">
+              <a:rPr lang="pt-BR" sz="6000" b="1" dirty="0">
                 <a:solidFill>
                   <a:srgbClr val="0563BB"/>
                 </a:solidFill>
@@ -3833,7 +3833,7 @@
                 <a:ea typeface="Verdana" panose="020B0604030504040204" pitchFamily="34" charset="0"/>
                 <a:cs typeface="Arial" panose="020B0604020202020204" pitchFamily="34" charset="0"/>
               </a:rPr>
-              <a:t>CLUSTERIZAÇÃO</a:t>
+              <a:t>CLUSTERING</a:t>
             </a:r>
           </a:p>
         </p:txBody>
@@ -3853,7 +3853,7 @@
         <p:spPr>
           <a:xfrm>
             <a:off x="0" y="2462781"/>
-            <a:ext cx="6849448" cy="1754326"/>
+            <a:ext cx="6849448" cy="769441"/>
           </a:xfrm>
           <a:prstGeom prst="rect">
             <a:avLst/>
@@ -3868,13 +3868,26 @@
           <a:p>
             <a:pPr algn="ctr"/>
             <a:r>
-              <a:rPr lang="pt-BR" sz="5400" dirty="0">
+              <a:rPr lang="pt-BR" sz="4400" dirty="0">
                 <a:latin typeface="Arial" panose="020B0604020202020204" pitchFamily="34" charset="0"/>
                 <a:ea typeface="Verdana" panose="020B0604030504040204" pitchFamily="34" charset="0"/>
                 <a:cs typeface="Arial" panose="020B0604020202020204" pitchFamily="34" charset="0"/>
               </a:rPr>
-              <a:t>Indicadores de Crescimento Verde</a:t>
-            </a:r>
+              <a:t>Green Growth </a:t>
+            </a:r>
+            <a:r>
+              <a:rPr lang="pt-BR" sz="4400" dirty="0" err="1">
+                <a:latin typeface="Arial" panose="020B0604020202020204" pitchFamily="34" charset="0"/>
+                <a:ea typeface="Verdana" panose="020B0604030504040204" pitchFamily="34" charset="0"/>
+                <a:cs typeface="Arial" panose="020B0604020202020204" pitchFamily="34" charset="0"/>
+              </a:rPr>
+              <a:t>indicators</a:t>
+            </a:r>
+            <a:endParaRPr lang="pt-BR" sz="4400" dirty="0">
+              <a:latin typeface="Arial" panose="020B0604020202020204" pitchFamily="34" charset="0"/>
+              <a:ea typeface="Verdana" panose="020B0604030504040204" pitchFamily="34" charset="0"/>
+              <a:cs typeface="Arial" panose="020B0604020202020204" pitchFamily="34" charset="0"/>
+            </a:endParaRPr>
           </a:p>
         </p:txBody>
       </p:sp>
@@ -3958,7 +3971,7 @@
         <p:spPr>
           <a:xfrm>
             <a:off x="0" y="1262452"/>
-            <a:ext cx="6096000" cy="1384995"/>
+            <a:ext cx="6096000" cy="1200329"/>
           </a:xfrm>
           <a:prstGeom prst="rect">
             <a:avLst/>
@@ -3973,17 +3986,15 @@
           <a:p>
             <a:pPr algn="ctr"/>
             <a:r>
-              <a:rPr lang="pt-BR" sz="4200" b="1" i="0" cap="all" dirty="0">
+              <a:rPr lang="pt-BR" sz="7200" b="1" dirty="0">
                 <a:solidFill>
                   <a:srgbClr val="0563BB"/>
                 </a:solidFill>
-                <a:effectLst/>
-                <a:highlight>
-                  <a:srgbClr val="FFFFFF"/>
-                </a:highlight>
-                <a:latin typeface="Open Sans" panose="020B0606030504020204" pitchFamily="34" charset="0"/>
+                <a:latin typeface="Verdana" panose="020B0604030504040204" pitchFamily="34" charset="0"/>
+                <a:ea typeface="Verdana" panose="020B0604030504040204" pitchFamily="34" charset="0"/>
+                <a:cs typeface="Arial" panose="020B0604020202020204" pitchFamily="34" charset="0"/>
               </a:rPr>
-              <a:t>PROCESSAMENTO DE LINGUAGEM NATURAL</a:t>
+              <a:t>NLP</a:t>
             </a:r>
           </a:p>
         </p:txBody>
@@ -4002,8 +4013,8 @@
         </p:nvSpPr>
         <p:spPr>
           <a:xfrm>
-            <a:off x="76200" y="3098886"/>
-            <a:ext cx="6096000" cy="830997"/>
+            <a:off x="76200" y="2462781"/>
+            <a:ext cx="6096000" cy="1015663"/>
           </a:xfrm>
           <a:prstGeom prst="rect">
             <a:avLst/>
@@ -4018,12 +4029,12 @@
           <a:p>
             <a:pPr algn="ctr"/>
             <a:r>
-              <a:rPr lang="pt-BR" sz="4800" dirty="0">
+              <a:rPr lang="pt-BR" sz="6000" dirty="0">
                 <a:latin typeface="Arial" panose="020B0604020202020204" pitchFamily="34" charset="0"/>
                 <a:ea typeface="Verdana" panose="020B0604030504040204" pitchFamily="34" charset="0"/>
                 <a:cs typeface="Arial" panose="020B0604020202020204" pitchFamily="34" charset="0"/>
               </a:rPr>
-              <a:t>Corretor Ortográfico</a:t>
+              <a:t>Spell Checker</a:t>
             </a:r>
           </a:p>
         </p:txBody>
@@ -4107,8 +4118,8 @@
         </p:nvSpPr>
         <p:spPr>
           <a:xfrm>
-            <a:off x="0" y="765496"/>
-            <a:ext cx="6849448" cy="2123658"/>
+            <a:off x="0" y="1262452"/>
+            <a:ext cx="6849448" cy="1015663"/>
           </a:xfrm>
           <a:prstGeom prst="rect">
             <a:avLst/>
@@ -4123,7 +4134,7 @@
           <a:p>
             <a:pPr algn="ctr"/>
             <a:r>
-              <a:rPr lang="pt-BR" sz="6600" b="1" dirty="0">
+              <a:rPr lang="pt-BR" sz="6000" b="1" dirty="0">
                 <a:solidFill>
                   <a:srgbClr val="0563BB"/>
                 </a:solidFill>
@@ -4131,7 +4142,7 @@
                 <a:ea typeface="Verdana" panose="020B0604030504040204" pitchFamily="34" charset="0"/>
                 <a:cs typeface="Arial" panose="020B0604020202020204" pitchFamily="34" charset="0"/>
               </a:rPr>
-              <a:t>SÉRIE TEMPORAL</a:t>
+              <a:t>TIME SERIES</a:t>
             </a:r>
           </a:p>
         </p:txBody>
@@ -4150,7 +4161,7 @@
         </p:nvSpPr>
         <p:spPr>
           <a:xfrm>
-            <a:off x="0" y="3426879"/>
+            <a:off x="0" y="2462781"/>
             <a:ext cx="6849448" cy="769441"/>
           </a:xfrm>
           <a:prstGeom prst="rect">
@@ -4171,7 +4182,7 @@
                 <a:ea typeface="Verdana" panose="020B0604030504040204" pitchFamily="34" charset="0"/>
                 <a:cs typeface="Arial" panose="020B0604020202020204" pitchFamily="34" charset="0"/>
               </a:rPr>
-              <a:t>Covid-19 em São Paulo</a:t>
+              <a:t>Covid-19 in São Paulo</a:t>
             </a:r>
           </a:p>
         </p:txBody>
@@ -4244,7 +4255,7 @@
                 <a:ea typeface="Verdana" panose="020B0604030504040204" pitchFamily="34" charset="0"/>
                 <a:cs typeface="Arial" panose="020B0604020202020204" pitchFamily="34" charset="0"/>
               </a:rPr>
-              <a:t>DETECÇÃO DE ANOMALIAS</a:t>
+              <a:t>ANOMALY DETECTION</a:t>
             </a:r>
           </a:p>
         </p:txBody>
@@ -4298,8 +4309,8 @@
         </p:nvSpPr>
         <p:spPr>
           <a:xfrm>
-            <a:off x="0" y="3111463"/>
-            <a:ext cx="6849448" cy="707886"/>
+            <a:off x="0" y="2703956"/>
+            <a:ext cx="6849448" cy="769441"/>
           </a:xfrm>
           <a:prstGeom prst="rect">
             <a:avLst/>
@@ -4314,12 +4325,36 @@
           <a:p>
             <a:pPr algn="ctr"/>
             <a:r>
-              <a:rPr lang="pt-BR" sz="4000" dirty="0">
+              <a:rPr lang="pt-BR" sz="4400" dirty="0" err="1">
                 <a:latin typeface="Arial" panose="020B0604020202020204" pitchFamily="34" charset="0"/>
                 <a:ea typeface="Verdana" panose="020B0604030504040204" pitchFamily="34" charset="0"/>
                 <a:cs typeface="Arial" panose="020B0604020202020204" pitchFamily="34" charset="0"/>
               </a:rPr>
-              <a:t>Fraudes em um E-commerce</a:t>
+              <a:t>Frauds</a:t>
+            </a:r>
+            <a:r>
+              <a:rPr lang="pt-BR" sz="4400" dirty="0">
+                <a:latin typeface="Arial" panose="020B0604020202020204" pitchFamily="34" charset="0"/>
+                <a:ea typeface="Verdana" panose="020B0604030504040204" pitchFamily="34" charset="0"/>
+                <a:cs typeface="Arial" panose="020B0604020202020204" pitchFamily="34" charset="0"/>
+              </a:rPr>
+              <a:t> in </a:t>
+            </a:r>
+            <a:r>
+              <a:rPr lang="pt-BR" sz="4400" dirty="0" err="1">
+                <a:latin typeface="Arial" panose="020B0604020202020204" pitchFamily="34" charset="0"/>
+                <a:ea typeface="Verdana" panose="020B0604030504040204" pitchFamily="34" charset="0"/>
+                <a:cs typeface="Arial" panose="020B0604020202020204" pitchFamily="34" charset="0"/>
+              </a:rPr>
+              <a:t>an</a:t>
+            </a:r>
+            <a:r>
+              <a:rPr lang="pt-BR" sz="4400" dirty="0">
+                <a:latin typeface="Arial" panose="020B0604020202020204" pitchFamily="34" charset="0"/>
+                <a:ea typeface="Verdana" panose="020B0604030504040204" pitchFamily="34" charset="0"/>
+                <a:cs typeface="Arial" panose="020B0604020202020204" pitchFamily="34" charset="0"/>
+              </a:rPr>
+              <a:t> E-commerce</a:t>
             </a:r>
           </a:p>
         </p:txBody>
@@ -4427,7 +4462,7 @@
                 <a:ea typeface="Verdana" panose="020B0604030504040204" pitchFamily="34" charset="0"/>
                 <a:cs typeface="Arial" panose="020B0604020202020204" pitchFamily="34" charset="0"/>
               </a:rPr>
-              <a:t>PESQUISA OPERACIONAL</a:t>
+              <a:t>OPERATIONAL RESEARCH</a:t>
             </a:r>
           </a:p>
         </p:txBody>
@@ -4446,7 +4481,7 @@
         </p:nvSpPr>
         <p:spPr>
           <a:xfrm>
-            <a:off x="0" y="3022007"/>
+            <a:off x="0" y="2703956"/>
             <a:ext cx="6849448" cy="1446550"/>
           </a:xfrm>
           <a:prstGeom prst="rect">
@@ -4462,18 +4497,13 @@
           <a:p>
             <a:pPr algn="ctr"/>
             <a:r>
-              <a:rPr lang="pt-BR" sz="4400" dirty="0">
+              <a:rPr lang="en-US" sz="4400" dirty="0">
                 <a:latin typeface="Arial" panose="020B0604020202020204" pitchFamily="34" charset="0"/>
                 <a:ea typeface="Verdana" panose="020B0604030504040204" pitchFamily="34" charset="0"/>
                 <a:cs typeface="Arial" panose="020B0604020202020204" pitchFamily="34" charset="0"/>
               </a:rPr>
-              <a:t>Roteirização de Veículos com Frota Heterogênea</a:t>
-            </a:r>
-            <a:endParaRPr lang="en-US" sz="4400" dirty="0">
-              <a:latin typeface="Arial" panose="020B0604020202020204" pitchFamily="34" charset="0"/>
-              <a:ea typeface="Verdana" panose="020B0604030504040204" pitchFamily="34" charset="0"/>
-              <a:cs typeface="Arial" panose="020B0604020202020204" pitchFamily="34" charset="0"/>
-            </a:endParaRPr>
+              <a:t>Vehicle Routing Problem with Heterogeneous Fleet</a:t>
+            </a:r>
           </a:p>
         </p:txBody>
       </p:sp>
